--- a/Assignments/Classifying Disease - Capstone/Slide Deck.pptx
+++ b/Assignments/Classifying Disease - Capstone/Slide Deck.pptx
@@ -6,7 +6,7 @@
     <p:sldMasterId id="2147483981" r:id="rId2"/>
   </p:sldMasterIdLst>
   <p:notesMasterIdLst>
-    <p:notesMasterId r:id="rId14"/>
+    <p:notesMasterId r:id="rId15"/>
   </p:notesMasterIdLst>
   <p:sldIdLst>
     <p:sldId id="256" r:id="rId3"/>
@@ -14,12 +14,13 @@
     <p:sldId id="258" r:id="rId5"/>
     <p:sldId id="259" r:id="rId6"/>
     <p:sldId id="260" r:id="rId7"/>
-    <p:sldId id="261" r:id="rId8"/>
+    <p:sldId id="263" r:id="rId8"/>
     <p:sldId id="262" r:id="rId9"/>
-    <p:sldId id="263" r:id="rId10"/>
+    <p:sldId id="261" r:id="rId10"/>
     <p:sldId id="264" r:id="rId11"/>
-    <p:sldId id="265" r:id="rId12"/>
-    <p:sldId id="266" r:id="rId13"/>
+    <p:sldId id="267" r:id="rId12"/>
+    <p:sldId id="265" r:id="rId13"/>
+    <p:sldId id="266" r:id="rId14"/>
   </p:sldIdLst>
   <p:sldSz cx="12192000" cy="6858000"/>
   <p:notesSz cx="6858000" cy="9144000"/>
@@ -132,10 +133,11 @@
             <p14:sldId id="258"/>
             <p14:sldId id="259"/>
             <p14:sldId id="260"/>
+            <p14:sldId id="263"/>
+            <p14:sldId id="262"/>
             <p14:sldId id="261"/>
-            <p14:sldId id="262"/>
-            <p14:sldId id="263"/>
             <p14:sldId id="264"/>
+            <p14:sldId id="267"/>
             <p14:sldId id="265"/>
             <p14:sldId id="266"/>
           </p14:sldIdLst>
@@ -147,18 +149,37 @@
 </file>
 
 <file path=ppt/diagrams/colors1.xml><?xml version="1.0" encoding="utf-8"?>
-<dgm:colorsDef xmlns:dgm="http://schemas.openxmlformats.org/drawingml/2006/diagram" xmlns:a="http://schemas.openxmlformats.org/drawingml/2006/main" uniqueId="urn:microsoft.com/office/officeart/2005/8/colors/accent0_3">
+<dgm:colorsDef xmlns:dgm="http://schemas.openxmlformats.org/drawingml/2006/diagram" xmlns:a="http://schemas.openxmlformats.org/drawingml/2006/main" uniqueId="urn:microsoft.com/office/officeart/2005/8/colors/accent1_4">
   <dgm:title val=""/>
   <dgm:desc val=""/>
   <dgm:catLst>
-    <dgm:cat type="mainScheme" pri="10300"/>
+    <dgm:cat type="accent1" pri="11400"/>
   </dgm:catLst>
   <dgm:styleLbl name="node0">
-    <dgm:fillClrLst meth="repeat">
-      <a:schemeClr val="dk2"/>
+    <dgm:fillClrLst meth="cycle">
+      <a:schemeClr val="accent1">
+        <a:shade val="60000"/>
+      </a:schemeClr>
     </dgm:fillClrLst>
     <dgm:linClrLst meth="repeat">
-      <a:schemeClr val="lt2"/>
+      <a:schemeClr val="lt1"/>
+    </dgm:linClrLst>
+    <dgm:effectClrLst/>
+    <dgm:txLinClrLst/>
+    <dgm:txFillClrLst/>
+    <dgm:txEffectClrLst/>
+  </dgm:styleLbl>
+  <dgm:styleLbl name="node1">
+    <dgm:fillClrLst meth="cycle">
+      <a:schemeClr val="accent1">
+        <a:shade val="50000"/>
+      </a:schemeClr>
+      <a:schemeClr val="accent1">
+        <a:tint val="55000"/>
+      </a:schemeClr>
+    </dgm:fillClrLst>
+    <dgm:linClrLst meth="repeat">
+      <a:schemeClr val="lt1"/>
     </dgm:linClrLst>
     <dgm:effectClrLst/>
     <dgm:txLinClrLst/>
@@ -166,23 +187,21 @@
     <dgm:txEffectClrLst/>
   </dgm:styleLbl>
   <dgm:styleLbl name="alignNode1">
-    <dgm:fillClrLst meth="repeat">
-      <a:schemeClr val="dk2"/>
+    <dgm:fillClrLst meth="cycle">
+      <a:schemeClr val="accent1">
+        <a:shade val="50000"/>
+      </a:schemeClr>
+      <a:schemeClr val="accent1">
+        <a:tint val="55000"/>
+      </a:schemeClr>
     </dgm:fillClrLst>
-    <dgm:linClrLst meth="repeat">
-      <a:schemeClr val="dk2"/>
-    </dgm:linClrLst>
-    <dgm:effectClrLst/>
-    <dgm:txLinClrLst/>
-    <dgm:txFillClrLst/>
-    <dgm:txEffectClrLst/>
-  </dgm:styleLbl>
-  <dgm:styleLbl name="node1">
-    <dgm:fillClrLst meth="repeat">
-      <a:schemeClr val="dk2"/>
-    </dgm:fillClrLst>
-    <dgm:linClrLst meth="repeat">
-      <a:schemeClr val="lt2"/>
+    <dgm:linClrLst meth="cycle">
+      <a:schemeClr val="accent1">
+        <a:shade val="50000"/>
+      </a:schemeClr>
+      <a:schemeClr val="accent1">
+        <a:tint val="55000"/>
+      </a:schemeClr>
     </dgm:linClrLst>
     <dgm:effectClrLst/>
     <dgm:txLinClrLst/>
@@ -190,11 +209,16 @@
     <dgm:txEffectClrLst/>
   </dgm:styleLbl>
   <dgm:styleLbl name="lnNode1">
-    <dgm:fillClrLst meth="repeat">
-      <a:schemeClr val="dk2"/>
+    <dgm:fillClrLst meth="cycle">
+      <a:schemeClr val="accent1">
+        <a:shade val="50000"/>
+      </a:schemeClr>
+      <a:schemeClr val="accent1">
+        <a:tint val="55000"/>
+      </a:schemeClr>
     </dgm:fillClrLst>
     <dgm:linClrLst meth="repeat">
-      <a:schemeClr val="lt2"/>
+      <a:schemeClr val="lt1"/>
     </dgm:linClrLst>
     <dgm:effectClrLst/>
     <dgm:txLinClrLst/>
@@ -202,13 +226,18 @@
     <dgm:txEffectClrLst/>
   </dgm:styleLbl>
   <dgm:styleLbl name="vennNode1">
-    <dgm:fillClrLst meth="repeat">
-      <a:schemeClr val="dk2">
+    <dgm:fillClrLst meth="cycle">
+      <a:schemeClr val="accent1">
+        <a:shade val="80000"/>
+        <a:alpha val="50000"/>
+      </a:schemeClr>
+      <a:schemeClr val="accent1">
+        <a:tint val="50000"/>
         <a:alpha val="50000"/>
       </a:schemeClr>
     </dgm:fillClrLst>
     <dgm:linClrLst meth="repeat">
-      <a:schemeClr val="lt2"/>
+      <a:schemeClr val="lt1"/>
     </dgm:linClrLst>
     <dgm:effectClrLst/>
     <dgm:txLinClrLst/>
@@ -216,11 +245,13 @@
     <dgm:txEffectClrLst/>
   </dgm:styleLbl>
   <dgm:styleLbl name="node2">
-    <dgm:fillClrLst meth="repeat">
-      <a:schemeClr val="dk2"/>
+    <dgm:fillClrLst>
+      <a:schemeClr val="accent1">
+        <a:shade val="80000"/>
+      </a:schemeClr>
     </dgm:fillClrLst>
     <dgm:linClrLst meth="repeat">
-      <a:schemeClr val="lt2"/>
+      <a:schemeClr val="lt1"/>
     </dgm:linClrLst>
     <dgm:effectClrLst/>
     <dgm:txLinClrLst/>
@@ -228,11 +259,13 @@
     <dgm:txEffectClrLst/>
   </dgm:styleLbl>
   <dgm:styleLbl name="node3">
-    <dgm:fillClrLst meth="repeat">
-      <a:schemeClr val="dk2"/>
+    <dgm:fillClrLst>
+      <a:schemeClr val="accent1">
+        <a:tint val="99000"/>
+      </a:schemeClr>
     </dgm:fillClrLst>
     <dgm:linClrLst meth="repeat">
-      <a:schemeClr val="lt2"/>
+      <a:schemeClr val="lt1"/>
     </dgm:linClrLst>
     <dgm:effectClrLst/>
     <dgm:txLinClrLst/>
@@ -240,11 +273,13 @@
     <dgm:txEffectClrLst/>
   </dgm:styleLbl>
   <dgm:styleLbl name="node4">
-    <dgm:fillClrLst meth="repeat">
-      <a:schemeClr val="dk2"/>
+    <dgm:fillClrLst>
+      <a:schemeClr val="accent1">
+        <a:tint val="70000"/>
+      </a:schemeClr>
     </dgm:fillClrLst>
     <dgm:linClrLst meth="repeat">
-      <a:schemeClr val="lt2"/>
+      <a:schemeClr val="lt1"/>
     </dgm:linClrLst>
     <dgm:effectClrLst/>
     <dgm:txLinClrLst/>
@@ -252,66 +287,77 @@
     <dgm:txEffectClrLst/>
   </dgm:styleLbl>
   <dgm:styleLbl name="fgImgPlace1">
-    <dgm:fillClrLst meth="repeat">
-      <a:schemeClr val="dk2">
+    <dgm:fillClrLst>
+      <a:schemeClr val="accent1">
         <a:tint val="50000"/>
+      </a:schemeClr>
+      <a:schemeClr val="accent1">
+        <a:tint val="55000"/>
       </a:schemeClr>
     </dgm:fillClrLst>
     <dgm:linClrLst meth="repeat">
-      <a:schemeClr val="lt2"/>
+      <a:schemeClr val="lt1"/>
     </dgm:linClrLst>
     <dgm:effectClrLst/>
     <dgm:txLinClrLst/>
     <dgm:txFillClrLst meth="repeat">
-      <a:schemeClr val="lt2"/>
+      <a:schemeClr val="lt1"/>
     </dgm:txFillClrLst>
     <dgm:txEffectClrLst/>
   </dgm:styleLbl>
   <dgm:styleLbl name="alignImgPlace1">
-    <dgm:fillClrLst meth="repeat">
-      <a:schemeClr val="dk2">
+    <dgm:fillClrLst>
+      <a:schemeClr val="accent1">
         <a:tint val="50000"/>
+      </a:schemeClr>
+      <a:schemeClr val="accent1">
+        <a:tint val="55000"/>
       </a:schemeClr>
     </dgm:fillClrLst>
     <dgm:linClrLst meth="repeat">
-      <a:schemeClr val="dk2">
-        <a:shade val="80000"/>
-      </a:schemeClr>
+      <a:schemeClr val="lt1"/>
     </dgm:linClrLst>
     <dgm:effectClrLst/>
     <dgm:txLinClrLst/>
     <dgm:txFillClrLst meth="repeat">
-      <a:schemeClr val="lt2"/>
+      <a:schemeClr val="lt1"/>
     </dgm:txFillClrLst>
     <dgm:txEffectClrLst/>
   </dgm:styleLbl>
   <dgm:styleLbl name="bgImgPlace1">
-    <dgm:fillClrLst meth="repeat">
-      <a:schemeClr val="dk2">
+    <dgm:fillClrLst>
+      <a:schemeClr val="accent1">
         <a:tint val="50000"/>
+      </a:schemeClr>
+      <a:schemeClr val="accent1">
+        <a:tint val="55000"/>
       </a:schemeClr>
     </dgm:fillClrLst>
     <dgm:linClrLst meth="repeat">
-      <a:schemeClr val="dk2">
-        <a:shade val="80000"/>
-      </a:schemeClr>
+      <a:schemeClr val="lt1"/>
     </dgm:linClrLst>
     <dgm:effectClrLst/>
     <dgm:txLinClrLst/>
     <dgm:txFillClrLst meth="repeat">
-      <a:schemeClr val="lt2"/>
+      <a:schemeClr val="lt1"/>
     </dgm:txFillClrLst>
     <dgm:txEffectClrLst/>
   </dgm:styleLbl>
   <dgm:styleLbl name="sibTrans2D1">
-    <dgm:fillClrLst meth="repeat">
-      <a:schemeClr val="dk2">
-        <a:tint val="60000"/>
+    <dgm:fillClrLst meth="cycle">
+      <a:schemeClr val="accent1">
+        <a:shade val="90000"/>
+      </a:schemeClr>
+      <a:schemeClr val="accent1">
+        <a:tint val="50000"/>
       </a:schemeClr>
     </dgm:fillClrLst>
-    <dgm:linClrLst meth="repeat">
-      <a:schemeClr val="dk2">
-        <a:tint val="60000"/>
+    <dgm:linClrLst meth="cycle">
+      <a:schemeClr val="accent1">
+        <a:shade val="90000"/>
+      </a:schemeClr>
+      <a:schemeClr val="accent1">
+        <a:tint val="50000"/>
       </a:schemeClr>
     </dgm:linClrLst>
     <dgm:effectClrLst/>
@@ -320,14 +366,20 @@
     <dgm:txEffectClrLst/>
   </dgm:styleLbl>
   <dgm:styleLbl name="fgSibTrans2D1">
-    <dgm:fillClrLst meth="repeat">
-      <a:schemeClr val="dk2">
-        <a:tint val="60000"/>
+    <dgm:fillClrLst meth="cycle">
+      <a:schemeClr val="accent1">
+        <a:shade val="90000"/>
+      </a:schemeClr>
+      <a:schemeClr val="accent1">
+        <a:tint val="50000"/>
       </a:schemeClr>
     </dgm:fillClrLst>
-    <dgm:linClrLst meth="repeat">
-      <a:schemeClr val="dk2">
-        <a:tint val="60000"/>
+    <dgm:linClrLst meth="cycle">
+      <a:schemeClr val="accent1">
+        <a:shade val="90000"/>
+      </a:schemeClr>
+      <a:schemeClr val="accent1">
+        <a:tint val="50000"/>
       </a:schemeClr>
     </dgm:linClrLst>
     <dgm:effectClrLst/>
@@ -336,14 +388,20 @@
     <dgm:txEffectClrLst/>
   </dgm:styleLbl>
   <dgm:styleLbl name="bgSibTrans2D1">
-    <dgm:fillClrLst meth="repeat">
-      <a:schemeClr val="dk2">
-        <a:tint val="60000"/>
+    <dgm:fillClrLst meth="cycle">
+      <a:schemeClr val="accent1">
+        <a:shade val="90000"/>
+      </a:schemeClr>
+      <a:schemeClr val="accent1">
+        <a:tint val="50000"/>
       </a:schemeClr>
     </dgm:fillClrLst>
-    <dgm:linClrLst meth="repeat">
-      <a:schemeClr val="dk2">
-        <a:tint val="60000"/>
+    <dgm:linClrLst meth="cycle">
+      <a:schemeClr val="accent1">
+        <a:shade val="90000"/>
+      </a:schemeClr>
+      <a:schemeClr val="accent1">
+        <a:tint val="50000"/>
       </a:schemeClr>
     </dgm:linClrLst>
     <dgm:effectClrLst/>
@@ -352,41 +410,51 @@
     <dgm:txEffectClrLst/>
   </dgm:styleLbl>
   <dgm:styleLbl name="sibTrans1D1">
-    <dgm:fillClrLst meth="repeat">
-      <a:schemeClr val="dk2"/>
+    <dgm:fillClrLst meth="cycle">
+      <a:schemeClr val="accent1">
+        <a:shade val="90000"/>
+      </a:schemeClr>
+      <a:schemeClr val="accent1">
+        <a:tint val="50000"/>
+      </a:schemeClr>
     </dgm:fillClrLst>
-    <dgm:linClrLst meth="repeat">
-      <a:schemeClr val="dk2"/>
-    </dgm:linClrLst>
-    <dgm:effectClrLst/>
-    <dgm:txLinClrLst/>
-    <dgm:txFillClrLst meth="repeat">
-      <a:schemeClr val="lt2"/>
-    </dgm:txFillClrLst>
-    <dgm:txEffectClrLst/>
-  </dgm:styleLbl>
-  <dgm:styleLbl name="callout">
-    <dgm:fillClrLst meth="repeat">
-      <a:schemeClr val="dk2"/>
-    </dgm:fillClrLst>
-    <dgm:linClrLst meth="repeat">
-      <a:schemeClr val="dk2">
+    <dgm:linClrLst meth="cycle">
+      <a:schemeClr val="accent1">
+        <a:shade val="90000"/>
+      </a:schemeClr>
+      <a:schemeClr val="accent1">
         <a:tint val="50000"/>
       </a:schemeClr>
     </dgm:linClrLst>
     <dgm:effectClrLst/>
     <dgm:txLinClrLst/>
     <dgm:txFillClrLst meth="repeat">
-      <a:schemeClr val="lt2"/>
+      <a:schemeClr val="tx1"/>
+    </dgm:txFillClrLst>
+    <dgm:txEffectClrLst/>
+  </dgm:styleLbl>
+  <dgm:styleLbl name="callout">
+    <dgm:fillClrLst meth="repeat">
+      <a:schemeClr val="accent1"/>
+    </dgm:fillClrLst>
+    <dgm:linClrLst meth="repeat">
+      <a:schemeClr val="accent1"/>
+    </dgm:linClrLst>
+    <dgm:effectClrLst/>
+    <dgm:txLinClrLst/>
+    <dgm:txFillClrLst meth="repeat">
+      <a:schemeClr val="tx1"/>
     </dgm:txFillClrLst>
     <dgm:txEffectClrLst/>
   </dgm:styleLbl>
   <dgm:styleLbl name="asst0">
     <dgm:fillClrLst meth="repeat">
-      <a:schemeClr val="dk2"/>
+      <a:schemeClr val="accent1">
+        <a:shade val="80000"/>
+      </a:schemeClr>
     </dgm:fillClrLst>
     <dgm:linClrLst meth="repeat">
-      <a:schemeClr val="lt2"/>
+      <a:schemeClr val="lt1"/>
     </dgm:linClrLst>
     <dgm:effectClrLst/>
     <dgm:txLinClrLst/>
@@ -395,10 +463,12 @@
   </dgm:styleLbl>
   <dgm:styleLbl name="asst1">
     <dgm:fillClrLst meth="repeat">
-      <a:schemeClr val="dk2"/>
+      <a:schemeClr val="accent1">
+        <a:shade val="80000"/>
+      </a:schemeClr>
     </dgm:fillClrLst>
     <dgm:linClrLst meth="repeat">
-      <a:schemeClr val="lt2"/>
+      <a:schemeClr val="lt1"/>
     </dgm:linClrLst>
     <dgm:effectClrLst/>
     <dgm:txLinClrLst/>
@@ -406,11 +476,13 @@
     <dgm:txEffectClrLst/>
   </dgm:styleLbl>
   <dgm:styleLbl name="asst2">
-    <dgm:fillClrLst meth="repeat">
-      <a:schemeClr val="dk2"/>
+    <dgm:fillClrLst>
+      <a:schemeClr val="accent1">
+        <a:tint val="90000"/>
+      </a:schemeClr>
     </dgm:fillClrLst>
     <dgm:linClrLst meth="repeat">
-      <a:schemeClr val="lt2"/>
+      <a:schemeClr val="lt1"/>
     </dgm:linClrLst>
     <dgm:effectClrLst/>
     <dgm:txLinClrLst/>
@@ -418,11 +490,13 @@
     <dgm:txEffectClrLst/>
   </dgm:styleLbl>
   <dgm:styleLbl name="asst3">
-    <dgm:fillClrLst meth="repeat">
-      <a:schemeClr val="dk2"/>
+    <dgm:fillClrLst>
+      <a:schemeClr val="accent1">
+        <a:tint val="70000"/>
+      </a:schemeClr>
     </dgm:fillClrLst>
     <dgm:linClrLst meth="repeat">
-      <a:schemeClr val="lt2"/>
+      <a:schemeClr val="lt1"/>
     </dgm:linClrLst>
     <dgm:effectClrLst/>
     <dgm:txLinClrLst/>
@@ -430,11 +504,13 @@
     <dgm:txEffectClrLst/>
   </dgm:styleLbl>
   <dgm:styleLbl name="asst4">
-    <dgm:fillClrLst meth="repeat">
-      <a:schemeClr val="dk2"/>
+    <dgm:fillClrLst>
+      <a:schemeClr val="accent1">
+        <a:tint val="50000"/>
+      </a:schemeClr>
     </dgm:fillClrLst>
     <dgm:linClrLst meth="repeat">
-      <a:schemeClr val="lt2"/>
+      <a:schemeClr val="lt1"/>
     </dgm:linClrLst>
     <dgm:effectClrLst/>
     <dgm:txLinClrLst/>
@@ -443,71 +519,79 @@
   </dgm:styleLbl>
   <dgm:styleLbl name="parChTrans2D1">
     <dgm:fillClrLst meth="repeat">
-      <a:schemeClr val="dk2">
+      <a:schemeClr val="accent1">
         <a:tint val="60000"/>
       </a:schemeClr>
     </dgm:fillClrLst>
     <dgm:linClrLst meth="repeat">
-      <a:schemeClr val="dk2">
-        <a:tint val="60000"/>
+      <a:schemeClr val="accent1">
+        <a:shade val="80000"/>
+      </a:schemeClr>
+    </dgm:linClrLst>
+    <dgm:effectClrLst/>
+    <dgm:txLinClrLst/>
+    <dgm:txFillClrLst/>
+    <dgm:txEffectClrLst/>
+  </dgm:styleLbl>
+  <dgm:styleLbl name="parChTrans2D2">
+    <dgm:fillClrLst meth="repeat">
+      <a:schemeClr val="accent1">
+        <a:tint val="90000"/>
+      </a:schemeClr>
+    </dgm:fillClrLst>
+    <dgm:linClrLst meth="repeat">
+      <a:schemeClr val="accent1">
+        <a:tint val="90000"/>
+      </a:schemeClr>
+    </dgm:linClrLst>
+    <dgm:effectClrLst/>
+    <dgm:txLinClrLst/>
+    <dgm:txFillClrLst/>
+    <dgm:txEffectClrLst/>
+  </dgm:styleLbl>
+  <dgm:styleLbl name="parChTrans2D3">
+    <dgm:fillClrLst meth="repeat">
+      <a:schemeClr val="accent1">
+        <a:tint val="70000"/>
+      </a:schemeClr>
+    </dgm:fillClrLst>
+    <dgm:linClrLst meth="repeat">
+      <a:schemeClr val="accent1">
+        <a:tint val="70000"/>
+      </a:schemeClr>
+    </dgm:linClrLst>
+    <dgm:effectClrLst/>
+    <dgm:txLinClrLst/>
+    <dgm:txFillClrLst/>
+    <dgm:txEffectClrLst/>
+  </dgm:styleLbl>
+  <dgm:styleLbl name="parChTrans2D4">
+    <dgm:fillClrLst meth="repeat">
+      <a:schemeClr val="accent1">
+        <a:tint val="50000"/>
+      </a:schemeClr>
+    </dgm:fillClrLst>
+    <dgm:linClrLst meth="repeat">
+      <a:schemeClr val="accent1">
+        <a:tint val="50000"/>
       </a:schemeClr>
     </dgm:linClrLst>
     <dgm:effectClrLst/>
     <dgm:txLinClrLst/>
     <dgm:txFillClrLst meth="repeat">
-      <a:schemeClr val="lt2"/>
-    </dgm:txFillClrLst>
-    <dgm:txEffectClrLst/>
-  </dgm:styleLbl>
-  <dgm:styleLbl name="parChTrans2D2">
-    <dgm:fillClrLst meth="repeat">
-      <a:schemeClr val="dk2"/>
-    </dgm:fillClrLst>
-    <dgm:linClrLst meth="repeat">
-      <a:schemeClr val="dk2"/>
-    </dgm:linClrLst>
-    <dgm:effectClrLst/>
-    <dgm:txLinClrLst/>
-    <dgm:txFillClrLst meth="repeat">
-      <a:schemeClr val="lt2"/>
-    </dgm:txFillClrLst>
-    <dgm:txEffectClrLst/>
-  </dgm:styleLbl>
-  <dgm:styleLbl name="parChTrans2D3">
-    <dgm:fillClrLst meth="repeat">
-      <a:schemeClr val="dk2"/>
-    </dgm:fillClrLst>
-    <dgm:linClrLst meth="repeat">
-      <a:schemeClr val="dk2"/>
-    </dgm:linClrLst>
-    <dgm:effectClrLst/>
-    <dgm:txLinClrLst/>
-    <dgm:txFillClrLst meth="repeat">
-      <a:schemeClr val="lt2"/>
-    </dgm:txFillClrLst>
-    <dgm:txEffectClrLst/>
-  </dgm:styleLbl>
-  <dgm:styleLbl name="parChTrans2D4">
-    <dgm:fillClrLst meth="repeat">
-      <a:schemeClr val="dk2"/>
-    </dgm:fillClrLst>
-    <dgm:linClrLst meth="repeat">
-      <a:schemeClr val="dk2"/>
-    </dgm:linClrLst>
-    <dgm:effectClrLst/>
-    <dgm:txLinClrLst/>
-    <dgm:txFillClrLst meth="repeat">
-      <a:schemeClr val="lt2"/>
+      <a:schemeClr val="dk1"/>
     </dgm:txFillClrLst>
     <dgm:txEffectClrLst/>
   </dgm:styleLbl>
   <dgm:styleLbl name="parChTrans1D1">
     <dgm:fillClrLst meth="repeat">
-      <a:schemeClr val="dk2"/>
+      <a:schemeClr val="accent1">
+        <a:shade val="80000"/>
+      </a:schemeClr>
     </dgm:fillClrLst>
     <dgm:linClrLst meth="repeat">
-      <a:schemeClr val="dk2">
-        <a:shade val="60000"/>
+      <a:schemeClr val="accent1">
+        <a:shade val="80000"/>
       </a:schemeClr>
     </dgm:linClrLst>
     <dgm:effectClrLst/>
@@ -519,11 +603,13 @@
   </dgm:styleLbl>
   <dgm:styleLbl name="parChTrans1D2">
     <dgm:fillClrLst meth="repeat">
-      <a:schemeClr val="dk2"/>
+      <a:schemeClr val="accent1">
+        <a:tint val="90000"/>
+      </a:schemeClr>
     </dgm:fillClrLst>
     <dgm:linClrLst meth="repeat">
-      <a:schemeClr val="dk2">
-        <a:shade val="60000"/>
+      <a:schemeClr val="accent1">
+        <a:tint val="90000"/>
       </a:schemeClr>
     </dgm:linClrLst>
     <dgm:effectClrLst/>
@@ -535,11 +621,13 @@
   </dgm:styleLbl>
   <dgm:styleLbl name="parChTrans1D3">
     <dgm:fillClrLst meth="repeat">
-      <a:schemeClr val="dk2"/>
+      <a:schemeClr val="accent1">
+        <a:tint val="70000"/>
+      </a:schemeClr>
     </dgm:fillClrLst>
     <dgm:linClrLst meth="repeat">
-      <a:schemeClr val="dk2">
-        <a:shade val="80000"/>
+      <a:schemeClr val="accent1">
+        <a:tint val="70000"/>
       </a:schemeClr>
     </dgm:linClrLst>
     <dgm:effectClrLst/>
@@ -551,11 +639,13 @@
   </dgm:styleLbl>
   <dgm:styleLbl name="parChTrans1D4">
     <dgm:fillClrLst meth="repeat">
-      <a:schemeClr val="dk2"/>
+      <a:schemeClr val="accent1">
+        <a:tint val="50000"/>
+      </a:schemeClr>
     </dgm:fillClrLst>
     <dgm:linClrLst meth="repeat">
-      <a:schemeClr val="dk2">
-        <a:shade val="80000"/>
+      <a:schemeClr val="accent1">
+        <a:tint val="50000"/>
       </a:schemeClr>
     </dgm:linClrLst>
     <dgm:effectClrLst/>
@@ -567,12 +657,17 @@
   </dgm:styleLbl>
   <dgm:styleLbl name="fgAcc1">
     <dgm:fillClrLst meth="repeat">
-      <a:schemeClr val="lt2">
+      <a:schemeClr val="lt1">
         <a:alpha val="90000"/>
       </a:schemeClr>
     </dgm:fillClrLst>
-    <dgm:linClrLst meth="repeat">
-      <a:schemeClr val="dk2"/>
+    <dgm:linClrLst meth="cycle">
+      <a:schemeClr val="accent1">
+        <a:shade val="50000"/>
+      </a:schemeClr>
+      <a:schemeClr val="accent1">
+        <a:tint val="55000"/>
+      </a:schemeClr>
     </dgm:linClrLst>
     <dgm:effectClrLst/>
     <dgm:txLinClrLst/>
@@ -583,12 +678,17 @@
   </dgm:styleLbl>
   <dgm:styleLbl name="conFgAcc1">
     <dgm:fillClrLst meth="repeat">
-      <a:schemeClr val="lt2">
+      <a:schemeClr val="lt1">
         <a:alpha val="90000"/>
       </a:schemeClr>
     </dgm:fillClrLst>
-    <dgm:linClrLst meth="repeat">
-      <a:schemeClr val="dk2"/>
+    <dgm:linClrLst meth="cycle">
+      <a:schemeClr val="accent1">
+        <a:shade val="50000"/>
+      </a:schemeClr>
+      <a:schemeClr val="accent1">
+        <a:tint val="55000"/>
+      </a:schemeClr>
     </dgm:linClrLst>
     <dgm:effectClrLst/>
     <dgm:txLinClrLst/>
@@ -599,12 +699,17 @@
   </dgm:styleLbl>
   <dgm:styleLbl name="alignAcc1">
     <dgm:fillClrLst meth="repeat">
-      <a:schemeClr val="lt2">
+      <a:schemeClr val="lt1">
         <a:alpha val="90000"/>
       </a:schemeClr>
     </dgm:fillClrLst>
-    <dgm:linClrLst meth="repeat">
-      <a:schemeClr val="dk2"/>
+    <dgm:linClrLst meth="cycle">
+      <a:schemeClr val="accent1">
+        <a:shade val="50000"/>
+      </a:schemeClr>
+      <a:schemeClr val="accent1">
+        <a:tint val="55000"/>
+      </a:schemeClr>
     </dgm:linClrLst>
     <dgm:effectClrLst/>
     <dgm:txLinClrLst/>
@@ -615,12 +720,12 @@
   </dgm:styleLbl>
   <dgm:styleLbl name="trAlignAcc1">
     <dgm:fillClrLst meth="repeat">
-      <a:schemeClr val="lt2">
-        <a:alpha val="40000"/>
+      <a:schemeClr val="lt1">
+        <a:alpha val="55000"/>
       </a:schemeClr>
     </dgm:fillClrLst>
     <dgm:linClrLst meth="repeat">
-      <a:schemeClr val="dk2"/>
+      <a:schemeClr val="accent1"/>
     </dgm:linClrLst>
     <dgm:effectClrLst/>
     <dgm:txLinClrLst/>
@@ -631,12 +736,17 @@
   </dgm:styleLbl>
   <dgm:styleLbl name="bgAcc1">
     <dgm:fillClrLst meth="repeat">
-      <a:schemeClr val="lt2">
+      <a:schemeClr val="lt1">
         <a:alpha val="90000"/>
       </a:schemeClr>
     </dgm:fillClrLst>
-    <dgm:linClrLst meth="repeat">
-      <a:schemeClr val="dk2"/>
+    <dgm:linClrLst meth="cycle">
+      <a:schemeClr val="accent1">
+        <a:shade val="50000"/>
+      </a:schemeClr>
+      <a:schemeClr val="accent1">
+        <a:tint val="55000"/>
+      </a:schemeClr>
     </dgm:linClrLst>
     <dgm:effectClrLst/>
     <dgm:txLinClrLst/>
@@ -647,10 +757,15 @@
   </dgm:styleLbl>
   <dgm:styleLbl name="solidFgAcc1">
     <dgm:fillClrLst meth="repeat">
-      <a:schemeClr val="lt2"/>
+      <a:schemeClr val="lt1"/>
     </dgm:fillClrLst>
-    <dgm:linClrLst meth="repeat">
-      <a:schemeClr val="dk2"/>
+    <dgm:linClrLst meth="cycle">
+      <a:schemeClr val="accent1">
+        <a:shade val="50000"/>
+      </a:schemeClr>
+      <a:schemeClr val="accent1">
+        <a:tint val="55000"/>
+      </a:schemeClr>
     </dgm:linClrLst>
     <dgm:effectClrLst/>
     <dgm:txLinClrLst/>
@@ -661,10 +776,10 @@
   </dgm:styleLbl>
   <dgm:styleLbl name="solidAlignAcc1">
     <dgm:fillClrLst meth="repeat">
-      <a:schemeClr val="lt2"/>
+      <a:schemeClr val="lt1"/>
     </dgm:fillClrLst>
     <dgm:linClrLst meth="repeat">
-      <a:schemeClr val="dk2"/>
+      <a:schemeClr val="accent1"/>
     </dgm:linClrLst>
     <dgm:effectClrLst/>
     <dgm:txLinClrLst/>
@@ -675,10 +790,10 @@
   </dgm:styleLbl>
   <dgm:styleLbl name="solidBgAcc1">
     <dgm:fillClrLst meth="repeat">
-      <a:schemeClr val="lt2"/>
+      <a:schemeClr val="lt1"/>
     </dgm:fillClrLst>
     <dgm:linClrLst meth="repeat">
-      <a:schemeClr val="dk2"/>
+      <a:schemeClr val="accent1"/>
     </dgm:linClrLst>
     <dgm:effectClrLst/>
     <dgm:txLinClrLst/>
@@ -689,15 +804,15 @@
   </dgm:styleLbl>
   <dgm:styleLbl name="fgAccFollowNode1">
     <dgm:fillClrLst meth="repeat">
-      <a:schemeClr val="dk2">
+      <a:schemeClr val="accent1">
         <a:alpha val="90000"/>
-        <a:tint val="40000"/>
+        <a:tint val="55000"/>
       </a:schemeClr>
     </dgm:fillClrLst>
     <dgm:linClrLst meth="repeat">
-      <a:schemeClr val="dk2">
+      <a:schemeClr val="accent1">
         <a:alpha val="90000"/>
-        <a:tint val="40000"/>
+        <a:tint val="55000"/>
       </a:schemeClr>
     </dgm:linClrLst>
     <dgm:effectClrLst/>
@@ -709,15 +824,15 @@
   </dgm:styleLbl>
   <dgm:styleLbl name="alignAccFollowNode1">
     <dgm:fillClrLst meth="repeat">
-      <a:schemeClr val="dk2">
+      <a:schemeClr val="accent1">
         <a:alpha val="90000"/>
-        <a:tint val="40000"/>
+        <a:tint val="55000"/>
       </a:schemeClr>
     </dgm:fillClrLst>
     <dgm:linClrLst meth="repeat">
-      <a:schemeClr val="dk2">
+      <a:schemeClr val="accent1">
         <a:alpha val="90000"/>
-        <a:tint val="40000"/>
+        <a:tint val="55000"/>
       </a:schemeClr>
     </dgm:linClrLst>
     <dgm:effectClrLst/>
@@ -729,16 +844,13 @@
   </dgm:styleLbl>
   <dgm:styleLbl name="bgAccFollowNode1">
     <dgm:fillClrLst meth="repeat">
-      <a:schemeClr val="dk2">
+      <a:schemeClr val="accent1">
         <a:alpha val="90000"/>
-        <a:tint val="40000"/>
+        <a:tint val="55000"/>
       </a:schemeClr>
     </dgm:fillClrLst>
     <dgm:linClrLst meth="repeat">
-      <a:schemeClr val="dk2">
-        <a:alpha val="90000"/>
-        <a:tint val="40000"/>
-      </a:schemeClr>
+      <a:schemeClr val="lt1"/>
     </dgm:linClrLst>
     <dgm:effectClrLst/>
     <dgm:txLinClrLst/>
@@ -749,12 +861,14 @@
   </dgm:styleLbl>
   <dgm:styleLbl name="fgAcc0">
     <dgm:fillClrLst meth="repeat">
-      <a:schemeClr val="lt2">
+      <a:schemeClr val="lt1">
         <a:alpha val="90000"/>
       </a:schemeClr>
     </dgm:fillClrLst>
     <dgm:linClrLst meth="repeat">
-      <a:schemeClr val="dk2"/>
+      <a:schemeClr val="accent1">
+        <a:shade val="80000"/>
+      </a:schemeClr>
     </dgm:linClrLst>
     <dgm:effectClrLst/>
     <dgm:txLinClrLst/>
@@ -765,12 +879,14 @@
   </dgm:styleLbl>
   <dgm:styleLbl name="fgAcc2">
     <dgm:fillClrLst meth="repeat">
-      <a:schemeClr val="lt2">
+      <a:schemeClr val="lt1">
         <a:alpha val="90000"/>
       </a:schemeClr>
     </dgm:fillClrLst>
     <dgm:linClrLst meth="repeat">
-      <a:schemeClr val="dk2"/>
+      <a:schemeClr val="accent1">
+        <a:tint val="90000"/>
+      </a:schemeClr>
     </dgm:linClrLst>
     <dgm:effectClrLst/>
     <dgm:txLinClrLst/>
@@ -781,12 +897,14 @@
   </dgm:styleLbl>
   <dgm:styleLbl name="fgAcc3">
     <dgm:fillClrLst meth="repeat">
-      <a:schemeClr val="lt2">
+      <a:schemeClr val="lt1">
         <a:alpha val="90000"/>
       </a:schemeClr>
     </dgm:fillClrLst>
     <dgm:linClrLst meth="repeat">
-      <a:schemeClr val="dk2"/>
+      <a:schemeClr val="accent1">
+        <a:tint val="70000"/>
+      </a:schemeClr>
     </dgm:linClrLst>
     <dgm:effectClrLst/>
     <dgm:txLinClrLst/>
@@ -797,12 +915,14 @@
   </dgm:styleLbl>
   <dgm:styleLbl name="fgAcc4">
     <dgm:fillClrLst meth="repeat">
-      <a:schemeClr val="lt2">
+      <a:schemeClr val="lt1">
         <a:alpha val="90000"/>
       </a:schemeClr>
     </dgm:fillClrLst>
     <dgm:linClrLst meth="repeat">
-      <a:schemeClr val="dk2"/>
+      <a:schemeClr val="accent1">
+        <a:tint val="50000"/>
+      </a:schemeClr>
     </dgm:linClrLst>
     <dgm:effectClrLst/>
     <dgm:txLinClrLst/>
@@ -813,12 +933,12 @@
   </dgm:styleLbl>
   <dgm:styleLbl name="bgShp">
     <dgm:fillClrLst meth="repeat">
-      <a:schemeClr val="dk2">
-        <a:tint val="40000"/>
+      <a:schemeClr val="accent1">
+        <a:tint val="55000"/>
       </a:schemeClr>
     </dgm:fillClrLst>
     <dgm:linClrLst meth="repeat">
-      <a:schemeClr val="dk2"/>
+      <a:schemeClr val="dk1"/>
     </dgm:linClrLst>
     <dgm:effectClrLst/>
     <dgm:txLinClrLst/>
@@ -829,12 +949,12 @@
   </dgm:styleLbl>
   <dgm:styleLbl name="dkBgShp">
     <dgm:fillClrLst meth="repeat">
-      <a:schemeClr val="dk2">
-        <a:shade val="80000"/>
+      <a:schemeClr val="accent1">
+        <a:shade val="90000"/>
       </a:schemeClr>
     </dgm:fillClrLst>
     <dgm:linClrLst meth="repeat">
-      <a:schemeClr val="dk2"/>
+      <a:schemeClr val="dk1"/>
     </dgm:linClrLst>
     <dgm:effectClrLst/>
     <dgm:txLinClrLst/>
@@ -845,13 +965,13 @@
   </dgm:styleLbl>
   <dgm:styleLbl name="trBgShp">
     <dgm:fillClrLst meth="repeat">
-      <a:schemeClr val="dk2">
+      <a:schemeClr val="accent1">
         <a:tint val="50000"/>
-        <a:alpha val="40000"/>
+        <a:alpha val="55000"/>
       </a:schemeClr>
     </dgm:fillClrLst>
     <dgm:linClrLst meth="repeat">
-      <a:schemeClr val="dk2"/>
+      <a:schemeClr val="accent1"/>
     </dgm:linClrLst>
     <dgm:effectClrLst/>
     <dgm:txLinClrLst/>
@@ -862,12 +982,12 @@
   </dgm:styleLbl>
   <dgm:styleLbl name="fgShp">
     <dgm:fillClrLst meth="repeat">
-      <a:schemeClr val="dk2">
-        <a:tint val="60000"/>
+      <a:schemeClr val="accent1">
+        <a:tint val="55000"/>
       </a:schemeClr>
     </dgm:fillClrLst>
     <dgm:linClrLst meth="repeat">
-      <a:schemeClr val="lt2"/>
+      <a:schemeClr val="lt1"/>
     </dgm:linClrLst>
     <dgm:effectClrLst/>
     <dgm:txLinClrLst/>
@@ -878,7 +998,7 @@
   </dgm:styleLbl>
   <dgm:styleLbl name="revTx">
     <dgm:fillClrLst meth="repeat">
-      <a:schemeClr val="lt2">
+      <a:schemeClr val="lt1">
         <a:alpha val="0"/>
       </a:schemeClr>
     </dgm:fillClrLst>
@@ -901,7 +1021,7 @@
 <dgm:dataModel xmlns:dgm="http://schemas.openxmlformats.org/drawingml/2006/diagram" xmlns:a="http://schemas.openxmlformats.org/drawingml/2006/main">
   <dgm:ptLst>
     <dgm:pt modelId="{154D06E5-274E-504D-921B-672767C3AF43}" type="doc">
-      <dgm:prSet loTypeId="urn:microsoft.com/office/officeart/2005/8/layout/orgChart1" loCatId="" qsTypeId="urn:microsoft.com/office/officeart/2005/8/quickstyle/simple5" qsCatId="simple" csTypeId="urn:microsoft.com/office/officeart/2005/8/colors/accent0_3" csCatId="mainScheme" phldr="1"/>
+      <dgm:prSet loTypeId="urn:microsoft.com/office/officeart/2005/8/layout/orgChart1" loCatId="" qsTypeId="urn:microsoft.com/office/officeart/2005/8/quickstyle/simple1" qsCatId="simple" csTypeId="urn:microsoft.com/office/officeart/2005/8/colors/accent1_4" csCatId="accent1" phldr="1"/>
       <dgm:spPr/>
       <dgm:t>
         <a:bodyPr/>
@@ -913,7 +1033,13 @@
     </dgm:pt>
     <dgm:pt modelId="{69CE4A23-F36E-1748-8D80-A22FC089A0FB}">
       <dgm:prSet phldrT="[Text]"/>
-      <dgm:spPr/>
+      <dgm:spPr>
+        <a:solidFill>
+          <a:schemeClr val="accent1">
+            <a:lumMod val="75000"/>
+          </a:schemeClr>
+        </a:solidFill>
+      </dgm:spPr>
       <dgm:t>
         <a:bodyPr/>
         <a:lstStyle/>
@@ -950,7 +1076,11 @@
     </dgm:pt>
     <dgm:pt modelId="{CE81CBDF-6939-4448-A5FD-6EA7C3BEDFDC}">
       <dgm:prSet phldrT="[Text]"/>
-      <dgm:spPr/>
+      <dgm:spPr>
+        <a:solidFill>
+          <a:schemeClr val="accent1"/>
+        </a:solidFill>
+      </dgm:spPr>
       <dgm:t>
         <a:bodyPr/>
         <a:lstStyle/>
@@ -987,7 +1117,11 @@
     </dgm:pt>
     <dgm:pt modelId="{535ACE83-62F6-8146-93F9-8095A8395765}">
       <dgm:prSet phldrT="[Text]"/>
-      <dgm:spPr/>
+      <dgm:spPr>
+        <a:solidFill>
+          <a:schemeClr val="accent1"/>
+        </a:solidFill>
+      </dgm:spPr>
       <dgm:t>
         <a:bodyPr/>
         <a:lstStyle/>
@@ -995,7 +1129,7 @@
           <a:pPr rtl="0"/>
           <a:r>
             <a:rPr lang="en-US" dirty="0"/>
-            <a:t>Label Encoding</a:t>
+            <a:t>Formatting</a:t>
           </a:r>
         </a:p>
       </dgm:t>
@@ -1023,14 +1157,21 @@
       </dgm:t>
     </dgm:pt>
     <dgm:pt modelId="{5CD4060C-E774-BF48-88B5-76C3FB267C51}">
-      <dgm:prSet phldrT="[Text]" phldr="1"/>
-      <dgm:spPr/>
+      <dgm:prSet phldrT="[Text]"/>
+      <dgm:spPr>
+        <a:solidFill>
+          <a:schemeClr val="accent1"/>
+        </a:solidFill>
+      </dgm:spPr>
       <dgm:t>
         <a:bodyPr/>
         <a:lstStyle/>
         <a:p>
           <a:pPr rtl="0"/>
-          <a:endParaRPr lang="en-US" dirty="0"/>
+          <a:r>
+            <a:rPr lang="en-US" dirty="0"/>
+            <a:t>Label Encoding</a:t>
+          </a:r>
         </a:p>
       </dgm:t>
     </dgm:pt>
@@ -1072,7 +1213,7 @@
     <dgm:pt modelId="{1CCFA4CD-BE31-D240-8144-DDB6D604C2AF}" type="pres">
       <dgm:prSet presAssocID="{69CE4A23-F36E-1748-8D80-A22FC089A0FB}" presName="hierRoot1" presStyleCnt="0">
         <dgm:presLayoutVars>
-          <dgm:hierBranch val="init"/>
+          <dgm:hierBranch/>
         </dgm:presLayoutVars>
       </dgm:prSet>
       <dgm:spPr/>
@@ -1097,8 +1238,8 @@
       <dgm:prSet presAssocID="{69CE4A23-F36E-1748-8D80-A22FC089A0FB}" presName="hierChild2" presStyleCnt="0"/>
       <dgm:spPr/>
     </dgm:pt>
-    <dgm:pt modelId="{FE8E10CC-2885-9848-A022-067587309DE5}" type="pres">
-      <dgm:prSet presAssocID="{7D800338-8BE8-4749-9954-1836DD80B5C7}" presName="Name37" presStyleLbl="parChTrans1D2" presStyleIdx="0" presStyleCnt="3"/>
+    <dgm:pt modelId="{AD0202BF-99B7-2348-99D4-405E0D6D142A}" type="pres">
+      <dgm:prSet presAssocID="{7D800338-8BE8-4749-9954-1836DD80B5C7}" presName="Name35" presStyleLbl="parChTrans1D2" presStyleIdx="0" presStyleCnt="3"/>
       <dgm:spPr/>
     </dgm:pt>
     <dgm:pt modelId="{A4220A94-4928-0141-A73D-8E8F807E3B79}" type="pres">
@@ -1114,7 +1255,7 @@
       <dgm:spPr/>
     </dgm:pt>
     <dgm:pt modelId="{A836205F-AC48-3743-B804-A5C9FFC8E6D2}" type="pres">
-      <dgm:prSet presAssocID="{CE81CBDF-6939-4448-A5FD-6EA7C3BEDFDC}" presName="rootText" presStyleLbl="node2" presStyleIdx="0" presStyleCnt="3" custLinFactNeighborX="-99295" custLinFactNeighborY="-10378">
+      <dgm:prSet presAssocID="{CE81CBDF-6939-4448-A5FD-6EA7C3BEDFDC}" presName="rootText" presStyleLbl="node2" presStyleIdx="0" presStyleCnt="3" custScaleX="157828" custLinFactNeighborX="-99295" custLinFactNeighborY="-10378">
         <dgm:presLayoutVars>
           <dgm:chPref val="3"/>
         </dgm:presLayoutVars>
@@ -1133,8 +1274,8 @@
       <dgm:prSet presAssocID="{CE81CBDF-6939-4448-A5FD-6EA7C3BEDFDC}" presName="hierChild5" presStyleCnt="0"/>
       <dgm:spPr/>
     </dgm:pt>
-    <dgm:pt modelId="{FADBC707-67FF-A940-9BA6-CA8096FA82D5}" type="pres">
-      <dgm:prSet presAssocID="{3B1522DA-80D6-BC47-AE1E-E113A4978C67}" presName="Name37" presStyleLbl="parChTrans1D2" presStyleIdx="1" presStyleCnt="3"/>
+    <dgm:pt modelId="{3E13EFE0-7422-0248-9A0A-9816DC5CBE54}" type="pres">
+      <dgm:prSet presAssocID="{3B1522DA-80D6-BC47-AE1E-E113A4978C67}" presName="Name35" presStyleLbl="parChTrans1D2" presStyleIdx="1" presStyleCnt="3"/>
       <dgm:spPr/>
     </dgm:pt>
     <dgm:pt modelId="{A8566C99-6CC4-DC4D-8215-C057400EB532}" type="pres">
@@ -1150,7 +1291,7 @@
       <dgm:spPr/>
     </dgm:pt>
     <dgm:pt modelId="{29D9F7A5-C111-B84F-B462-35CF7E1FAC80}" type="pres">
-      <dgm:prSet presAssocID="{535ACE83-62F6-8146-93F9-8095A8395765}" presName="rootText" presStyleLbl="node2" presStyleIdx="1" presStyleCnt="3">
+      <dgm:prSet presAssocID="{535ACE83-62F6-8146-93F9-8095A8395765}" presName="rootText" presStyleLbl="node2" presStyleIdx="1" presStyleCnt="3" custScaleX="157828" custLinFactNeighborY="-11490">
         <dgm:presLayoutVars>
           <dgm:chPref val="3"/>
         </dgm:presLayoutVars>
@@ -1169,8 +1310,8 @@
       <dgm:prSet presAssocID="{535ACE83-62F6-8146-93F9-8095A8395765}" presName="hierChild5" presStyleCnt="0"/>
       <dgm:spPr/>
     </dgm:pt>
-    <dgm:pt modelId="{2C7E5BFE-96C8-D34A-B418-325F000E5329}" type="pres">
-      <dgm:prSet presAssocID="{026E4E93-A699-9940-A285-F8AA5F4B5C63}" presName="Name37" presStyleLbl="parChTrans1D2" presStyleIdx="2" presStyleCnt="3"/>
+    <dgm:pt modelId="{E4847044-0FED-7F42-9C9E-0A10913CE190}" type="pres">
+      <dgm:prSet presAssocID="{026E4E93-A699-9940-A285-F8AA5F4B5C63}" presName="Name35" presStyleLbl="parChTrans1D2" presStyleIdx="2" presStyleCnt="3"/>
       <dgm:spPr/>
     </dgm:pt>
     <dgm:pt modelId="{09160375-4C62-2242-BAF0-E30B9586450C}" type="pres">
@@ -1186,7 +1327,7 @@
       <dgm:spPr/>
     </dgm:pt>
     <dgm:pt modelId="{6D9D2A2B-5256-704B-8FF7-EDA22D05DCD5}" type="pres">
-      <dgm:prSet presAssocID="{5CD4060C-E774-BF48-88B5-76C3FB267C51}" presName="rootText" presStyleLbl="node2" presStyleIdx="2" presStyleCnt="3" custLinFactNeighborX="86345" custLinFactNeighborY="-10378">
+      <dgm:prSet presAssocID="{5CD4060C-E774-BF48-88B5-76C3FB267C51}" presName="rootText" presStyleLbl="node2" presStyleIdx="2" presStyleCnt="3" custScaleX="157828" custLinFactNeighborX="86345" custLinFactNeighborY="-10378">
         <dgm:presLayoutVars>
           <dgm:chPref val="3"/>
         </dgm:presLayoutVars>
@@ -1213,15 +1354,15 @@
   <dgm:cxnLst>
     <dgm:cxn modelId="{49A7E002-766F-8341-82DF-7F47D18CECFA}" type="presOf" srcId="{154D06E5-274E-504D-921B-672767C3AF43}" destId="{8F7B3CCF-CB63-B04C-8870-8A8EDAFAC848}" srcOrd="0" destOrd="0" presId="urn:microsoft.com/office/officeart/2005/8/layout/orgChart1"/>
     <dgm:cxn modelId="{260A7811-662C-F440-ABF3-DD5B9BC353B3}" type="presOf" srcId="{5CD4060C-E774-BF48-88B5-76C3FB267C51}" destId="{4C2F8557-8F14-F145-8036-F034AB14911B}" srcOrd="1" destOrd="0" presId="urn:microsoft.com/office/officeart/2005/8/layout/orgChart1"/>
+    <dgm:cxn modelId="{9A732212-AEFD-D946-BBB0-97B38EFEBF16}" type="presOf" srcId="{3B1522DA-80D6-BC47-AE1E-E113A4978C67}" destId="{3E13EFE0-7422-0248-9A0A-9816DC5CBE54}" srcOrd="0" destOrd="0" presId="urn:microsoft.com/office/officeart/2005/8/layout/orgChart1"/>
     <dgm:cxn modelId="{D7F0F914-6542-5442-A95E-FBAE04CBC4F3}" type="presOf" srcId="{69CE4A23-F36E-1748-8D80-A22FC089A0FB}" destId="{C8DB40EF-B11A-7F4D-8A9D-265B36C1C02F}" srcOrd="0" destOrd="0" presId="urn:microsoft.com/office/officeart/2005/8/layout/orgChart1"/>
     <dgm:cxn modelId="{5329C617-8A22-1E4A-A342-4A2C5EE33885}" type="presOf" srcId="{CE81CBDF-6939-4448-A5FD-6EA7C3BEDFDC}" destId="{A836205F-AC48-3743-B804-A5C9FFC8E6D2}" srcOrd="0" destOrd="0" presId="urn:microsoft.com/office/officeart/2005/8/layout/orgChart1"/>
     <dgm:cxn modelId="{51CA6518-5E1C-2447-A00F-527511C133DF}" type="presOf" srcId="{535ACE83-62F6-8146-93F9-8095A8395765}" destId="{29D9F7A5-C111-B84F-B462-35CF7E1FAC80}" srcOrd="0" destOrd="0" presId="urn:microsoft.com/office/officeart/2005/8/layout/orgChart1"/>
-    <dgm:cxn modelId="{E92D792B-F4AB-0F41-92A9-485AE542E46F}" type="presOf" srcId="{026E4E93-A699-9940-A285-F8AA5F4B5C63}" destId="{2C7E5BFE-96C8-D34A-B418-325F000E5329}" srcOrd="0" destOrd="0" presId="urn:microsoft.com/office/officeart/2005/8/layout/orgChart1"/>
     <dgm:cxn modelId="{0C445636-5F7A-E141-A874-31356527064C}" type="presOf" srcId="{69CE4A23-F36E-1748-8D80-A22FC089A0FB}" destId="{EB358905-447E-0542-B4B3-ACE724EAAFC6}" srcOrd="1" destOrd="0" presId="urn:microsoft.com/office/officeart/2005/8/layout/orgChart1"/>
+    <dgm:cxn modelId="{CBE27341-2070-6442-94EA-AA7B7B6BCD43}" type="presOf" srcId="{026E4E93-A699-9940-A285-F8AA5F4B5C63}" destId="{E4847044-0FED-7F42-9C9E-0A10913CE190}" srcOrd="0" destOrd="0" presId="urn:microsoft.com/office/officeart/2005/8/layout/orgChart1"/>
     <dgm:cxn modelId="{0121E257-9469-4846-AC20-2FD44F8713DD}" type="presOf" srcId="{5CD4060C-E774-BF48-88B5-76C3FB267C51}" destId="{6D9D2A2B-5256-704B-8FF7-EDA22D05DCD5}" srcOrd="0" destOrd="0" presId="urn:microsoft.com/office/officeart/2005/8/layout/orgChart1"/>
-    <dgm:cxn modelId="{28FFBD59-7170-6747-9B52-5C27910E4079}" type="presOf" srcId="{3B1522DA-80D6-BC47-AE1E-E113A4978C67}" destId="{FADBC707-67FF-A940-9BA6-CA8096FA82D5}" srcOrd="0" destOrd="0" presId="urn:microsoft.com/office/officeart/2005/8/layout/orgChart1"/>
+    <dgm:cxn modelId="{DE455C69-75F8-3A46-809D-F21D44587467}" type="presOf" srcId="{7D800338-8BE8-4749-9954-1836DD80B5C7}" destId="{AD0202BF-99B7-2348-99D4-405E0D6D142A}" srcOrd="0" destOrd="0" presId="urn:microsoft.com/office/officeart/2005/8/layout/orgChart1"/>
     <dgm:cxn modelId="{D4C18C90-9FEC-DA41-A8A9-5C8B1BE567A3}" type="presOf" srcId="{535ACE83-62F6-8146-93F9-8095A8395765}" destId="{064D5F91-12DF-EF43-8F48-E4B1E2A6B317}" srcOrd="1" destOrd="0" presId="urn:microsoft.com/office/officeart/2005/8/layout/orgChart1"/>
-    <dgm:cxn modelId="{DF590D9E-3003-0241-A649-175203B6E364}" type="presOf" srcId="{7D800338-8BE8-4749-9954-1836DD80B5C7}" destId="{FE8E10CC-2885-9848-A022-067587309DE5}" srcOrd="0" destOrd="0" presId="urn:microsoft.com/office/officeart/2005/8/layout/orgChart1"/>
     <dgm:cxn modelId="{4206D9A0-ABD0-6F4D-A088-02332B2BB225}" srcId="{69CE4A23-F36E-1748-8D80-A22FC089A0FB}" destId="{535ACE83-62F6-8146-93F9-8095A8395765}" srcOrd="1" destOrd="0" parTransId="{3B1522DA-80D6-BC47-AE1E-E113A4978C67}" sibTransId="{09FAA348-B7E6-2F4B-BE50-3A5FA67B266C}"/>
     <dgm:cxn modelId="{29A00ED0-4B15-2944-9337-5035B1CE835E}" srcId="{154D06E5-274E-504D-921B-672767C3AF43}" destId="{69CE4A23-F36E-1748-8D80-A22FC089A0FB}" srcOrd="0" destOrd="0" parTransId="{65F40402-7FD8-AB4D-B547-2DFD1E82ECB3}" sibTransId="{9FDA6C59-2878-A14B-AA94-049137A2430A}"/>
     <dgm:cxn modelId="{2C2D74E2-FEDA-9F43-B8B7-528D80C7458C}" srcId="{69CE4A23-F36E-1748-8D80-A22FC089A0FB}" destId="{5CD4060C-E774-BF48-88B5-76C3FB267C51}" srcOrd="2" destOrd="0" parTransId="{026E4E93-A699-9940-A285-F8AA5F4B5C63}" sibTransId="{8A5EEE5E-42F3-844F-93E2-C9ACC02340EB}"/>
@@ -1232,21 +1373,21 @@
     <dgm:cxn modelId="{F811D194-DB98-E440-896F-948A525D3C84}" type="presParOf" srcId="{7C99E454-3703-6041-BC02-64583E21728E}" destId="{C8DB40EF-B11A-7F4D-8A9D-265B36C1C02F}" srcOrd="0" destOrd="0" presId="urn:microsoft.com/office/officeart/2005/8/layout/orgChart1"/>
     <dgm:cxn modelId="{B34216C7-C729-EA4E-BEC7-6DCABDF50188}" type="presParOf" srcId="{7C99E454-3703-6041-BC02-64583E21728E}" destId="{EB358905-447E-0542-B4B3-ACE724EAAFC6}" srcOrd="1" destOrd="0" presId="urn:microsoft.com/office/officeart/2005/8/layout/orgChart1"/>
     <dgm:cxn modelId="{6D9BFC80-DD8B-5041-BB54-6DB927505232}" type="presParOf" srcId="{1CCFA4CD-BE31-D240-8144-DDB6D604C2AF}" destId="{9555293F-B624-C04E-B4A0-E54774FB8A60}" srcOrd="1" destOrd="0" presId="urn:microsoft.com/office/officeart/2005/8/layout/orgChart1"/>
-    <dgm:cxn modelId="{7DCAEFD0-A1D6-614C-B88A-3A380D92A50E}" type="presParOf" srcId="{9555293F-B624-C04E-B4A0-E54774FB8A60}" destId="{FE8E10CC-2885-9848-A022-067587309DE5}" srcOrd="0" destOrd="0" presId="urn:microsoft.com/office/officeart/2005/8/layout/orgChart1"/>
+    <dgm:cxn modelId="{5BDF8E0D-9E47-E24D-A7AD-02F0A7D7BD91}" type="presParOf" srcId="{9555293F-B624-C04E-B4A0-E54774FB8A60}" destId="{AD0202BF-99B7-2348-99D4-405E0D6D142A}" srcOrd="0" destOrd="0" presId="urn:microsoft.com/office/officeart/2005/8/layout/orgChart1"/>
     <dgm:cxn modelId="{AE2E2ABE-635A-7745-AD02-3519BF24C433}" type="presParOf" srcId="{9555293F-B624-C04E-B4A0-E54774FB8A60}" destId="{A4220A94-4928-0141-A73D-8E8F807E3B79}" srcOrd="1" destOrd="0" presId="urn:microsoft.com/office/officeart/2005/8/layout/orgChart1"/>
     <dgm:cxn modelId="{0688ECD2-7839-A44F-B9A0-26AFD2748FBB}" type="presParOf" srcId="{A4220A94-4928-0141-A73D-8E8F807E3B79}" destId="{336E8BD1-3EDC-2D48-9125-FF22E85B7849}" srcOrd="0" destOrd="0" presId="urn:microsoft.com/office/officeart/2005/8/layout/orgChart1"/>
     <dgm:cxn modelId="{4B65EB1F-76FB-CA4E-9B62-3E265849253D}" type="presParOf" srcId="{336E8BD1-3EDC-2D48-9125-FF22E85B7849}" destId="{A836205F-AC48-3743-B804-A5C9FFC8E6D2}" srcOrd="0" destOrd="0" presId="urn:microsoft.com/office/officeart/2005/8/layout/orgChart1"/>
     <dgm:cxn modelId="{7B7A99A8-BA7F-B342-BF62-5294B7D40999}" type="presParOf" srcId="{336E8BD1-3EDC-2D48-9125-FF22E85B7849}" destId="{E824D0C1-D367-DE40-BC5C-7BFC13932804}" srcOrd="1" destOrd="0" presId="urn:microsoft.com/office/officeart/2005/8/layout/orgChart1"/>
     <dgm:cxn modelId="{8D893B79-9885-5247-966A-010C81556839}" type="presParOf" srcId="{A4220A94-4928-0141-A73D-8E8F807E3B79}" destId="{F182E28C-22F9-1040-A78A-ABB8CF55F72C}" srcOrd="1" destOrd="0" presId="urn:microsoft.com/office/officeart/2005/8/layout/orgChart1"/>
     <dgm:cxn modelId="{FA9A62A4-E471-4441-AB54-36797C764D5B}" type="presParOf" srcId="{A4220A94-4928-0141-A73D-8E8F807E3B79}" destId="{CB33BEDA-49EB-B24A-A992-F59E4B135F9D}" srcOrd="2" destOrd="0" presId="urn:microsoft.com/office/officeart/2005/8/layout/orgChart1"/>
-    <dgm:cxn modelId="{C53CC3BB-1FC1-F342-BFE8-66BA98F236A6}" type="presParOf" srcId="{9555293F-B624-C04E-B4A0-E54774FB8A60}" destId="{FADBC707-67FF-A940-9BA6-CA8096FA82D5}" srcOrd="2" destOrd="0" presId="urn:microsoft.com/office/officeart/2005/8/layout/orgChart1"/>
+    <dgm:cxn modelId="{F467D652-551B-1E46-A940-C0207A3DE334}" type="presParOf" srcId="{9555293F-B624-C04E-B4A0-E54774FB8A60}" destId="{3E13EFE0-7422-0248-9A0A-9816DC5CBE54}" srcOrd="2" destOrd="0" presId="urn:microsoft.com/office/officeart/2005/8/layout/orgChart1"/>
     <dgm:cxn modelId="{68E4C659-E5C6-0549-A3ED-C11885213068}" type="presParOf" srcId="{9555293F-B624-C04E-B4A0-E54774FB8A60}" destId="{A8566C99-6CC4-DC4D-8215-C057400EB532}" srcOrd="3" destOrd="0" presId="urn:microsoft.com/office/officeart/2005/8/layout/orgChart1"/>
     <dgm:cxn modelId="{EE4200ED-44F6-F14D-867C-9CDB773DF54F}" type="presParOf" srcId="{A8566C99-6CC4-DC4D-8215-C057400EB532}" destId="{99F3D2FD-2912-3847-817D-7E27369FB6B7}" srcOrd="0" destOrd="0" presId="urn:microsoft.com/office/officeart/2005/8/layout/orgChart1"/>
     <dgm:cxn modelId="{67D6C871-9A16-D046-A8EA-889630A04FCE}" type="presParOf" srcId="{99F3D2FD-2912-3847-817D-7E27369FB6B7}" destId="{29D9F7A5-C111-B84F-B462-35CF7E1FAC80}" srcOrd="0" destOrd="0" presId="urn:microsoft.com/office/officeart/2005/8/layout/orgChart1"/>
     <dgm:cxn modelId="{AF22B2F8-CDE3-4740-9D55-96D2C11B1F82}" type="presParOf" srcId="{99F3D2FD-2912-3847-817D-7E27369FB6B7}" destId="{064D5F91-12DF-EF43-8F48-E4B1E2A6B317}" srcOrd="1" destOrd="0" presId="urn:microsoft.com/office/officeart/2005/8/layout/orgChart1"/>
     <dgm:cxn modelId="{43E9F3F1-3A38-EE45-BE86-D9F28FD550B7}" type="presParOf" srcId="{A8566C99-6CC4-DC4D-8215-C057400EB532}" destId="{6952398D-5B1F-CF42-8D8D-5B17777B9BFF}" srcOrd="1" destOrd="0" presId="urn:microsoft.com/office/officeart/2005/8/layout/orgChart1"/>
     <dgm:cxn modelId="{D1EE486B-BB92-394A-94AF-5F5841CC724A}" type="presParOf" srcId="{A8566C99-6CC4-DC4D-8215-C057400EB532}" destId="{8BF30E87-4BB8-F84F-8B83-5DB53F52CD66}" srcOrd="2" destOrd="0" presId="urn:microsoft.com/office/officeart/2005/8/layout/orgChart1"/>
-    <dgm:cxn modelId="{723C0F54-28FF-E242-A851-73EE43D8C81A}" type="presParOf" srcId="{9555293F-B624-C04E-B4A0-E54774FB8A60}" destId="{2C7E5BFE-96C8-D34A-B418-325F000E5329}" srcOrd="4" destOrd="0" presId="urn:microsoft.com/office/officeart/2005/8/layout/orgChart1"/>
+    <dgm:cxn modelId="{B44E93F9-A3E7-F545-8CC4-8BF2E80DC460}" type="presParOf" srcId="{9555293F-B624-C04E-B4A0-E54774FB8A60}" destId="{E4847044-0FED-7F42-9C9E-0A10913CE190}" srcOrd="4" destOrd="0" presId="urn:microsoft.com/office/officeart/2005/8/layout/orgChart1"/>
     <dgm:cxn modelId="{00BB2922-54BD-4041-B211-A4C1F8C46665}" type="presParOf" srcId="{9555293F-B624-C04E-B4A0-E54774FB8A60}" destId="{09160375-4C62-2242-BAF0-E30B9586450C}" srcOrd="5" destOrd="0" presId="urn:microsoft.com/office/officeart/2005/8/layout/orgChart1"/>
     <dgm:cxn modelId="{82343456-3E0F-8A4B-8DF0-E4EF3FB16DE7}" type="presParOf" srcId="{09160375-4C62-2242-BAF0-E30B9586450C}" destId="{6189465F-FA2D-364C-ADE2-7847113A890E}" srcOrd="0" destOrd="0" presId="urn:microsoft.com/office/officeart/2005/8/layout/orgChart1"/>
     <dgm:cxn modelId="{46822424-4CC4-3646-B629-D0C0CB9250D8}" type="presParOf" srcId="{6189465F-FA2D-364C-ADE2-7847113A890E}" destId="{6D9D2A2B-5256-704B-8FF7-EDA22D05DCD5}" srcOrd="0" destOrd="0" presId="urn:microsoft.com/office/officeart/2005/8/layout/orgChart1"/>
@@ -1259,7 +1400,7 @@
   <dgm:whole/>
   <dgm:extLst>
     <a:ext uri="http://schemas.microsoft.com/office/drawing/2008/diagram">
-      <dsp:dataModelExt xmlns:dsp="http://schemas.microsoft.com/office/drawing/2008/diagram" relId="rId6" minVer="http://schemas.openxmlformats.org/drawingml/2006/diagram"/>
+      <dsp:dataModelExt xmlns:dsp="http://schemas.microsoft.com/office/drawing/2008/diagram" relId="rId7" minVer="http://schemas.openxmlformats.org/drawingml/2006/diagram"/>
     </a:ext>
   </dgm:extLst>
 </dgm:dataModel>
@@ -1273,15 +1414,15 @@
       <dsp:cNvGrpSpPr/>
     </dsp:nvGrpSpPr>
     <dsp:grpSpPr/>
-    <dsp:sp modelId="{2C7E5BFE-96C8-D34A-B418-325F000E5329}">
+    <dsp:sp modelId="{E4847044-0FED-7F42-9C9E-0A10913CE190}">
       <dsp:nvSpPr>
         <dsp:cNvPr id="0" name=""/>
         <dsp:cNvSpPr/>
       </dsp:nvSpPr>
       <dsp:spPr>
         <a:xfrm>
-          <a:off x="5257800" y="883061"/>
-          <a:ext cx="3659656" cy="279065"/>
+          <a:off x="5857102" y="1075985"/>
+          <a:ext cx="4161627" cy="339700"/>
         </a:xfrm>
         <a:custGeom>
           <a:avLst/>
@@ -1295,13 +1436,13 @@
                 <a:pt x="0" y="0"/>
               </a:moveTo>
               <a:lnTo>
-                <a:pt x="0" y="93739"/>
+                <a:pt x="0" y="114107"/>
               </a:lnTo>
               <a:lnTo>
-                <a:pt x="3659656" y="93739"/>
+                <a:pt x="4161627" y="114107"/>
               </a:lnTo>
               <a:lnTo>
-                <a:pt x="3659656" y="279065"/>
+                <a:pt x="4161627" y="339700"/>
               </a:lnTo>
             </a:path>
           </a:pathLst>
@@ -1309,8 +1450,8 @@
         <a:noFill/>
         <a:ln w="12700" cap="flat" cmpd="sng" algn="ctr">
           <a:solidFill>
-            <a:schemeClr val="dk2">
-              <a:shade val="60000"/>
+            <a:schemeClr val="accent1">
+              <a:tint val="90000"/>
               <a:hueOff val="0"/>
               <a:satOff val="0"/>
               <a:lumOff val="0"/>
@@ -1335,15 +1476,15 @@
         <a:fontRef idx="minor"/>
       </dsp:style>
     </dsp:sp>
-    <dsp:sp modelId="{FADBC707-67FF-A940-9BA6-CA8096FA82D5}">
+    <dsp:sp modelId="{3E13EFE0-7422-0248-9A0A-9816DC5CBE54}">
       <dsp:nvSpPr>
         <dsp:cNvPr id="0" name=""/>
         <dsp:cNvSpPr/>
       </dsp:nvSpPr>
       <dsp:spPr>
         <a:xfrm>
-          <a:off x="5212080" y="883061"/>
-          <a:ext cx="91440" cy="370651"/>
+          <a:off x="5811382" y="1075985"/>
+          <a:ext cx="91440" cy="327755"/>
         </a:xfrm>
         <a:custGeom>
           <a:avLst/>
@@ -1357,7 +1498,7 @@
                 <a:pt x="45720" y="0"/>
               </a:moveTo>
               <a:lnTo>
-                <a:pt x="45720" y="370651"/>
+                <a:pt x="45720" y="327755"/>
               </a:lnTo>
             </a:path>
           </a:pathLst>
@@ -1365,8 +1506,8 @@
         <a:noFill/>
         <a:ln w="12700" cap="flat" cmpd="sng" algn="ctr">
           <a:solidFill>
-            <a:schemeClr val="dk2">
-              <a:shade val="60000"/>
+            <a:schemeClr val="accent1">
+              <a:tint val="90000"/>
               <a:hueOff val="0"/>
               <a:satOff val="0"/>
               <a:lumOff val="0"/>
@@ -1391,15 +1532,15 @@
         <a:fontRef idx="minor"/>
       </dsp:style>
     </dsp:sp>
-    <dsp:sp modelId="{FE8E10CC-2885-9848-A022-067587309DE5}">
+    <dsp:sp modelId="{AD0202BF-99B7-2348-99D4-405E0D6D142A}">
       <dsp:nvSpPr>
         <dsp:cNvPr id="0" name=""/>
         <dsp:cNvSpPr/>
       </dsp:nvSpPr>
       <dsp:spPr>
         <a:xfrm>
-          <a:off x="1369574" y="883061"/>
-          <a:ext cx="3888225" cy="279065"/>
+          <a:off x="1695475" y="1075985"/>
+          <a:ext cx="4161627" cy="339700"/>
         </a:xfrm>
         <a:custGeom>
           <a:avLst/>
@@ -1410,16 +1551,16 @@
           <a:pathLst>
             <a:path>
               <a:moveTo>
-                <a:pt x="3888225" y="0"/>
+                <a:pt x="4161627" y="0"/>
               </a:moveTo>
               <a:lnTo>
-                <a:pt x="3888225" y="93739"/>
+                <a:pt x="4161627" y="114107"/>
               </a:lnTo>
               <a:lnTo>
-                <a:pt x="0" y="93739"/>
+                <a:pt x="0" y="114107"/>
               </a:lnTo>
               <a:lnTo>
-                <a:pt x="0" y="279065"/>
+                <a:pt x="0" y="339700"/>
               </a:lnTo>
             </a:path>
           </a:pathLst>
@@ -1427,8 +1568,8 @@
         <a:noFill/>
         <a:ln w="12700" cap="flat" cmpd="sng" algn="ctr">
           <a:solidFill>
-            <a:schemeClr val="dk2">
-              <a:shade val="60000"/>
+            <a:schemeClr val="accent1">
+              <a:tint val="90000"/>
               <a:hueOff val="0"/>
               <a:satOff val="0"/>
               <a:lumOff val="0"/>
@@ -1460,69 +1601,39 @@
       </dsp:nvSpPr>
       <dsp:spPr>
         <a:xfrm>
-          <a:off x="3943345" y="557"/>
-          <a:ext cx="2628909" cy="882504"/>
+          <a:off x="4257043" y="1730"/>
+          <a:ext cx="3200119" cy="1074255"/>
         </a:xfrm>
         <a:prstGeom prst="rect">
           <a:avLst/>
         </a:prstGeom>
-        <a:gradFill rotWithShape="0">
-          <a:gsLst>
-            <a:gs pos="0">
-              <a:schemeClr val="dk2">
-                <a:hueOff val="0"/>
-                <a:satOff val="0"/>
-                <a:lumOff val="0"/>
-                <a:alphaOff val="0"/>
-                <a:satMod val="103000"/>
-                <a:lumMod val="102000"/>
-                <a:tint val="94000"/>
-              </a:schemeClr>
-            </a:gs>
-            <a:gs pos="50000">
-              <a:schemeClr val="dk2">
-                <a:hueOff val="0"/>
-                <a:satOff val="0"/>
-                <a:lumOff val="0"/>
-                <a:alphaOff val="0"/>
-                <a:satMod val="110000"/>
-                <a:lumMod val="100000"/>
-                <a:shade val="100000"/>
-              </a:schemeClr>
-            </a:gs>
-            <a:gs pos="100000">
-              <a:schemeClr val="dk2">
-                <a:hueOff val="0"/>
-                <a:satOff val="0"/>
-                <a:lumOff val="0"/>
-                <a:alphaOff val="0"/>
-                <a:lumMod val="99000"/>
-                <a:satMod val="120000"/>
-                <a:shade val="78000"/>
-              </a:schemeClr>
-            </a:gs>
-          </a:gsLst>
-          <a:lin ang="5400000" scaled="0"/>
-        </a:gradFill>
-        <a:ln>
-          <a:noFill/>
+        <a:solidFill>
+          <a:schemeClr val="accent1">
+            <a:lumMod val="75000"/>
+          </a:schemeClr>
+        </a:solidFill>
+        <a:ln w="12700" cap="flat" cmpd="sng" algn="ctr">
+          <a:solidFill>
+            <a:schemeClr val="lt1">
+              <a:hueOff val="0"/>
+              <a:satOff val="0"/>
+              <a:lumOff val="0"/>
+              <a:alphaOff val="0"/>
+            </a:schemeClr>
+          </a:solidFill>
+          <a:prstDash val="solid"/>
+          <a:miter lim="800000"/>
         </a:ln>
-        <a:effectLst>
-          <a:outerShdw blurRad="57150" dist="19050" dir="5400000" algn="ctr" rotWithShape="0">
-            <a:srgbClr val="000000">
-              <a:alpha val="63000"/>
-            </a:srgbClr>
-          </a:outerShdw>
-        </a:effectLst>
+        <a:effectLst/>
       </dsp:spPr>
       <dsp:style>
-        <a:lnRef idx="0">
+        <a:lnRef idx="2">
           <a:scrgbClr r="0" g="0" b="0"/>
         </a:lnRef>
-        <a:fillRef idx="3">
+        <a:fillRef idx="1">
           <a:scrgbClr r="0" g="0" b="0"/>
         </a:fillRef>
-        <a:effectRef idx="3">
+        <a:effectRef idx="0">
           <a:scrgbClr r="0" g="0" b="0"/>
         </a:effectRef>
         <a:fontRef idx="minor">
@@ -1530,12 +1641,12 @@
         </a:fontRef>
       </dsp:style>
       <dsp:txBody>
-        <a:bodyPr spcFirstLastPara="0" vert="horz" wrap="square" lIns="19050" tIns="19050" rIns="19050" bIns="19050" numCol="1" spcCol="1270" anchor="ctr" anchorCtr="0">
+        <a:bodyPr spcFirstLastPara="0" vert="horz" wrap="square" lIns="22860" tIns="22860" rIns="22860" bIns="22860" numCol="1" spcCol="1270" anchor="ctr" anchorCtr="0">
           <a:noAutofit/>
         </a:bodyPr>
         <a:lstStyle/>
         <a:p>
-          <a:pPr marL="0" lvl="0" indent="0" algn="ctr" defTabSz="1333500" rtl="0">
+          <a:pPr marL="0" lvl="0" indent="0" algn="ctr" defTabSz="1600200" rtl="0">
             <a:lnSpc>
               <a:spcPct val="90000"/>
             </a:lnSpc>
@@ -1548,14 +1659,14 @@
             <a:buNone/>
           </a:pPr>
           <a:r>
-            <a:rPr lang="en-US" sz="3000" kern="1200" dirty="0"/>
+            <a:rPr lang="en-US" sz="3600" kern="1200" dirty="0"/>
             <a:t>Data Handling</a:t>
           </a:r>
         </a:p>
       </dsp:txBody>
       <dsp:txXfrm>
-        <a:off x="3943345" y="557"/>
-        <a:ext cx="2628909" cy="882504"/>
+        <a:off x="4257043" y="1730"/>
+        <a:ext cx="3200119" cy="1074255"/>
       </dsp:txXfrm>
     </dsp:sp>
     <dsp:sp modelId="{A836205F-AC48-3743-B804-A5C9FFC8E6D2}">
@@ -1565,69 +1676,37 @@
       </dsp:nvSpPr>
       <dsp:spPr>
         <a:xfrm>
-          <a:off x="487070" y="1162127"/>
-          <a:ext cx="1765008" cy="882504"/>
+          <a:off x="0" y="1415686"/>
+          <a:ext cx="3390950" cy="1074255"/>
         </a:xfrm>
         <a:prstGeom prst="rect">
           <a:avLst/>
         </a:prstGeom>
-        <a:gradFill rotWithShape="0">
-          <a:gsLst>
-            <a:gs pos="0">
-              <a:schemeClr val="dk2">
-                <a:hueOff val="0"/>
-                <a:satOff val="0"/>
-                <a:lumOff val="0"/>
-                <a:alphaOff val="0"/>
-                <a:satMod val="103000"/>
-                <a:lumMod val="102000"/>
-                <a:tint val="94000"/>
-              </a:schemeClr>
-            </a:gs>
-            <a:gs pos="50000">
-              <a:schemeClr val="dk2">
-                <a:hueOff val="0"/>
-                <a:satOff val="0"/>
-                <a:lumOff val="0"/>
-                <a:alphaOff val="0"/>
-                <a:satMod val="110000"/>
-                <a:lumMod val="100000"/>
-                <a:shade val="100000"/>
-              </a:schemeClr>
-            </a:gs>
-            <a:gs pos="100000">
-              <a:schemeClr val="dk2">
-                <a:hueOff val="0"/>
-                <a:satOff val="0"/>
-                <a:lumOff val="0"/>
-                <a:alphaOff val="0"/>
-                <a:lumMod val="99000"/>
-                <a:satMod val="120000"/>
-                <a:shade val="78000"/>
-              </a:schemeClr>
-            </a:gs>
-          </a:gsLst>
-          <a:lin ang="5400000" scaled="0"/>
-        </a:gradFill>
-        <a:ln>
-          <a:noFill/>
+        <a:solidFill>
+          <a:schemeClr val="accent1"/>
+        </a:solidFill>
+        <a:ln w="12700" cap="flat" cmpd="sng" algn="ctr">
+          <a:solidFill>
+            <a:schemeClr val="lt1">
+              <a:hueOff val="0"/>
+              <a:satOff val="0"/>
+              <a:lumOff val="0"/>
+              <a:alphaOff val="0"/>
+            </a:schemeClr>
+          </a:solidFill>
+          <a:prstDash val="solid"/>
+          <a:miter lim="800000"/>
         </a:ln>
-        <a:effectLst>
-          <a:outerShdw blurRad="57150" dist="19050" dir="5400000" algn="ctr" rotWithShape="0">
-            <a:srgbClr val="000000">
-              <a:alpha val="63000"/>
-            </a:srgbClr>
-          </a:outerShdw>
-        </a:effectLst>
+        <a:effectLst/>
       </dsp:spPr>
       <dsp:style>
-        <a:lnRef idx="0">
+        <a:lnRef idx="2">
           <a:scrgbClr r="0" g="0" b="0"/>
         </a:lnRef>
-        <a:fillRef idx="3">
+        <a:fillRef idx="1">
           <a:scrgbClr r="0" g="0" b="0"/>
         </a:fillRef>
-        <a:effectRef idx="3">
+        <a:effectRef idx="0">
           <a:scrgbClr r="0" g="0" b="0"/>
         </a:effectRef>
         <a:fontRef idx="minor">
@@ -1635,12 +1714,12 @@
         </a:fontRef>
       </dsp:style>
       <dsp:txBody>
-        <a:bodyPr spcFirstLastPara="0" vert="horz" wrap="square" lIns="19050" tIns="19050" rIns="19050" bIns="19050" numCol="1" spcCol="1270" anchor="ctr" anchorCtr="0">
+        <a:bodyPr spcFirstLastPara="0" vert="horz" wrap="square" lIns="22860" tIns="22860" rIns="22860" bIns="22860" numCol="1" spcCol="1270" anchor="ctr" anchorCtr="0">
           <a:noAutofit/>
         </a:bodyPr>
         <a:lstStyle/>
         <a:p>
-          <a:pPr marL="0" lvl="0" indent="0" algn="ctr" defTabSz="1333500" rtl="0">
+          <a:pPr marL="0" lvl="0" indent="0" algn="ctr" defTabSz="1600200" rtl="0">
             <a:lnSpc>
               <a:spcPct val="90000"/>
             </a:lnSpc>
@@ -1653,14 +1732,14 @@
             <a:buNone/>
           </a:pPr>
           <a:r>
-            <a:rPr lang="en-US" sz="3000" kern="1200" dirty="0"/>
+            <a:rPr lang="en-US" sz="3600" kern="1200" dirty="0"/>
             <a:t>Duplicate Features</a:t>
           </a:r>
         </a:p>
       </dsp:txBody>
       <dsp:txXfrm>
-        <a:off x="487070" y="1162127"/>
-        <a:ext cx="1765008" cy="882504"/>
+        <a:off x="0" y="1415686"/>
+        <a:ext cx="3390950" cy="1074255"/>
       </dsp:txXfrm>
     </dsp:sp>
     <dsp:sp modelId="{29D9F7A5-C111-B84F-B462-35CF7E1FAC80}">
@@ -1670,69 +1749,37 @@
       </dsp:nvSpPr>
       <dsp:spPr>
         <a:xfrm>
-          <a:off x="4375295" y="1253713"/>
-          <a:ext cx="1765008" cy="882504"/>
+          <a:off x="4161627" y="1403740"/>
+          <a:ext cx="3390950" cy="1074255"/>
         </a:xfrm>
         <a:prstGeom prst="rect">
           <a:avLst/>
         </a:prstGeom>
-        <a:gradFill rotWithShape="0">
-          <a:gsLst>
-            <a:gs pos="0">
-              <a:schemeClr val="dk2">
-                <a:hueOff val="0"/>
-                <a:satOff val="0"/>
-                <a:lumOff val="0"/>
-                <a:alphaOff val="0"/>
-                <a:satMod val="103000"/>
-                <a:lumMod val="102000"/>
-                <a:tint val="94000"/>
-              </a:schemeClr>
-            </a:gs>
-            <a:gs pos="50000">
-              <a:schemeClr val="dk2">
-                <a:hueOff val="0"/>
-                <a:satOff val="0"/>
-                <a:lumOff val="0"/>
-                <a:alphaOff val="0"/>
-                <a:satMod val="110000"/>
-                <a:lumMod val="100000"/>
-                <a:shade val="100000"/>
-              </a:schemeClr>
-            </a:gs>
-            <a:gs pos="100000">
-              <a:schemeClr val="dk2">
-                <a:hueOff val="0"/>
-                <a:satOff val="0"/>
-                <a:lumOff val="0"/>
-                <a:alphaOff val="0"/>
-                <a:lumMod val="99000"/>
-                <a:satMod val="120000"/>
-                <a:shade val="78000"/>
-              </a:schemeClr>
-            </a:gs>
-          </a:gsLst>
-          <a:lin ang="5400000" scaled="0"/>
-        </a:gradFill>
-        <a:ln>
-          <a:noFill/>
+        <a:solidFill>
+          <a:schemeClr val="accent1"/>
+        </a:solidFill>
+        <a:ln w="12700" cap="flat" cmpd="sng" algn="ctr">
+          <a:solidFill>
+            <a:schemeClr val="lt1">
+              <a:hueOff val="0"/>
+              <a:satOff val="0"/>
+              <a:lumOff val="0"/>
+              <a:alphaOff val="0"/>
+            </a:schemeClr>
+          </a:solidFill>
+          <a:prstDash val="solid"/>
+          <a:miter lim="800000"/>
         </a:ln>
-        <a:effectLst>
-          <a:outerShdw blurRad="57150" dist="19050" dir="5400000" algn="ctr" rotWithShape="0">
-            <a:srgbClr val="000000">
-              <a:alpha val="63000"/>
-            </a:srgbClr>
-          </a:outerShdw>
-        </a:effectLst>
+        <a:effectLst/>
       </dsp:spPr>
       <dsp:style>
-        <a:lnRef idx="0">
+        <a:lnRef idx="2">
           <a:scrgbClr r="0" g="0" b="0"/>
         </a:lnRef>
-        <a:fillRef idx="3">
+        <a:fillRef idx="1">
           <a:scrgbClr r="0" g="0" b="0"/>
         </a:fillRef>
-        <a:effectRef idx="3">
+        <a:effectRef idx="0">
           <a:scrgbClr r="0" g="0" b="0"/>
         </a:effectRef>
         <a:fontRef idx="minor">
@@ -1740,12 +1787,12 @@
         </a:fontRef>
       </dsp:style>
       <dsp:txBody>
-        <a:bodyPr spcFirstLastPara="0" vert="horz" wrap="square" lIns="19050" tIns="19050" rIns="19050" bIns="19050" numCol="1" spcCol="1270" anchor="ctr" anchorCtr="0">
+        <a:bodyPr spcFirstLastPara="0" vert="horz" wrap="square" lIns="22860" tIns="22860" rIns="22860" bIns="22860" numCol="1" spcCol="1270" anchor="ctr" anchorCtr="0">
           <a:noAutofit/>
         </a:bodyPr>
         <a:lstStyle/>
         <a:p>
-          <a:pPr marL="0" lvl="0" indent="0" algn="ctr" defTabSz="1333500" rtl="0">
+          <a:pPr marL="0" lvl="0" indent="0" algn="ctr" defTabSz="1600200" rtl="0">
             <a:lnSpc>
               <a:spcPct val="90000"/>
             </a:lnSpc>
@@ -1758,14 +1805,14 @@
             <a:buNone/>
           </a:pPr>
           <a:r>
-            <a:rPr lang="en-US" sz="3000" kern="1200" dirty="0"/>
-            <a:t>Label Encoding</a:t>
+            <a:rPr lang="en-US" sz="3600" kern="1200" dirty="0"/>
+            <a:t>Formatting</a:t>
           </a:r>
         </a:p>
       </dsp:txBody>
       <dsp:txXfrm>
-        <a:off x="4375295" y="1253713"/>
-        <a:ext cx="1765008" cy="882504"/>
+        <a:off x="4161627" y="1403740"/>
+        <a:ext cx="3390950" cy="1074255"/>
       </dsp:txXfrm>
     </dsp:sp>
     <dsp:sp modelId="{6D9D2A2B-5256-704B-8FF7-EDA22D05DCD5}">
@@ -1775,69 +1822,37 @@
       </dsp:nvSpPr>
       <dsp:spPr>
         <a:xfrm>
-          <a:off x="8034952" y="1162127"/>
-          <a:ext cx="1765008" cy="882504"/>
+          <a:off x="8323255" y="1415686"/>
+          <a:ext cx="3390950" cy="1074255"/>
         </a:xfrm>
         <a:prstGeom prst="rect">
           <a:avLst/>
         </a:prstGeom>
-        <a:gradFill rotWithShape="0">
-          <a:gsLst>
-            <a:gs pos="0">
-              <a:schemeClr val="dk2">
-                <a:hueOff val="0"/>
-                <a:satOff val="0"/>
-                <a:lumOff val="0"/>
-                <a:alphaOff val="0"/>
-                <a:satMod val="103000"/>
-                <a:lumMod val="102000"/>
-                <a:tint val="94000"/>
-              </a:schemeClr>
-            </a:gs>
-            <a:gs pos="50000">
-              <a:schemeClr val="dk2">
-                <a:hueOff val="0"/>
-                <a:satOff val="0"/>
-                <a:lumOff val="0"/>
-                <a:alphaOff val="0"/>
-                <a:satMod val="110000"/>
-                <a:lumMod val="100000"/>
-                <a:shade val="100000"/>
-              </a:schemeClr>
-            </a:gs>
-            <a:gs pos="100000">
-              <a:schemeClr val="dk2">
-                <a:hueOff val="0"/>
-                <a:satOff val="0"/>
-                <a:lumOff val="0"/>
-                <a:alphaOff val="0"/>
-                <a:lumMod val="99000"/>
-                <a:satMod val="120000"/>
-                <a:shade val="78000"/>
-              </a:schemeClr>
-            </a:gs>
-          </a:gsLst>
-          <a:lin ang="5400000" scaled="0"/>
-        </a:gradFill>
-        <a:ln>
-          <a:noFill/>
+        <a:solidFill>
+          <a:schemeClr val="accent1"/>
+        </a:solidFill>
+        <a:ln w="12700" cap="flat" cmpd="sng" algn="ctr">
+          <a:solidFill>
+            <a:schemeClr val="lt1">
+              <a:hueOff val="0"/>
+              <a:satOff val="0"/>
+              <a:lumOff val="0"/>
+              <a:alphaOff val="0"/>
+            </a:schemeClr>
+          </a:solidFill>
+          <a:prstDash val="solid"/>
+          <a:miter lim="800000"/>
         </a:ln>
-        <a:effectLst>
-          <a:outerShdw blurRad="57150" dist="19050" dir="5400000" algn="ctr" rotWithShape="0">
-            <a:srgbClr val="000000">
-              <a:alpha val="63000"/>
-            </a:srgbClr>
-          </a:outerShdw>
-        </a:effectLst>
+        <a:effectLst/>
       </dsp:spPr>
       <dsp:style>
-        <a:lnRef idx="0">
+        <a:lnRef idx="2">
           <a:scrgbClr r="0" g="0" b="0"/>
         </a:lnRef>
-        <a:fillRef idx="3">
+        <a:fillRef idx="1">
           <a:scrgbClr r="0" g="0" b="0"/>
         </a:fillRef>
-        <a:effectRef idx="3">
+        <a:effectRef idx="0">
           <a:scrgbClr r="0" g="0" b="0"/>
         </a:effectRef>
         <a:fontRef idx="minor">
@@ -1845,12 +1860,12 @@
         </a:fontRef>
       </dsp:style>
       <dsp:txBody>
-        <a:bodyPr spcFirstLastPara="0" vert="horz" wrap="square" lIns="19050" tIns="19050" rIns="19050" bIns="19050" numCol="1" spcCol="1270" anchor="ctr" anchorCtr="0">
+        <a:bodyPr spcFirstLastPara="0" vert="horz" wrap="square" lIns="22860" tIns="22860" rIns="22860" bIns="22860" numCol="1" spcCol="1270" anchor="ctr" anchorCtr="0">
           <a:noAutofit/>
         </a:bodyPr>
         <a:lstStyle/>
         <a:p>
-          <a:pPr marL="0" lvl="0" indent="0" algn="ctr" defTabSz="1333500" rtl="0">
+          <a:pPr marL="0" lvl="0" indent="0" algn="ctr" defTabSz="1600200" rtl="0">
             <a:lnSpc>
               <a:spcPct val="90000"/>
             </a:lnSpc>
@@ -1862,12 +1877,15 @@
             </a:spcAft>
             <a:buNone/>
           </a:pPr>
-          <a:endParaRPr lang="en-US" sz="3000" kern="1200" dirty="0"/>
+          <a:r>
+            <a:rPr lang="en-US" sz="3600" kern="1200" dirty="0"/>
+            <a:t>Label Encoding</a:t>
+          </a:r>
         </a:p>
       </dsp:txBody>
       <dsp:txXfrm>
-        <a:off x="8034952" y="1162127"/>
-        <a:ext cx="1765008" cy="882504"/>
+        <a:off x="8323255" y="1415686"/>
+        <a:ext cx="3390950" cy="1074255"/>
       </dsp:txXfrm>
     </dsp:sp>
   </dsp:spTree>
@@ -3021,11 +3039,11 @@
 </file>
 
 <file path=ppt/diagrams/quickStyle1.xml><?xml version="1.0" encoding="utf-8"?>
-<dgm:styleDef xmlns:dgm="http://schemas.openxmlformats.org/drawingml/2006/diagram" xmlns:a="http://schemas.openxmlformats.org/drawingml/2006/main" uniqueId="urn:microsoft.com/office/officeart/2005/8/quickstyle/simple5">
+<dgm:styleDef xmlns:dgm="http://schemas.openxmlformats.org/drawingml/2006/diagram" xmlns:a="http://schemas.openxmlformats.org/drawingml/2006/main" uniqueId="urn:microsoft.com/office/officeart/2005/8/quickstyle/simple1">
   <dgm:title val=""/>
   <dgm:desc val=""/>
   <dgm:catLst>
-    <dgm:cat type="simple" pri="10500"/>
+    <dgm:cat type="simple" pri="10100"/>
   </dgm:catLst>
   <dgm:scene3d>
     <a:camera prst="orthographicFront"/>
@@ -3039,13 +3057,13 @@
     <dgm:sp3d/>
     <dgm:txPr/>
     <dgm:style>
-      <a:lnRef idx="0">
+      <a:lnRef idx="2">
         <a:scrgbClr r="0" g="0" b="0"/>
       </a:lnRef>
-      <a:fillRef idx="3">
+      <a:fillRef idx="1">
         <a:scrgbClr r="0" g="0" b="0"/>
       </a:fillRef>
-      <a:effectRef idx="3">
+      <a:effectRef idx="0">
         <a:scrgbClr r="0" g="0" b="0"/>
       </a:effectRef>
       <a:fontRef idx="minor">
@@ -3061,13 +3079,13 @@
     <dgm:sp3d/>
     <dgm:txPr/>
     <dgm:style>
-      <a:lnRef idx="0">
+      <a:lnRef idx="2">
         <a:scrgbClr r="0" g="0" b="0"/>
       </a:lnRef>
-      <a:fillRef idx="3">
+      <a:fillRef idx="1">
         <a:scrgbClr r="0" g="0" b="0"/>
       </a:fillRef>
-      <a:effectRef idx="3">
+      <a:effectRef idx="0">
         <a:scrgbClr r="0" g="0" b="0"/>
       </a:effectRef>
       <a:fontRef idx="minor">
@@ -3083,13 +3101,13 @@
     <dgm:sp3d/>
     <dgm:txPr/>
     <dgm:style>
-      <a:lnRef idx="0">
+      <a:lnRef idx="2">
         <a:scrgbClr r="0" g="0" b="0"/>
       </a:lnRef>
-      <a:fillRef idx="3">
+      <a:fillRef idx="1">
         <a:scrgbClr r="0" g="0" b="0"/>
       </a:fillRef>
-      <a:effectRef idx="3">
+      <a:effectRef idx="0">
         <a:scrgbClr r="0" g="0" b="0"/>
       </a:effectRef>
       <a:fontRef idx="minor">
@@ -3105,13 +3123,13 @@
     <dgm:sp3d/>
     <dgm:txPr/>
     <dgm:style>
-      <a:lnRef idx="1">
+      <a:lnRef idx="2">
         <a:scrgbClr r="0" g="0" b="0"/>
       </a:lnRef>
-      <a:fillRef idx="3">
+      <a:fillRef idx="1">
         <a:scrgbClr r="0" g="0" b="0"/>
       </a:fillRef>
-      <a:effectRef idx="3">
+      <a:effectRef idx="0">
         <a:scrgbClr r="0" g="0" b="0"/>
       </a:effectRef>
       <a:fontRef idx="minor">
@@ -3127,13 +3145,13 @@
     <dgm:sp3d/>
     <dgm:txPr/>
     <dgm:style>
-      <a:lnRef idx="0">
+      <a:lnRef idx="2">
         <a:scrgbClr r="0" g="0" b="0"/>
       </a:lnRef>
-      <a:fillRef idx="3">
+      <a:fillRef idx="1">
         <a:scrgbClr r="0" g="0" b="0"/>
       </a:fillRef>
-      <a:effectRef idx="3">
+      <a:effectRef idx="0">
         <a:scrgbClr r="0" g="0" b="0"/>
       </a:effectRef>
       <a:fontRef idx="minor">
@@ -3149,13 +3167,13 @@
     <dgm:sp3d/>
     <dgm:txPr/>
     <dgm:style>
-      <a:lnRef idx="0">
+      <a:lnRef idx="2">
         <a:scrgbClr r="0" g="0" b="0"/>
       </a:lnRef>
-      <a:fillRef idx="3">
+      <a:fillRef idx="1">
         <a:scrgbClr r="0" g="0" b="0"/>
       </a:fillRef>
-      <a:effectRef idx="3">
+      <a:effectRef idx="0">
         <a:scrgbClr r="0" g="0" b="0"/>
       </a:effectRef>
       <a:fontRef idx="minor">
@@ -3171,13 +3189,13 @@
     <dgm:sp3d/>
     <dgm:txPr/>
     <dgm:style>
-      <a:lnRef idx="0">
+      <a:lnRef idx="2">
         <a:scrgbClr r="0" g="0" b="0"/>
       </a:lnRef>
-      <a:fillRef idx="3">
+      <a:fillRef idx="1">
         <a:scrgbClr r="0" g="0" b="0"/>
       </a:fillRef>
-      <a:effectRef idx="3">
+      <a:effectRef idx="0">
         <a:scrgbClr r="0" g="0" b="0"/>
       </a:effectRef>
       <a:fontRef idx="minor">
@@ -3193,13 +3211,13 @@
     <dgm:sp3d/>
     <dgm:txPr/>
     <dgm:style>
-      <a:lnRef idx="0">
+      <a:lnRef idx="2">
         <a:scrgbClr r="0" g="0" b="0"/>
       </a:lnRef>
-      <a:fillRef idx="3">
+      <a:fillRef idx="1">
         <a:scrgbClr r="0" g="0" b="0"/>
       </a:fillRef>
-      <a:effectRef idx="3">
+      <a:effectRef idx="0">
         <a:scrgbClr r="0" g="0" b="0"/>
       </a:effectRef>
       <a:fontRef idx="minor">
@@ -3215,13 +3233,13 @@
     <dgm:sp3d/>
     <dgm:txPr/>
     <dgm:style>
-      <a:lnRef idx="0">
+      <a:lnRef idx="2">
         <a:scrgbClr r="0" g="0" b="0"/>
       </a:lnRef>
       <a:fillRef idx="1">
         <a:scrgbClr r="0" g="0" b="0"/>
       </a:fillRef>
-      <a:effectRef idx="3">
+      <a:effectRef idx="0">
         <a:scrgbClr r="0" g="0" b="0"/>
       </a:effectRef>
       <a:fontRef idx="minor"/>
@@ -3235,13 +3253,13 @@
     <dgm:sp3d/>
     <dgm:txPr/>
     <dgm:style>
-      <a:lnRef idx="0">
+      <a:lnRef idx="2">
         <a:scrgbClr r="0" g="0" b="0"/>
       </a:lnRef>
       <a:fillRef idx="1">
         <a:scrgbClr r="0" g="0" b="0"/>
       </a:fillRef>
-      <a:effectRef idx="3">
+      <a:effectRef idx="0">
         <a:scrgbClr r="0" g="0" b="0"/>
       </a:effectRef>
       <a:fontRef idx="minor"/>
@@ -3255,13 +3273,13 @@
     <dgm:sp3d/>
     <dgm:txPr/>
     <dgm:style>
-      <a:lnRef idx="0">
+      <a:lnRef idx="2">
         <a:scrgbClr r="0" g="0" b="0"/>
       </a:lnRef>
       <a:fillRef idx="1">
         <a:scrgbClr r="0" g="0" b="0"/>
       </a:fillRef>
-      <a:effectRef idx="3">
+      <a:effectRef idx="0">
         <a:scrgbClr r="0" g="0" b="0"/>
       </a:effectRef>
       <a:fontRef idx="minor"/>
@@ -3278,10 +3296,10 @@
       <a:lnRef idx="0">
         <a:scrgbClr r="0" g="0" b="0"/>
       </a:lnRef>
-      <a:fillRef idx="3">
+      <a:fillRef idx="1">
         <a:scrgbClr r="0" g="0" b="0"/>
       </a:fillRef>
-      <a:effectRef idx="3">
+      <a:effectRef idx="0">
         <a:scrgbClr r="0" g="0" b="0"/>
       </a:effectRef>
       <a:fontRef idx="minor">
@@ -3300,10 +3318,10 @@
       <a:lnRef idx="0">
         <a:scrgbClr r="0" g="0" b="0"/>
       </a:lnRef>
-      <a:fillRef idx="3">
+      <a:fillRef idx="1">
         <a:scrgbClr r="0" g="0" b="0"/>
       </a:fillRef>
-      <a:effectRef idx="3">
+      <a:effectRef idx="0">
         <a:scrgbClr r="0" g="0" b="0"/>
       </a:effectRef>
       <a:fontRef idx="minor">
@@ -3322,10 +3340,10 @@
       <a:lnRef idx="0">
         <a:scrgbClr r="0" g="0" b="0"/>
       </a:lnRef>
-      <a:fillRef idx="3">
+      <a:fillRef idx="1">
         <a:scrgbClr r="0" g="0" b="0"/>
       </a:fillRef>
-      <a:effectRef idx="3">
+      <a:effectRef idx="0">
         <a:scrgbClr r="0" g="0" b="0"/>
       </a:effectRef>
       <a:fontRef idx="minor">
@@ -3361,13 +3379,13 @@
     <dgm:sp3d/>
     <dgm:txPr/>
     <dgm:style>
-      <a:lnRef idx="1">
+      <a:lnRef idx="2">
         <a:scrgbClr r="0" g="0" b="0"/>
       </a:lnRef>
-      <a:fillRef idx="0">
+      <a:fillRef idx="1">
         <a:scrgbClr r="0" g="0" b="0"/>
       </a:fillRef>
-      <a:effectRef idx="1">
+      <a:effectRef idx="0">
         <a:scrgbClr r="0" g="0" b="0"/>
       </a:effectRef>
       <a:fontRef idx="minor"/>
@@ -3381,13 +3399,13 @@
     <dgm:sp3d/>
     <dgm:txPr/>
     <dgm:style>
-      <a:lnRef idx="0">
+      <a:lnRef idx="2">
         <a:scrgbClr r="0" g="0" b="0"/>
       </a:lnRef>
-      <a:fillRef idx="3">
+      <a:fillRef idx="1">
         <a:scrgbClr r="0" g="0" b="0"/>
       </a:fillRef>
-      <a:effectRef idx="3">
+      <a:effectRef idx="0">
         <a:scrgbClr r="0" g="0" b="0"/>
       </a:effectRef>
       <a:fontRef idx="minor">
@@ -3403,13 +3421,13 @@
     <dgm:sp3d/>
     <dgm:txPr/>
     <dgm:style>
-      <a:lnRef idx="0">
+      <a:lnRef idx="2">
         <a:scrgbClr r="0" g="0" b="0"/>
       </a:lnRef>
-      <a:fillRef idx="3">
+      <a:fillRef idx="1">
         <a:scrgbClr r="0" g="0" b="0"/>
       </a:fillRef>
-      <a:effectRef idx="3">
+      <a:effectRef idx="0">
         <a:scrgbClr r="0" g="0" b="0"/>
       </a:effectRef>
       <a:fontRef idx="minor">
@@ -3425,13 +3443,13 @@
     <dgm:sp3d/>
     <dgm:txPr/>
     <dgm:style>
-      <a:lnRef idx="0">
+      <a:lnRef idx="2">
         <a:scrgbClr r="0" g="0" b="0"/>
       </a:lnRef>
-      <a:fillRef idx="3">
+      <a:fillRef idx="1">
         <a:scrgbClr r="0" g="0" b="0"/>
       </a:fillRef>
-      <a:effectRef idx="3">
+      <a:effectRef idx="0">
         <a:scrgbClr r="0" g="0" b="0"/>
       </a:effectRef>
       <a:fontRef idx="minor">
@@ -3447,13 +3465,13 @@
     <dgm:sp3d/>
     <dgm:txPr/>
     <dgm:style>
-      <a:lnRef idx="0">
+      <a:lnRef idx="2">
         <a:scrgbClr r="0" g="0" b="0"/>
       </a:lnRef>
-      <a:fillRef idx="3">
+      <a:fillRef idx="1">
         <a:scrgbClr r="0" g="0" b="0"/>
       </a:fillRef>
-      <a:effectRef idx="3">
+      <a:effectRef idx="0">
         <a:scrgbClr r="0" g="0" b="0"/>
       </a:effectRef>
       <a:fontRef idx="minor">
@@ -3469,13 +3487,13 @@
     <dgm:sp3d/>
     <dgm:txPr/>
     <dgm:style>
-      <a:lnRef idx="0">
+      <a:lnRef idx="2">
         <a:scrgbClr r="0" g="0" b="0"/>
       </a:lnRef>
-      <a:fillRef idx="3">
+      <a:fillRef idx="1">
         <a:scrgbClr r="0" g="0" b="0"/>
       </a:fillRef>
-      <a:effectRef idx="3">
+      <a:effectRef idx="0">
         <a:scrgbClr r="0" g="0" b="0"/>
       </a:effectRef>
       <a:fontRef idx="minor">
@@ -3491,13 +3509,13 @@
     <dgm:sp3d/>
     <dgm:txPr/>
     <dgm:style>
-      <a:lnRef idx="0">
+      <a:lnRef idx="2">
         <a:scrgbClr r="0" g="0" b="0"/>
       </a:lnRef>
-      <a:fillRef idx="3">
+      <a:fillRef idx="1">
         <a:scrgbClr r="0" g="0" b="0"/>
       </a:fillRef>
-      <a:effectRef idx="3">
+      <a:effectRef idx="0">
         <a:scrgbClr r="0" g="0" b="0"/>
       </a:effectRef>
       <a:fontRef idx="minor">
@@ -3513,13 +3531,13 @@
     <dgm:sp3d/>
     <dgm:txPr/>
     <dgm:style>
-      <a:lnRef idx="0">
+      <a:lnRef idx="2">
         <a:scrgbClr r="0" g="0" b="0"/>
       </a:lnRef>
-      <a:fillRef idx="3">
+      <a:fillRef idx="1">
         <a:scrgbClr r="0" g="0" b="0"/>
       </a:fillRef>
-      <a:effectRef idx="3">
+      <a:effectRef idx="0">
         <a:scrgbClr r="0" g="0" b="0"/>
       </a:effectRef>
       <a:fontRef idx="minor">
@@ -3535,13 +3553,13 @@
     <dgm:sp3d/>
     <dgm:txPr/>
     <dgm:style>
-      <a:lnRef idx="0">
+      <a:lnRef idx="2">
         <a:scrgbClr r="0" g="0" b="0"/>
       </a:lnRef>
-      <a:fillRef idx="3">
+      <a:fillRef idx="1">
         <a:scrgbClr r="0" g="0" b="0"/>
       </a:fillRef>
-      <a:effectRef idx="3">
+      <a:effectRef idx="0">
         <a:scrgbClr r="0" g="0" b="0"/>
       </a:effectRef>
       <a:fontRef idx="minor">
@@ -3557,13 +3575,13 @@
     <dgm:sp3d/>
     <dgm:txPr/>
     <dgm:style>
-      <a:lnRef idx="0">
+      <a:lnRef idx="2">
         <a:scrgbClr r="0" g="0" b="0"/>
       </a:lnRef>
-      <a:fillRef idx="3">
+      <a:fillRef idx="1">
         <a:scrgbClr r="0" g="0" b="0"/>
       </a:fillRef>
-      <a:effectRef idx="3">
+      <a:effectRef idx="0">
         <a:scrgbClr r="0" g="0" b="0"/>
       </a:effectRef>
       <a:fontRef idx="minor">
@@ -3659,13 +3677,13 @@
     <dgm:sp3d/>
     <dgm:txPr/>
     <dgm:style>
-      <a:lnRef idx="1">
+      <a:lnRef idx="2">
         <a:scrgbClr r="0" g="0" b="0"/>
       </a:lnRef>
       <a:fillRef idx="1">
         <a:scrgbClr r="0" g="0" b="0"/>
       </a:fillRef>
-      <a:effectRef idx="2">
+      <a:effectRef idx="0">
         <a:scrgbClr r="0" g="0" b="0"/>
       </a:effectRef>
       <a:fontRef idx="minor"/>
@@ -3679,13 +3697,13 @@
     <dgm:sp3d/>
     <dgm:txPr/>
     <dgm:style>
-      <a:lnRef idx="1">
+      <a:lnRef idx="2">
         <a:scrgbClr r="0" g="0" b="0"/>
       </a:lnRef>
       <a:fillRef idx="1">
         <a:scrgbClr r="0" g="0" b="0"/>
       </a:fillRef>
-      <a:effectRef idx="2">
+      <a:effectRef idx="0">
         <a:scrgbClr r="0" g="0" b="0"/>
       </a:effectRef>
       <a:fontRef idx="minor"/>
@@ -3699,13 +3717,13 @@
     <dgm:sp3d/>
     <dgm:txPr/>
     <dgm:style>
-      <a:lnRef idx="1">
+      <a:lnRef idx="2">
         <a:scrgbClr r="0" g="0" b="0"/>
       </a:lnRef>
       <a:fillRef idx="1">
         <a:scrgbClr r="0" g="0" b="0"/>
       </a:fillRef>
-      <a:effectRef idx="2">
+      <a:effectRef idx="0">
         <a:scrgbClr r="0" g="0" b="0"/>
       </a:effectRef>
       <a:fontRef idx="minor"/>
@@ -3739,13 +3757,13 @@
     <dgm:sp3d/>
     <dgm:txPr/>
     <dgm:style>
-      <a:lnRef idx="1">
+      <a:lnRef idx="2">
         <a:scrgbClr r="0" g="0" b="0"/>
       </a:lnRef>
       <a:fillRef idx="1">
         <a:scrgbClr r="0" g="0" b="0"/>
       </a:fillRef>
-      <a:effectRef idx="2">
+      <a:effectRef idx="0">
         <a:scrgbClr r="0" g="0" b="0"/>
       </a:effectRef>
       <a:fontRef idx="minor"/>
@@ -3759,13 +3777,13 @@
     <dgm:sp3d/>
     <dgm:txPr/>
     <dgm:style>
-      <a:lnRef idx="1">
+      <a:lnRef idx="2">
         <a:scrgbClr r="0" g="0" b="0"/>
       </a:lnRef>
       <a:fillRef idx="1">
         <a:scrgbClr r="0" g="0" b="0"/>
       </a:fillRef>
-      <a:effectRef idx="2">
+      <a:effectRef idx="0">
         <a:scrgbClr r="0" g="0" b="0"/>
       </a:effectRef>
       <a:fontRef idx="minor"/>
@@ -3779,13 +3797,13 @@
     <dgm:sp3d/>
     <dgm:txPr/>
     <dgm:style>
-      <a:lnRef idx="1">
+      <a:lnRef idx="2">
         <a:scrgbClr r="0" g="0" b="0"/>
       </a:lnRef>
       <a:fillRef idx="1">
         <a:scrgbClr r="0" g="0" b="0"/>
       </a:fillRef>
-      <a:effectRef idx="3">
+      <a:effectRef idx="0">
         <a:scrgbClr r="0" g="0" b="0"/>
       </a:effectRef>
       <a:fontRef idx="minor"/>
@@ -3799,13 +3817,13 @@
     <dgm:sp3d/>
     <dgm:txPr/>
     <dgm:style>
-      <a:lnRef idx="1">
+      <a:lnRef idx="2">
         <a:scrgbClr r="0" g="0" b="0"/>
       </a:lnRef>
       <a:fillRef idx="1">
         <a:scrgbClr r="0" g="0" b="0"/>
       </a:fillRef>
-      <a:effectRef idx="3">
+      <a:effectRef idx="0">
         <a:scrgbClr r="0" g="0" b="0"/>
       </a:effectRef>
       <a:fontRef idx="minor"/>
@@ -3819,13 +3837,13 @@
     <dgm:sp3d/>
     <dgm:txPr/>
     <dgm:style>
-      <a:lnRef idx="1">
+      <a:lnRef idx="2">
         <a:scrgbClr r="0" g="0" b="0"/>
       </a:lnRef>
       <a:fillRef idx="1">
         <a:scrgbClr r="0" g="0" b="0"/>
       </a:fillRef>
-      <a:effectRef idx="2">
+      <a:effectRef idx="0">
         <a:scrgbClr r="0" g="0" b="0"/>
       </a:effectRef>
       <a:fontRef idx="minor"/>
@@ -3839,13 +3857,13 @@
     <dgm:sp3d/>
     <dgm:txPr/>
     <dgm:style>
-      <a:lnRef idx="1">
+      <a:lnRef idx="2">
         <a:scrgbClr r="0" g="0" b="0"/>
       </a:lnRef>
       <a:fillRef idx="1">
         <a:scrgbClr r="0" g="0" b="0"/>
       </a:fillRef>
-      <a:effectRef idx="2">
+      <a:effectRef idx="0">
         <a:scrgbClr r="0" g="0" b="0"/>
       </a:effectRef>
       <a:fontRef idx="minor"/>
@@ -3859,13 +3877,13 @@
     <dgm:sp3d/>
     <dgm:txPr/>
     <dgm:style>
-      <a:lnRef idx="1">
+      <a:lnRef idx="2">
         <a:scrgbClr r="0" g="0" b="0"/>
       </a:lnRef>
       <a:fillRef idx="1">
         <a:scrgbClr r="0" g="0" b="0"/>
       </a:fillRef>
-      <a:effectRef idx="2">
+      <a:effectRef idx="0">
         <a:scrgbClr r="0" g="0" b="0"/>
       </a:effectRef>
       <a:fontRef idx="minor"/>
@@ -3879,13 +3897,13 @@
     <dgm:sp3d/>
     <dgm:txPr/>
     <dgm:style>
-      <a:lnRef idx="1">
+      <a:lnRef idx="2">
         <a:scrgbClr r="0" g="0" b="0"/>
       </a:lnRef>
       <a:fillRef idx="1">
         <a:scrgbClr r="0" g="0" b="0"/>
       </a:fillRef>
-      <a:effectRef idx="2">
+      <a:effectRef idx="0">
         <a:scrgbClr r="0" g="0" b="0"/>
       </a:effectRef>
       <a:fontRef idx="minor"/>
@@ -3899,13 +3917,13 @@
     <dgm:sp3d/>
     <dgm:txPr/>
     <dgm:style>
-      <a:lnRef idx="1">
+      <a:lnRef idx="2">
         <a:scrgbClr r="0" g="0" b="0"/>
       </a:lnRef>
       <a:fillRef idx="1">
         <a:scrgbClr r="0" g="0" b="0"/>
       </a:fillRef>
-      <a:effectRef idx="2">
+      <a:effectRef idx="0">
         <a:scrgbClr r="0" g="0" b="0"/>
       </a:effectRef>
       <a:fontRef idx="minor"/>
@@ -3919,13 +3937,13 @@
     <dgm:sp3d/>
     <dgm:txPr/>
     <dgm:style>
-      <a:lnRef idx="1">
+      <a:lnRef idx="2">
         <a:scrgbClr r="0" g="0" b="0"/>
       </a:lnRef>
       <a:fillRef idx="1">
         <a:scrgbClr r="0" g="0" b="0"/>
       </a:fillRef>
-      <a:effectRef idx="2">
+      <a:effectRef idx="0">
         <a:scrgbClr r="0" g="0" b="0"/>
       </a:effectRef>
       <a:fontRef idx="minor"/>
@@ -3939,13 +3957,13 @@
     <dgm:sp3d/>
     <dgm:txPr/>
     <dgm:style>
-      <a:lnRef idx="1">
+      <a:lnRef idx="2">
         <a:scrgbClr r="0" g="0" b="0"/>
       </a:lnRef>
       <a:fillRef idx="1">
         <a:scrgbClr r="0" g="0" b="0"/>
       </a:fillRef>
-      <a:effectRef idx="2">
+      <a:effectRef idx="0">
         <a:scrgbClr r="0" g="0" b="0"/>
       </a:effectRef>
       <a:fontRef idx="minor"/>
@@ -3965,7 +3983,7 @@
       <a:fillRef idx="1">
         <a:scrgbClr r="0" g="0" b="0"/>
       </a:fillRef>
-      <a:effectRef idx="2">
+      <a:effectRef idx="0">
         <a:scrgbClr r="0" g="0" b="0"/>
       </a:effectRef>
       <a:fontRef idx="minor"/>
@@ -3985,7 +4003,7 @@
       <a:fillRef idx="1">
         <a:scrgbClr r="0" g="0" b="0"/>
       </a:fillRef>
-      <a:effectRef idx="3">
+      <a:effectRef idx="0">
         <a:scrgbClr r="0" g="0" b="0"/>
       </a:effectRef>
       <a:fontRef idx="minor"/>
@@ -4019,13 +4037,13 @@
     <dgm:sp3d/>
     <dgm:txPr/>
     <dgm:style>
-      <a:lnRef idx="0">
+      <a:lnRef idx="2">
         <a:scrgbClr r="0" g="0" b="0"/>
       </a:lnRef>
-      <a:fillRef idx="3">
+      <a:fillRef idx="1">
         <a:scrgbClr r="0" g="0" b="0"/>
       </a:fillRef>
-      <a:effectRef idx="3">
+      <a:effectRef idx="0">
         <a:scrgbClr r="0" g="0" b="0"/>
       </a:effectRef>
       <a:fontRef idx="minor"/>
@@ -4956,7 +4974,7 @@
     </p:spTree>
     <p:extLst>
       <p:ext uri="{BB962C8B-B14F-4D97-AF65-F5344CB8AC3E}">
-        <p14:creationId xmlns:p14="http://schemas.microsoft.com/office/powerpoint/2010/main" val="2171543570"/>
+        <p14:creationId xmlns:p14="http://schemas.microsoft.com/office/powerpoint/2010/main" val="1532867707"/>
       </p:ext>
     </p:extLst>
   </p:cSld>
@@ -5010,6 +5028,252 @@
           <a:bodyPr/>
           <a:lstStyle/>
           <a:p>
+            <a:pPr marL="0" marR="0" lvl="0" indent="0" algn="l" defTabSz="914400" rtl="0" eaLnBrk="1" fontAlgn="auto" latinLnBrk="0" hangingPunct="1">
+              <a:lnSpc>
+                <a:spcPct val="100000"/>
+              </a:lnSpc>
+              <a:spcBef>
+                <a:spcPts val="0"/>
+              </a:spcBef>
+              <a:spcAft>
+                <a:spcPts val="0"/>
+              </a:spcAft>
+              <a:buClrTx/>
+              <a:buSzTx/>
+              <a:buFontTx/>
+              <a:buNone/>
+              <a:tabLst/>
+              <a:defRPr/>
+            </a:pPr>
+            <a:r>
+              <a:rPr lang="en-US" sz="1200" kern="1200" dirty="0">
+                <a:solidFill>
+                  <a:schemeClr val="tx1"/>
+                </a:solidFill>
+                <a:effectLst/>
+                <a:latin typeface="+mn-lt"/>
+                <a:ea typeface="+mn-ea"/>
+                <a:cs typeface="+mn-cs"/>
+              </a:rPr>
+              <a:t>(See ‘</a:t>
+            </a:r>
+            <a:r>
+              <a:rPr lang="en-US" sz="1200" kern="1200" dirty="0" err="1">
+                <a:solidFill>
+                  <a:schemeClr val="tx1"/>
+                </a:solidFill>
+                <a:effectLst/>
+                <a:latin typeface="+mn-lt"/>
+                <a:ea typeface="+mn-ea"/>
+                <a:cs typeface="+mn-cs"/>
+              </a:rPr>
+              <a:t>yellow_crust_ooze</a:t>
+            </a:r>
+            <a:r>
+              <a:rPr lang="en-US" sz="1200" kern="1200" dirty="0">
+                <a:solidFill>
+                  <a:schemeClr val="tx1"/>
+                </a:solidFill>
+                <a:effectLst/>
+                <a:latin typeface="+mn-lt"/>
+                <a:ea typeface="+mn-ea"/>
+                <a:cs typeface="+mn-cs"/>
+              </a:rPr>
+              <a:t>’) Some symptoms were only indicated in 1 disease prognosis. </a:t>
+            </a:r>
+          </a:p>
+          <a:p>
+            <a:pPr marL="0" marR="0" lvl="0" indent="0" algn="l" defTabSz="914400" rtl="0" eaLnBrk="1" fontAlgn="auto" latinLnBrk="0" hangingPunct="1">
+              <a:lnSpc>
+                <a:spcPct val="100000"/>
+              </a:lnSpc>
+              <a:spcBef>
+                <a:spcPts val="0"/>
+              </a:spcBef>
+              <a:spcAft>
+                <a:spcPts val="0"/>
+              </a:spcAft>
+              <a:buClrTx/>
+              <a:buSzTx/>
+              <a:buFontTx/>
+              <a:buNone/>
+              <a:tabLst/>
+              <a:defRPr/>
+            </a:pPr>
+            <a:endParaRPr lang="en-US" sz="1200" kern="1200" dirty="0">
+              <a:solidFill>
+                <a:schemeClr val="tx1"/>
+              </a:solidFill>
+              <a:effectLst/>
+              <a:latin typeface="+mn-lt"/>
+              <a:ea typeface="+mn-ea"/>
+              <a:cs typeface="+mn-cs"/>
+            </a:endParaRPr>
+          </a:p>
+          <a:p>
+            <a:pPr marL="0" marR="0" lvl="0" indent="0" algn="l" defTabSz="914400" rtl="0" eaLnBrk="1" fontAlgn="auto" latinLnBrk="0" hangingPunct="1">
+              <a:lnSpc>
+                <a:spcPct val="100000"/>
+              </a:lnSpc>
+              <a:spcBef>
+                <a:spcPts val="0"/>
+              </a:spcBef>
+              <a:spcAft>
+                <a:spcPts val="0"/>
+              </a:spcAft>
+              <a:buClrTx/>
+              <a:buSzTx/>
+              <a:buFontTx/>
+              <a:buNone/>
+              <a:tabLst/>
+              <a:defRPr/>
+            </a:pPr>
+            <a:r>
+              <a:rPr lang="en-US" sz="1200" kern="1200" dirty="0">
+                <a:solidFill>
+                  <a:schemeClr val="tx1"/>
+                </a:solidFill>
+                <a:effectLst/>
+                <a:latin typeface="+mn-lt"/>
+                <a:ea typeface="+mn-ea"/>
+                <a:cs typeface="+mn-cs"/>
+              </a:rPr>
+              <a:t>(See ‘palpitations’) Some symptoms were only indicated in 1 disease prognosis </a:t>
+            </a:r>
+            <a:r>
+              <a:rPr lang="en-US" sz="1200" i="1" kern="1200" dirty="0">
+                <a:solidFill>
+                  <a:schemeClr val="tx1"/>
+                </a:solidFill>
+                <a:effectLst/>
+                <a:latin typeface="+mn-lt"/>
+                <a:ea typeface="+mn-ea"/>
+                <a:cs typeface="+mn-cs"/>
+              </a:rPr>
+              <a:t>and</a:t>
+            </a:r>
+            <a:r>
+              <a:rPr lang="en-US" sz="1200" kern="1200" dirty="0">
+                <a:solidFill>
+                  <a:schemeClr val="tx1"/>
+                </a:solidFill>
+                <a:effectLst/>
+                <a:latin typeface="+mn-lt"/>
+                <a:ea typeface="+mn-ea"/>
+                <a:cs typeface="+mn-cs"/>
+              </a:rPr>
+              <a:t> are indicated in every instance of that prognosis in the training set. </a:t>
+            </a:r>
+          </a:p>
+          <a:p>
+            <a:pPr marL="0" marR="0" lvl="0" indent="0" algn="l" defTabSz="914400" rtl="0" eaLnBrk="1" fontAlgn="auto" latinLnBrk="0" hangingPunct="1">
+              <a:lnSpc>
+                <a:spcPct val="100000"/>
+              </a:lnSpc>
+              <a:spcBef>
+                <a:spcPts val="0"/>
+              </a:spcBef>
+              <a:spcAft>
+                <a:spcPts val="0"/>
+              </a:spcAft>
+              <a:buClrTx/>
+              <a:buSzTx/>
+              <a:buFontTx/>
+              <a:buNone/>
+              <a:tabLst/>
+              <a:defRPr/>
+            </a:pPr>
+            <a:endParaRPr lang="en-US" sz="1200" kern="1200" dirty="0">
+              <a:solidFill>
+                <a:schemeClr val="tx1"/>
+              </a:solidFill>
+              <a:effectLst/>
+              <a:latin typeface="+mn-lt"/>
+              <a:ea typeface="+mn-ea"/>
+              <a:cs typeface="+mn-cs"/>
+            </a:endParaRPr>
+          </a:p>
+          <a:p>
+            <a:pPr lvl="0"/>
+            <a:r>
+              <a:rPr lang="en-US" sz="1200" kern="1200" dirty="0">
+                <a:solidFill>
+                  <a:schemeClr val="tx1"/>
+                </a:solidFill>
+                <a:effectLst/>
+                <a:latin typeface="+mn-lt"/>
+                <a:ea typeface="+mn-ea"/>
+                <a:cs typeface="+mn-cs"/>
+              </a:rPr>
+              <a:t>(see ‘</a:t>
+            </a:r>
+            <a:r>
+              <a:rPr lang="en-US" sz="1200" kern="1200" dirty="0" err="1">
+                <a:solidFill>
+                  <a:schemeClr val="tx1"/>
+                </a:solidFill>
+                <a:effectLst/>
+                <a:latin typeface="+mn-lt"/>
+                <a:ea typeface="+mn-ea"/>
+                <a:cs typeface="+mn-cs"/>
+              </a:rPr>
+              <a:t>weight_loss</a:t>
+            </a:r>
+            <a:r>
+              <a:rPr lang="en-US" sz="1200" kern="1200" dirty="0">
+                <a:solidFill>
+                  <a:schemeClr val="tx1"/>
+                </a:solidFill>
+                <a:effectLst/>
+                <a:latin typeface="+mn-lt"/>
+                <a:ea typeface="+mn-ea"/>
+                <a:cs typeface="+mn-cs"/>
+              </a:rPr>
+              <a:t>’) Some symptoms were indicated in more than one prognosis. </a:t>
+            </a:r>
+          </a:p>
+          <a:p>
+            <a:pPr lvl="0"/>
+            <a:endParaRPr lang="en-US" sz="1200" kern="1200" dirty="0">
+              <a:solidFill>
+                <a:schemeClr val="tx1"/>
+              </a:solidFill>
+              <a:effectLst/>
+              <a:latin typeface="+mn-lt"/>
+              <a:ea typeface="+mn-ea"/>
+              <a:cs typeface="+mn-cs"/>
+            </a:endParaRPr>
+          </a:p>
+          <a:p>
+            <a:pPr marL="0" marR="0" lvl="0" indent="0" algn="l" defTabSz="914400" rtl="0" eaLnBrk="1" fontAlgn="auto" latinLnBrk="0" hangingPunct="1">
+              <a:lnSpc>
+                <a:spcPct val="100000"/>
+              </a:lnSpc>
+              <a:spcBef>
+                <a:spcPts val="0"/>
+              </a:spcBef>
+              <a:spcAft>
+                <a:spcPts val="0"/>
+              </a:spcAft>
+              <a:buClrTx/>
+              <a:buSzTx/>
+              <a:buFontTx/>
+              <a:buNone/>
+              <a:tabLst/>
+              <a:defRPr/>
+            </a:pPr>
+            <a:r>
+              <a:rPr lang="en-US" sz="1200" kern="1200" dirty="0">
+                <a:solidFill>
+                  <a:schemeClr val="tx1"/>
+                </a:solidFill>
+                <a:effectLst/>
+                <a:latin typeface="+mn-lt"/>
+                <a:ea typeface="+mn-ea"/>
+                <a:cs typeface="+mn-cs"/>
+              </a:rPr>
+              <a:t>(see ‘malaise’) Some symptoms were indicated in more than one prognosis and were always indicated in one or more of the possibilities. </a:t>
+            </a:r>
             <a:endParaRPr lang="en-US" dirty="0"/>
           </a:p>
         </p:txBody>
@@ -5041,6 +5305,606 @@
     <p:extLst>
       <p:ext uri="{BB962C8B-B14F-4D97-AF65-F5344CB8AC3E}">
         <p14:creationId xmlns:p14="http://schemas.microsoft.com/office/powerpoint/2010/main" val="208891852"/>
+      </p:ext>
+    </p:extLst>
+  </p:cSld>
+  <p:clrMapOvr>
+    <a:masterClrMapping/>
+  </p:clrMapOvr>
+</p:notes>
+</file>
+
+<file path=ppt/notesSlides/notesSlide7.xml><?xml version="1.0" encoding="utf-8"?>
+<p:notes xmlns:a="http://schemas.openxmlformats.org/drawingml/2006/main" xmlns:r="http://schemas.openxmlformats.org/officeDocument/2006/relationships" xmlns:p="http://schemas.openxmlformats.org/presentationml/2006/main">
+  <p:cSld>
+    <p:spTree>
+      <p:nvGrpSpPr>
+        <p:cNvPr id="1" name=""/>
+        <p:cNvGrpSpPr/>
+        <p:nvPr/>
+      </p:nvGrpSpPr>
+      <p:grpSpPr>
+        <a:xfrm>
+          <a:off x="0" y="0"/>
+          <a:ext cx="0" cy="0"/>
+          <a:chOff x="0" y="0"/>
+          <a:chExt cx="0" cy="0"/>
+        </a:xfrm>
+      </p:grpSpPr>
+      <p:sp>
+        <p:nvSpPr>
+          <p:cNvPr id="2" name="Slide Image Placeholder 1"/>
+          <p:cNvSpPr>
+            <a:spLocks noGrp="1" noRot="1" noChangeAspect="1"/>
+          </p:cNvSpPr>
+          <p:nvPr>
+            <p:ph type="sldImg"/>
+          </p:nvPr>
+        </p:nvSpPr>
+        <p:spPr/>
+      </p:sp>
+      <p:sp>
+        <p:nvSpPr>
+          <p:cNvPr id="3" name="Notes Placeholder 2"/>
+          <p:cNvSpPr>
+            <a:spLocks noGrp="1"/>
+          </p:cNvSpPr>
+          <p:nvPr>
+            <p:ph type="body" idx="1"/>
+          </p:nvPr>
+        </p:nvSpPr>
+        <p:spPr/>
+        <p:txBody>
+          <a:bodyPr/>
+          <a:lstStyle/>
+          <a:p>
+            <a:endParaRPr lang="en-US" dirty="0"/>
+          </a:p>
+        </p:txBody>
+      </p:sp>
+      <p:sp>
+        <p:nvSpPr>
+          <p:cNvPr id="4" name="Slide Number Placeholder 3"/>
+          <p:cNvSpPr>
+            <a:spLocks noGrp="1"/>
+          </p:cNvSpPr>
+          <p:nvPr>
+            <p:ph type="sldNum" sz="quarter" idx="5"/>
+          </p:nvPr>
+        </p:nvSpPr>
+        <p:spPr/>
+        <p:txBody>
+          <a:bodyPr/>
+          <a:lstStyle/>
+          <a:p>
+            <a:fld id="{4EC99E1D-C821-7B49-8962-047D461C08B2}" type="slidenum">
+              <a:rPr lang="en-US" smtClean="0"/>
+              <a:t>8</a:t>
+            </a:fld>
+            <a:endParaRPr lang="en-US"/>
+          </a:p>
+        </p:txBody>
+      </p:sp>
+    </p:spTree>
+    <p:extLst>
+      <p:ext uri="{BB962C8B-B14F-4D97-AF65-F5344CB8AC3E}">
+        <p14:creationId xmlns:p14="http://schemas.microsoft.com/office/powerpoint/2010/main" val="2171543570"/>
+      </p:ext>
+    </p:extLst>
+  </p:cSld>
+  <p:clrMapOvr>
+    <a:masterClrMapping/>
+  </p:clrMapOvr>
+</p:notes>
+</file>
+
+<file path=ppt/notesSlides/notesSlide8.xml><?xml version="1.0" encoding="utf-8"?>
+<p:notes xmlns:a="http://schemas.openxmlformats.org/drawingml/2006/main" xmlns:r="http://schemas.openxmlformats.org/officeDocument/2006/relationships" xmlns:p="http://schemas.openxmlformats.org/presentationml/2006/main">
+  <p:cSld>
+    <p:spTree>
+      <p:nvGrpSpPr>
+        <p:cNvPr id="1" name=""/>
+        <p:cNvGrpSpPr/>
+        <p:nvPr/>
+      </p:nvGrpSpPr>
+      <p:grpSpPr>
+        <a:xfrm>
+          <a:off x="0" y="0"/>
+          <a:ext cx="0" cy="0"/>
+          <a:chOff x="0" y="0"/>
+          <a:chExt cx="0" cy="0"/>
+        </a:xfrm>
+      </p:grpSpPr>
+      <p:sp>
+        <p:nvSpPr>
+          <p:cNvPr id="2" name="Slide Image Placeholder 1"/>
+          <p:cNvSpPr>
+            <a:spLocks noGrp="1" noRot="1" noChangeAspect="1"/>
+          </p:cNvSpPr>
+          <p:nvPr>
+            <p:ph type="sldImg"/>
+          </p:nvPr>
+        </p:nvSpPr>
+        <p:spPr/>
+      </p:sp>
+      <p:sp>
+        <p:nvSpPr>
+          <p:cNvPr id="3" name="Notes Placeholder 2"/>
+          <p:cNvSpPr>
+            <a:spLocks noGrp="1"/>
+          </p:cNvSpPr>
+          <p:nvPr>
+            <p:ph type="body" idx="1"/>
+          </p:nvPr>
+        </p:nvSpPr>
+        <p:spPr/>
+        <p:txBody>
+          <a:bodyPr/>
+          <a:lstStyle/>
+          <a:p>
+            <a:r>
+              <a:rPr lang="en-US" dirty="0"/>
+              <a:t>Next, we reserved 20% of the data for testing, and fit the remaining 80% of the data to 7 different classification models.</a:t>
+            </a:r>
+          </a:p>
+          <a:p>
+            <a:endParaRPr lang="en-US" dirty="0"/>
+          </a:p>
+          <a:p>
+            <a:r>
+              <a:rPr lang="en-US" dirty="0"/>
+              <a:t>First, a decision tree (CLICK 1), </a:t>
+            </a:r>
+          </a:p>
+          <a:p>
+            <a:r>
+              <a:rPr lang="en-US" dirty="0"/>
+              <a:t>which we actually used twice with two different loss functions (CLICK 2)</a:t>
+            </a:r>
+          </a:p>
+          <a:p>
+            <a:pPr marL="0" marR="0" lvl="0" indent="0" algn="l" defTabSz="914400" rtl="0" eaLnBrk="1" fontAlgn="auto" latinLnBrk="0" hangingPunct="1">
+              <a:lnSpc>
+                <a:spcPct val="100000"/>
+              </a:lnSpc>
+              <a:spcBef>
+                <a:spcPts val="0"/>
+              </a:spcBef>
+              <a:spcAft>
+                <a:spcPts val="0"/>
+              </a:spcAft>
+              <a:buClrTx/>
+              <a:buSzTx/>
+              <a:buFontTx/>
+              <a:buNone/>
+              <a:tabLst/>
+              <a:defRPr/>
+            </a:pPr>
+            <a:r>
+              <a:rPr lang="en-US" dirty="0"/>
+              <a:t>First was an entropy-based model (CLICK 3), which scored at 95% accuracy on the test set. You can read the rest of the test scores here, too. </a:t>
+            </a:r>
+          </a:p>
+          <a:p>
+            <a:pPr marL="0" marR="0" lvl="0" indent="0" algn="l" defTabSz="914400" rtl="0" eaLnBrk="1" fontAlgn="auto" latinLnBrk="0" hangingPunct="1">
+              <a:lnSpc>
+                <a:spcPct val="100000"/>
+              </a:lnSpc>
+              <a:spcBef>
+                <a:spcPts val="0"/>
+              </a:spcBef>
+              <a:spcAft>
+                <a:spcPts val="0"/>
+              </a:spcAft>
+              <a:buClrTx/>
+              <a:buSzTx/>
+              <a:buFontTx/>
+              <a:buNone/>
+              <a:tabLst/>
+              <a:defRPr/>
+            </a:pPr>
+            <a:r>
+              <a:rPr lang="en-US" dirty="0"/>
+              <a:t>Next was a gini-impurity based model (CLICK 4), which scored identically to the entropy based tree except with a slight loss in recall on the test set.</a:t>
+            </a:r>
+          </a:p>
+          <a:p>
+            <a:pPr marL="0" marR="0" lvl="0" indent="0" algn="l" defTabSz="914400" rtl="0" eaLnBrk="1" fontAlgn="auto" latinLnBrk="0" hangingPunct="1">
+              <a:lnSpc>
+                <a:spcPct val="100000"/>
+              </a:lnSpc>
+              <a:spcBef>
+                <a:spcPts val="0"/>
+              </a:spcBef>
+              <a:spcAft>
+                <a:spcPts val="0"/>
+              </a:spcAft>
+              <a:buClrTx/>
+              <a:buSzTx/>
+              <a:buFontTx/>
+              <a:buNone/>
+              <a:tabLst/>
+              <a:defRPr/>
+            </a:pPr>
+            <a:endParaRPr lang="en-US" dirty="0"/>
+          </a:p>
+          <a:p>
+            <a:pPr marL="0" marR="0" lvl="0" indent="0" algn="l" defTabSz="914400" rtl="0" eaLnBrk="1" fontAlgn="auto" latinLnBrk="0" hangingPunct="1">
+              <a:lnSpc>
+                <a:spcPct val="100000"/>
+              </a:lnSpc>
+              <a:spcBef>
+                <a:spcPts val="0"/>
+              </a:spcBef>
+              <a:spcAft>
+                <a:spcPts val="0"/>
+              </a:spcAft>
+              <a:buClrTx/>
+              <a:buSzTx/>
+              <a:buFontTx/>
+              <a:buNone/>
+              <a:tabLst/>
+              <a:defRPr/>
+            </a:pPr>
+            <a:r>
+              <a:rPr lang="en-US" dirty="0"/>
+              <a:t>We tried an Ada Boost classifier, which scored 99% on accuracy, F1, precision and recall.(CLICK 5)</a:t>
+            </a:r>
+          </a:p>
+          <a:p>
+            <a:pPr marL="0" marR="0" lvl="0" indent="0" algn="l" defTabSz="914400" rtl="0" eaLnBrk="1" fontAlgn="auto" latinLnBrk="0" hangingPunct="1">
+              <a:lnSpc>
+                <a:spcPct val="100000"/>
+              </a:lnSpc>
+              <a:spcBef>
+                <a:spcPts val="0"/>
+              </a:spcBef>
+              <a:spcAft>
+                <a:spcPts val="0"/>
+              </a:spcAft>
+              <a:buClrTx/>
+              <a:buSzTx/>
+              <a:buFontTx/>
+              <a:buNone/>
+              <a:tabLst/>
+              <a:defRPr/>
+            </a:pPr>
+            <a:r>
+              <a:rPr lang="en-US" dirty="0"/>
+              <a:t>Next a Random Forest (CLICK6), which scored a perfect 1.0 on our performance measures.</a:t>
+            </a:r>
+          </a:p>
+          <a:p>
+            <a:pPr marL="0" marR="0" lvl="0" indent="0" algn="l" defTabSz="914400" rtl="0" eaLnBrk="1" fontAlgn="auto" latinLnBrk="0" hangingPunct="1">
+              <a:lnSpc>
+                <a:spcPct val="100000"/>
+              </a:lnSpc>
+              <a:spcBef>
+                <a:spcPts val="0"/>
+              </a:spcBef>
+              <a:spcAft>
+                <a:spcPts val="0"/>
+              </a:spcAft>
+              <a:buClrTx/>
+              <a:buSzTx/>
+              <a:buFontTx/>
+              <a:buNone/>
+              <a:tabLst/>
+              <a:defRPr/>
+            </a:pPr>
+            <a:r>
+              <a:rPr lang="en-US" dirty="0"/>
+              <a:t>A support vector classifier (CLICK7)  also had perfect metrics.</a:t>
+            </a:r>
+          </a:p>
+          <a:p>
+            <a:pPr marL="0" marR="0" lvl="0" indent="0" algn="l" defTabSz="914400" rtl="0" eaLnBrk="1" fontAlgn="auto" latinLnBrk="0" hangingPunct="1">
+              <a:lnSpc>
+                <a:spcPct val="100000"/>
+              </a:lnSpc>
+              <a:spcBef>
+                <a:spcPts val="0"/>
+              </a:spcBef>
+              <a:spcAft>
+                <a:spcPts val="0"/>
+              </a:spcAft>
+              <a:buClrTx/>
+              <a:buSzTx/>
+              <a:buFontTx/>
+              <a:buNone/>
+              <a:tabLst/>
+              <a:defRPr/>
+            </a:pPr>
+            <a:r>
+              <a:rPr lang="en-US" dirty="0"/>
+              <a:t>We tried a Gradient Boosting model (CLICK8), which scored perfectly on the test set.</a:t>
+            </a:r>
+          </a:p>
+          <a:p>
+            <a:pPr marL="0" marR="0" lvl="0" indent="0" algn="l" defTabSz="914400" rtl="0" eaLnBrk="1" fontAlgn="auto" latinLnBrk="0" hangingPunct="1">
+              <a:lnSpc>
+                <a:spcPct val="100000"/>
+              </a:lnSpc>
+              <a:spcBef>
+                <a:spcPts val="0"/>
+              </a:spcBef>
+              <a:spcAft>
+                <a:spcPts val="0"/>
+              </a:spcAft>
+              <a:buClrTx/>
+              <a:buSzTx/>
+              <a:buFontTx/>
+              <a:buNone/>
+              <a:tabLst/>
+              <a:defRPr/>
+            </a:pPr>
+            <a:r>
+              <a:rPr lang="en-US" dirty="0"/>
+              <a:t>And lastly we tried an XGBoost model (CLICK9), which once again yielded perfect test scores.</a:t>
+            </a:r>
+          </a:p>
+          <a:p>
+            <a:pPr marL="0" marR="0" lvl="0" indent="0" algn="l" defTabSz="914400" rtl="0" eaLnBrk="1" fontAlgn="auto" latinLnBrk="0" hangingPunct="1">
+              <a:lnSpc>
+                <a:spcPct val="100000"/>
+              </a:lnSpc>
+              <a:spcBef>
+                <a:spcPts val="0"/>
+              </a:spcBef>
+              <a:spcAft>
+                <a:spcPts val="0"/>
+              </a:spcAft>
+              <a:buClrTx/>
+              <a:buSzTx/>
+              <a:buFontTx/>
+              <a:buNone/>
+              <a:tabLst/>
+              <a:defRPr/>
+            </a:pPr>
+            <a:endParaRPr lang="en-US" dirty="0"/>
+          </a:p>
+          <a:p>
+            <a:pPr marL="0" marR="0" lvl="0" indent="0" algn="l" defTabSz="914400" rtl="0" eaLnBrk="1" fontAlgn="auto" latinLnBrk="0" hangingPunct="1">
+              <a:lnSpc>
+                <a:spcPct val="100000"/>
+              </a:lnSpc>
+              <a:spcBef>
+                <a:spcPts val="0"/>
+              </a:spcBef>
+              <a:spcAft>
+                <a:spcPts val="0"/>
+              </a:spcAft>
+              <a:buClrTx/>
+              <a:buSzTx/>
+              <a:buFontTx/>
+              <a:buNone/>
+              <a:tabLst/>
+              <a:defRPr/>
+            </a:pPr>
+            <a:r>
+              <a:rPr lang="en-US" dirty="0"/>
+              <a:t>So this gave us a total of 4 different models that performed equally well. (CLICK 10).</a:t>
+            </a:r>
+          </a:p>
+          <a:p>
+            <a:pPr marL="0" marR="0" lvl="0" indent="0" algn="l" defTabSz="914400" rtl="0" eaLnBrk="1" fontAlgn="auto" latinLnBrk="0" hangingPunct="1">
+              <a:lnSpc>
+                <a:spcPct val="100000"/>
+              </a:lnSpc>
+              <a:spcBef>
+                <a:spcPts val="0"/>
+              </a:spcBef>
+              <a:spcAft>
+                <a:spcPts val="0"/>
+              </a:spcAft>
+              <a:buClrTx/>
+              <a:buSzTx/>
+              <a:buFontTx/>
+              <a:buNone/>
+              <a:tabLst/>
+              <a:defRPr/>
+            </a:pPr>
+            <a:r>
+              <a:rPr lang="en-US" dirty="0"/>
+              <a:t>These results gave rise to two new questions:</a:t>
+            </a:r>
+          </a:p>
+          <a:p>
+            <a:pPr marL="228600" marR="0" lvl="0" indent="-228600" algn="l" defTabSz="914400" rtl="0" eaLnBrk="1" fontAlgn="auto" latinLnBrk="0" hangingPunct="1">
+              <a:lnSpc>
+                <a:spcPct val="100000"/>
+              </a:lnSpc>
+              <a:spcBef>
+                <a:spcPts val="0"/>
+              </a:spcBef>
+              <a:spcAft>
+                <a:spcPts val="0"/>
+              </a:spcAft>
+              <a:buClrTx/>
+              <a:buSzTx/>
+              <a:buFontTx/>
+              <a:buAutoNum type="arabicPeriod"/>
+              <a:tabLst/>
+              <a:defRPr/>
+            </a:pPr>
+            <a:r>
+              <a:rPr lang="en-US" dirty="0"/>
+              <a:t>The first: 100% accuracy seems too good to be true—how do we know these models are valid?</a:t>
+            </a:r>
+          </a:p>
+          <a:p>
+            <a:pPr marL="228600" marR="0" lvl="0" indent="-228600" algn="l" defTabSz="914400" rtl="0" eaLnBrk="1" fontAlgn="auto" latinLnBrk="0" hangingPunct="1">
+              <a:lnSpc>
+                <a:spcPct val="100000"/>
+              </a:lnSpc>
+              <a:spcBef>
+                <a:spcPts val="0"/>
+              </a:spcBef>
+              <a:spcAft>
+                <a:spcPts val="0"/>
+              </a:spcAft>
+              <a:buClrTx/>
+              <a:buSzTx/>
+              <a:buFontTx/>
+              <a:buAutoNum type="arabicPeriod"/>
+              <a:tabLst/>
+              <a:defRPr/>
+            </a:pPr>
+            <a:r>
+              <a:rPr lang="en-US" dirty="0"/>
+              <a:t>The second: with equal performance, how can we differentiate which model to proceed with in a production setting?</a:t>
+            </a:r>
+            <a:br>
+              <a:rPr lang="en-US" dirty="0"/>
+            </a:br>
+            <a:br>
+              <a:rPr lang="en-US" dirty="0"/>
+            </a:br>
+            <a:r>
+              <a:rPr lang="en-US" dirty="0"/>
+              <a:t>I’m going to tackle the latter first, and then address the former.</a:t>
+            </a:r>
+          </a:p>
+        </p:txBody>
+      </p:sp>
+      <p:sp>
+        <p:nvSpPr>
+          <p:cNvPr id="4" name="Slide Number Placeholder 3"/>
+          <p:cNvSpPr>
+            <a:spLocks noGrp="1"/>
+          </p:cNvSpPr>
+          <p:nvPr>
+            <p:ph type="sldNum" sz="quarter" idx="5"/>
+          </p:nvPr>
+        </p:nvSpPr>
+        <p:spPr/>
+        <p:txBody>
+          <a:bodyPr/>
+          <a:lstStyle/>
+          <a:p>
+            <a:fld id="{4EC99E1D-C821-7B49-8962-047D461C08B2}" type="slidenum">
+              <a:rPr lang="en-US" smtClean="0"/>
+              <a:t>9</a:t>
+            </a:fld>
+            <a:endParaRPr lang="en-US"/>
+          </a:p>
+        </p:txBody>
+      </p:sp>
+    </p:spTree>
+    <p:extLst>
+      <p:ext uri="{BB962C8B-B14F-4D97-AF65-F5344CB8AC3E}">
+        <p14:creationId xmlns:p14="http://schemas.microsoft.com/office/powerpoint/2010/main" val="421049761"/>
+      </p:ext>
+    </p:extLst>
+  </p:cSld>
+  <p:clrMapOvr>
+    <a:masterClrMapping/>
+  </p:clrMapOvr>
+</p:notes>
+</file>
+
+<file path=ppt/notesSlides/notesSlide9.xml><?xml version="1.0" encoding="utf-8"?>
+<p:notes xmlns:a="http://schemas.openxmlformats.org/drawingml/2006/main" xmlns:r="http://schemas.openxmlformats.org/officeDocument/2006/relationships" xmlns:p="http://schemas.openxmlformats.org/presentationml/2006/main">
+  <p:cSld>
+    <p:spTree>
+      <p:nvGrpSpPr>
+        <p:cNvPr id="1" name=""/>
+        <p:cNvGrpSpPr/>
+        <p:nvPr/>
+      </p:nvGrpSpPr>
+      <p:grpSpPr>
+        <a:xfrm>
+          <a:off x="0" y="0"/>
+          <a:ext cx="0" cy="0"/>
+          <a:chOff x="0" y="0"/>
+          <a:chExt cx="0" cy="0"/>
+        </a:xfrm>
+      </p:grpSpPr>
+      <p:sp>
+        <p:nvSpPr>
+          <p:cNvPr id="2" name="Slide Image Placeholder 1"/>
+          <p:cNvSpPr>
+            <a:spLocks noGrp="1" noRot="1" noChangeAspect="1"/>
+          </p:cNvSpPr>
+          <p:nvPr>
+            <p:ph type="sldImg"/>
+          </p:nvPr>
+        </p:nvSpPr>
+        <p:spPr/>
+      </p:sp>
+      <p:sp>
+        <p:nvSpPr>
+          <p:cNvPr id="3" name="Notes Placeholder 2"/>
+          <p:cNvSpPr>
+            <a:spLocks noGrp="1"/>
+          </p:cNvSpPr>
+          <p:nvPr>
+            <p:ph type="body" idx="1"/>
+          </p:nvPr>
+        </p:nvSpPr>
+        <p:spPr/>
+        <p:txBody>
+          <a:bodyPr/>
+          <a:lstStyle/>
+          <a:p>
+            <a:r>
+              <a:rPr lang="en-US" dirty="0"/>
+              <a:t>So we measured the amount of time it took to train the top models on training data and the time it took to predict the diagnosis of one individual patient sample.</a:t>
+            </a:r>
+          </a:p>
+          <a:p>
+            <a:endParaRPr lang="en-US" dirty="0"/>
+          </a:p>
+          <a:p>
+            <a:r>
+              <a:rPr lang="en-US" dirty="0"/>
+              <a:t>Here are the training time results. (CLICK) The Random Forest and SVC models took just 0.6s to fit to our training data.  the Gradient Boosting model took 65x that amount of time, and XGBoost took 37x that amount time. Now, training time may or may not be important in a production setting. We likely would be retraining the model in batches in order to maintain good control over the medical diagnostic tool, so retraining would be a periodic task rather than a constant one. However, as the dataset scales, the disparities in training time could still make a big difference in time and computing resources.</a:t>
+            </a:r>
+          </a:p>
+          <a:p>
+            <a:endParaRPr lang="en-US" dirty="0"/>
+          </a:p>
+          <a:p>
+            <a:r>
+              <a:rPr lang="en-US" dirty="0"/>
+              <a:t>We were also interested in how quickly </a:t>
+            </a:r>
+          </a:p>
+          <a:p>
+            <a:endParaRPr lang="en-US" dirty="0"/>
+          </a:p>
+          <a:p>
+            <a:endParaRPr lang="en-US" dirty="0"/>
+          </a:p>
+        </p:txBody>
+      </p:sp>
+      <p:sp>
+        <p:nvSpPr>
+          <p:cNvPr id="4" name="Slide Number Placeholder 3"/>
+          <p:cNvSpPr>
+            <a:spLocks noGrp="1"/>
+          </p:cNvSpPr>
+          <p:nvPr>
+            <p:ph type="sldNum" sz="quarter" idx="5"/>
+          </p:nvPr>
+        </p:nvSpPr>
+        <p:spPr/>
+        <p:txBody>
+          <a:bodyPr/>
+          <a:lstStyle/>
+          <a:p>
+            <a:fld id="{4EC99E1D-C821-7B49-8962-047D461C08B2}" type="slidenum">
+              <a:rPr lang="en-US" smtClean="0"/>
+              <a:t>10</a:t>
+            </a:fld>
+            <a:endParaRPr lang="en-US"/>
+          </a:p>
+        </p:txBody>
+      </p:sp>
+    </p:spTree>
+    <p:extLst>
+      <p:ext uri="{BB962C8B-B14F-4D97-AF65-F5344CB8AC3E}">
+        <p14:creationId xmlns:p14="http://schemas.microsoft.com/office/powerpoint/2010/main" val="1195112144"/>
       </p:ext>
     </p:extLst>
   </p:cSld>
@@ -13635,6 +14499,1445 @@
           <p:cNvPr id="2" name="Title 1">
             <a:extLst>
               <a:ext uri="{FF2B5EF4-FFF2-40B4-BE49-F238E27FC236}">
+                <a16:creationId xmlns:a16="http://schemas.microsoft.com/office/drawing/2014/main" id="{4FF6ABAC-FC75-9B28-7017-9BB63ADEA988}"/>
+              </a:ext>
+            </a:extLst>
+          </p:cNvPr>
+          <p:cNvSpPr>
+            <a:spLocks noGrp="1"/>
+          </p:cNvSpPr>
+          <p:nvPr>
+            <p:ph type="title"/>
+          </p:nvPr>
+        </p:nvSpPr>
+        <p:spPr>
+          <a:xfrm>
+            <a:off x="397037" y="477406"/>
+            <a:ext cx="11397926" cy="286970"/>
+          </a:xfrm>
+        </p:spPr>
+        <p:txBody>
+          <a:bodyPr>
+            <a:noAutofit/>
+          </a:bodyPr>
+          <a:lstStyle/>
+          <a:p>
+            <a:r>
+              <a:rPr lang="en-US" sz="3200" dirty="0"/>
+              <a:t>Training time and prediction time per patient to differentiate models</a:t>
+            </a:r>
+          </a:p>
+        </p:txBody>
+      </p:sp>
+      <p:sp>
+        <p:nvSpPr>
+          <p:cNvPr id="4" name="TextBox 3">
+            <a:extLst>
+              <a:ext uri="{FF2B5EF4-FFF2-40B4-BE49-F238E27FC236}">
+                <a16:creationId xmlns:a16="http://schemas.microsoft.com/office/drawing/2014/main" id="{D71C0D59-80E1-CB89-D1D9-D95287218A11}"/>
+              </a:ext>
+            </a:extLst>
+          </p:cNvPr>
+          <p:cNvSpPr txBox="1"/>
+          <p:nvPr/>
+        </p:nvSpPr>
+        <p:spPr>
+          <a:xfrm>
+            <a:off x="4415481" y="2997445"/>
+            <a:ext cx="3361037" cy="738664"/>
+          </a:xfrm>
+          <a:prstGeom prst="rect">
+            <a:avLst/>
+          </a:prstGeom>
+        </p:spPr>
+        <p:style>
+          <a:lnRef idx="0">
+            <a:schemeClr val="accent4"/>
+          </a:lnRef>
+          <a:fillRef idx="3">
+            <a:schemeClr val="accent4"/>
+          </a:fillRef>
+          <a:effectRef idx="3">
+            <a:schemeClr val="accent4"/>
+          </a:effectRef>
+          <a:fontRef idx="minor">
+            <a:schemeClr val="lt1"/>
+          </a:fontRef>
+        </p:style>
+        <p:txBody>
+          <a:bodyPr wrap="square" rtlCol="0">
+            <a:spAutoFit/>
+          </a:bodyPr>
+          <a:lstStyle/>
+          <a:p>
+            <a:pPr algn="ctr"/>
+            <a:r>
+              <a:rPr lang="en-US" sz="2400" dirty="0"/>
+              <a:t>Disease Classification</a:t>
+            </a:r>
+          </a:p>
+          <a:p>
+            <a:pPr algn="ctr"/>
+            <a:r>
+              <a:rPr lang="en-US" dirty="0"/>
+              <a:t>(80/20 Train/Test Split)</a:t>
+            </a:r>
+          </a:p>
+        </p:txBody>
+      </p:sp>
+      <p:grpSp>
+        <p:nvGrpSpPr>
+          <p:cNvPr id="10" name="Group 9">
+            <a:extLst>
+              <a:ext uri="{FF2B5EF4-FFF2-40B4-BE49-F238E27FC236}">
+                <a16:creationId xmlns:a16="http://schemas.microsoft.com/office/drawing/2014/main" id="{6D872CF2-D31E-1FF1-A157-10BAAE7409BF}"/>
+              </a:ext>
+            </a:extLst>
+          </p:cNvPr>
+          <p:cNvGrpSpPr/>
+          <p:nvPr/>
+        </p:nvGrpSpPr>
+        <p:grpSpPr>
+          <a:xfrm>
+            <a:off x="397037" y="1853664"/>
+            <a:ext cx="4018444" cy="1140211"/>
+            <a:chOff x="397037" y="1853664"/>
+            <a:chExt cx="4018444" cy="1140211"/>
+          </a:xfrm>
+        </p:grpSpPr>
+        <p:sp>
+          <p:nvSpPr>
+            <p:cNvPr id="12" name="TextBox 11">
+              <a:extLst>
+                <a:ext uri="{FF2B5EF4-FFF2-40B4-BE49-F238E27FC236}">
+                  <a16:creationId xmlns:a16="http://schemas.microsoft.com/office/drawing/2014/main" id="{2C8524B4-1C10-2F10-CD5E-5099ED76560F}"/>
+                </a:ext>
+              </a:extLst>
+            </p:cNvPr>
+            <p:cNvSpPr txBox="1"/>
+            <p:nvPr/>
+          </p:nvSpPr>
+          <p:spPr>
+            <a:xfrm>
+              <a:off x="397037" y="1853664"/>
+              <a:ext cx="2539447" cy="523220"/>
+            </a:xfrm>
+            <a:prstGeom prst="rect">
+              <a:avLst/>
+            </a:prstGeom>
+            <a:ln w="25400"/>
+          </p:spPr>
+          <p:style>
+            <a:lnRef idx="2">
+              <a:schemeClr val="accent4"/>
+            </a:lnRef>
+            <a:fillRef idx="1">
+              <a:schemeClr val="lt1"/>
+            </a:fillRef>
+            <a:effectRef idx="0">
+              <a:schemeClr val="accent4"/>
+            </a:effectRef>
+            <a:fontRef idx="minor">
+              <a:schemeClr val="dk1"/>
+            </a:fontRef>
+          </p:style>
+          <p:txBody>
+            <a:bodyPr wrap="square" rtlCol="0">
+              <a:spAutoFit/>
+            </a:bodyPr>
+            <a:lstStyle/>
+            <a:p>
+              <a:pPr algn="ctr"/>
+              <a:r>
+                <a:rPr lang="en-US" sz="2800" dirty="0"/>
+                <a:t>Random Forest</a:t>
+              </a:r>
+            </a:p>
+          </p:txBody>
+        </p:sp>
+        <p:cxnSp>
+          <p:nvCxnSpPr>
+            <p:cNvPr id="13" name="Straight Arrow Connector 12">
+              <a:extLst>
+                <a:ext uri="{FF2B5EF4-FFF2-40B4-BE49-F238E27FC236}">
+                  <a16:creationId xmlns:a16="http://schemas.microsoft.com/office/drawing/2014/main" id="{2E1EF78B-CFB3-53DB-4687-95D7BBA6BED3}"/>
+                </a:ext>
+              </a:extLst>
+            </p:cNvPr>
+            <p:cNvCxnSpPr>
+              <a:cxnSpLocks/>
+            </p:cNvCxnSpPr>
+            <p:nvPr/>
+          </p:nvCxnSpPr>
+          <p:spPr>
+            <a:xfrm flipH="1" flipV="1">
+              <a:off x="3055319" y="2207010"/>
+              <a:ext cx="1360162" cy="786865"/>
+            </a:xfrm>
+            <a:prstGeom prst="straightConnector1">
+              <a:avLst/>
+            </a:prstGeom>
+            <a:ln w="25400">
+              <a:tailEnd type="triangle"/>
+            </a:ln>
+          </p:spPr>
+          <p:style>
+            <a:lnRef idx="1">
+              <a:schemeClr val="accent1"/>
+            </a:lnRef>
+            <a:fillRef idx="0">
+              <a:schemeClr val="accent1"/>
+            </a:fillRef>
+            <a:effectRef idx="0">
+              <a:schemeClr val="accent1"/>
+            </a:effectRef>
+            <a:fontRef idx="minor">
+              <a:schemeClr val="tx1"/>
+            </a:fontRef>
+          </p:style>
+        </p:cxnSp>
+      </p:grpSp>
+      <p:grpSp>
+        <p:nvGrpSpPr>
+          <p:cNvPr id="40" name="Group 39">
+            <a:extLst>
+              <a:ext uri="{FF2B5EF4-FFF2-40B4-BE49-F238E27FC236}">
+                <a16:creationId xmlns:a16="http://schemas.microsoft.com/office/drawing/2014/main" id="{290FF70C-3A4A-6C8B-7E69-053AEED29B9A}"/>
+              </a:ext>
+            </a:extLst>
+          </p:cNvPr>
+          <p:cNvGrpSpPr/>
+          <p:nvPr/>
+        </p:nvGrpSpPr>
+        <p:grpSpPr>
+          <a:xfrm>
+            <a:off x="3581544" y="1330444"/>
+            <a:ext cx="4865635" cy="4463705"/>
+            <a:chOff x="3581544" y="1330444"/>
+            <a:chExt cx="4865635" cy="4463705"/>
+          </a:xfrm>
+        </p:grpSpPr>
+        <p:sp>
+          <p:nvSpPr>
+            <p:cNvPr id="5" name="Right Brace 4">
+              <a:extLst>
+                <a:ext uri="{FF2B5EF4-FFF2-40B4-BE49-F238E27FC236}">
+                  <a16:creationId xmlns:a16="http://schemas.microsoft.com/office/drawing/2014/main" id="{B985C4BB-34A0-6C54-A117-8C47F5F7ABBF}"/>
+                </a:ext>
+              </a:extLst>
+            </p:cNvPr>
+            <p:cNvSpPr/>
+            <p:nvPr/>
+          </p:nvSpPr>
+          <p:spPr>
+            <a:xfrm rot="16200000">
+              <a:off x="5816557" y="3624319"/>
+              <a:ext cx="339724" cy="3008763"/>
+            </a:xfrm>
+            <a:prstGeom prst="rightBrace">
+              <a:avLst/>
+            </a:prstGeom>
+            <a:ln w="22225">
+              <a:solidFill>
+                <a:schemeClr val="accent1">
+                  <a:lumMod val="50000"/>
+                </a:schemeClr>
+              </a:solidFill>
+            </a:ln>
+          </p:spPr>
+          <p:style>
+            <a:lnRef idx="1">
+              <a:schemeClr val="accent1"/>
+            </a:lnRef>
+            <a:fillRef idx="0">
+              <a:schemeClr val="accent1"/>
+            </a:fillRef>
+            <a:effectRef idx="0">
+              <a:schemeClr val="accent1"/>
+            </a:effectRef>
+            <a:fontRef idx="minor">
+              <a:schemeClr val="tx1"/>
+            </a:fontRef>
+          </p:style>
+          <p:txBody>
+            <a:bodyPr rtlCol="0" anchor="ctr"/>
+            <a:lstStyle/>
+            <a:p>
+              <a:pPr algn="ctr"/>
+              <a:endParaRPr lang="en-US"/>
+            </a:p>
+          </p:txBody>
+        </p:sp>
+        <p:grpSp>
+          <p:nvGrpSpPr>
+            <p:cNvPr id="6" name="Group 5">
+              <a:extLst>
+                <a:ext uri="{FF2B5EF4-FFF2-40B4-BE49-F238E27FC236}">
+                  <a16:creationId xmlns:a16="http://schemas.microsoft.com/office/drawing/2014/main" id="{67B18EF1-F7E6-033B-886E-38DE22730754}"/>
+                </a:ext>
+              </a:extLst>
+            </p:cNvPr>
+            <p:cNvGrpSpPr/>
+            <p:nvPr/>
+          </p:nvGrpSpPr>
+          <p:grpSpPr>
+            <a:xfrm>
+              <a:off x="4965364" y="3736109"/>
+              <a:ext cx="2248933" cy="1207391"/>
+              <a:chOff x="4965364" y="3736109"/>
+              <a:chExt cx="2248933" cy="1207391"/>
+            </a:xfrm>
+          </p:grpSpPr>
+          <p:sp>
+            <p:nvSpPr>
+              <p:cNvPr id="7" name="TextBox 6">
+                <a:extLst>
+                  <a:ext uri="{FF2B5EF4-FFF2-40B4-BE49-F238E27FC236}">
+                    <a16:creationId xmlns:a16="http://schemas.microsoft.com/office/drawing/2014/main" id="{BC51485F-BCFE-AE40-BCDC-63AB0EFB095B}"/>
+                  </a:ext>
+                </a:extLst>
+              </p:cNvPr>
+              <p:cNvSpPr txBox="1"/>
+              <p:nvPr/>
+            </p:nvSpPr>
+            <p:spPr>
+              <a:xfrm>
+                <a:off x="4965364" y="4420280"/>
+                <a:ext cx="2248933" cy="523220"/>
+              </a:xfrm>
+              <a:prstGeom prst="rect">
+                <a:avLst/>
+              </a:prstGeom>
+              <a:solidFill>
+                <a:schemeClr val="tx2">
+                  <a:lumMod val="25000"/>
+                </a:schemeClr>
+              </a:solidFill>
+              <a:ln w="25400"/>
+            </p:spPr>
+            <p:style>
+              <a:lnRef idx="2">
+                <a:schemeClr val="accent4"/>
+              </a:lnRef>
+              <a:fillRef idx="1">
+                <a:schemeClr val="lt1"/>
+              </a:fillRef>
+              <a:effectRef idx="0">
+                <a:schemeClr val="accent4"/>
+              </a:effectRef>
+              <a:fontRef idx="minor">
+                <a:schemeClr val="dk1"/>
+              </a:fontRef>
+            </p:style>
+            <p:txBody>
+              <a:bodyPr wrap="square" rtlCol="0">
+                <a:spAutoFit/>
+              </a:bodyPr>
+              <a:lstStyle/>
+              <a:p>
+                <a:pPr algn="ctr"/>
+                <a:r>
+                  <a:rPr lang="en-US" sz="2800" dirty="0"/>
+                  <a:t>Decision Tree</a:t>
+                </a:r>
+              </a:p>
+            </p:txBody>
+          </p:sp>
+          <p:cxnSp>
+            <p:nvCxnSpPr>
+              <p:cNvPr id="8" name="Straight Arrow Connector 7">
+                <a:extLst>
+                  <a:ext uri="{FF2B5EF4-FFF2-40B4-BE49-F238E27FC236}">
+                    <a16:creationId xmlns:a16="http://schemas.microsoft.com/office/drawing/2014/main" id="{59A31DB8-03A4-5F28-FA6C-F988E5784037}"/>
+                  </a:ext>
+                </a:extLst>
+              </p:cNvPr>
+              <p:cNvCxnSpPr>
+                <a:cxnSpLocks/>
+                <a:stCxn id="4" idx="2"/>
+              </p:cNvCxnSpPr>
+              <p:nvPr/>
+            </p:nvCxnSpPr>
+            <p:spPr>
+              <a:xfrm flipH="1">
+                <a:off x="6088621" y="3736109"/>
+                <a:ext cx="7379" cy="566068"/>
+              </a:xfrm>
+              <a:prstGeom prst="straightConnector1">
+                <a:avLst/>
+              </a:prstGeom>
+              <a:ln w="25400">
+                <a:solidFill>
+                  <a:schemeClr val="accent1">
+                    <a:lumMod val="50000"/>
+                  </a:schemeClr>
+                </a:solidFill>
+                <a:tailEnd type="triangle"/>
+              </a:ln>
+            </p:spPr>
+            <p:style>
+              <a:lnRef idx="1">
+                <a:schemeClr val="accent1"/>
+              </a:lnRef>
+              <a:fillRef idx="0">
+                <a:schemeClr val="accent1"/>
+              </a:fillRef>
+              <a:effectRef idx="0">
+                <a:schemeClr val="accent1"/>
+              </a:effectRef>
+              <a:fontRef idx="minor">
+                <a:schemeClr val="tx1"/>
+              </a:fontRef>
+            </p:style>
+          </p:cxnSp>
+        </p:grpSp>
+        <p:sp>
+          <p:nvSpPr>
+            <p:cNvPr id="15" name="TextBox 14">
+              <a:extLst>
+                <a:ext uri="{FF2B5EF4-FFF2-40B4-BE49-F238E27FC236}">
+                  <a16:creationId xmlns:a16="http://schemas.microsoft.com/office/drawing/2014/main" id="{296D99ED-1CE7-43ED-E948-9FBDD8361199}"/>
+                </a:ext>
+              </a:extLst>
+            </p:cNvPr>
+            <p:cNvSpPr txBox="1"/>
+            <p:nvPr/>
+          </p:nvSpPr>
+          <p:spPr>
+            <a:xfrm>
+              <a:off x="3581544" y="5332484"/>
+              <a:ext cx="1822628" cy="461665"/>
+            </a:xfrm>
+            <a:prstGeom prst="rect">
+              <a:avLst/>
+            </a:prstGeom>
+            <a:solidFill>
+              <a:schemeClr val="tx2">
+                <a:lumMod val="25000"/>
+              </a:schemeClr>
+            </a:solidFill>
+            <a:ln w="25400"/>
+          </p:spPr>
+          <p:style>
+            <a:lnRef idx="2">
+              <a:schemeClr val="accent4"/>
+            </a:lnRef>
+            <a:fillRef idx="1">
+              <a:schemeClr val="lt1"/>
+            </a:fillRef>
+            <a:effectRef idx="0">
+              <a:schemeClr val="accent4"/>
+            </a:effectRef>
+            <a:fontRef idx="minor">
+              <a:schemeClr val="dk1"/>
+            </a:fontRef>
+          </p:style>
+          <p:txBody>
+            <a:bodyPr wrap="square" rtlCol="0">
+              <a:spAutoFit/>
+            </a:bodyPr>
+            <a:lstStyle/>
+            <a:p>
+              <a:pPr algn="ctr"/>
+              <a:r>
+                <a:rPr lang="en-US" sz="2400" dirty="0"/>
+                <a:t>Entropy</a:t>
+              </a:r>
+            </a:p>
+          </p:txBody>
+        </p:sp>
+        <p:sp>
+          <p:nvSpPr>
+            <p:cNvPr id="18" name="TextBox 17">
+              <a:extLst>
+                <a:ext uri="{FF2B5EF4-FFF2-40B4-BE49-F238E27FC236}">
+                  <a16:creationId xmlns:a16="http://schemas.microsoft.com/office/drawing/2014/main" id="{4A7D86B3-ED33-E6D9-2ED3-BE280FA485E1}"/>
+                </a:ext>
+              </a:extLst>
+            </p:cNvPr>
+            <p:cNvSpPr txBox="1"/>
+            <p:nvPr/>
+          </p:nvSpPr>
+          <p:spPr>
+            <a:xfrm>
+              <a:off x="6624551" y="5332484"/>
+              <a:ext cx="1822628" cy="461665"/>
+            </a:xfrm>
+            <a:prstGeom prst="rect">
+              <a:avLst/>
+            </a:prstGeom>
+            <a:solidFill>
+              <a:schemeClr val="tx2">
+                <a:lumMod val="25000"/>
+              </a:schemeClr>
+            </a:solidFill>
+            <a:ln w="25400"/>
+          </p:spPr>
+          <p:style>
+            <a:lnRef idx="2">
+              <a:schemeClr val="accent4"/>
+            </a:lnRef>
+            <a:fillRef idx="1">
+              <a:schemeClr val="lt1"/>
+            </a:fillRef>
+            <a:effectRef idx="0">
+              <a:schemeClr val="accent4"/>
+            </a:effectRef>
+            <a:fontRef idx="minor">
+              <a:schemeClr val="dk1"/>
+            </a:fontRef>
+          </p:style>
+          <p:txBody>
+            <a:bodyPr wrap="square" rtlCol="0">
+              <a:spAutoFit/>
+            </a:bodyPr>
+            <a:lstStyle/>
+            <a:p>
+              <a:pPr algn="ctr"/>
+              <a:r>
+                <a:rPr lang="en-US" sz="2400" dirty="0"/>
+                <a:t>Gini Impurity</a:t>
+              </a:r>
+            </a:p>
+          </p:txBody>
+        </p:sp>
+        <p:grpSp>
+          <p:nvGrpSpPr>
+            <p:cNvPr id="21" name="Group 20">
+              <a:extLst>
+                <a:ext uri="{FF2B5EF4-FFF2-40B4-BE49-F238E27FC236}">
+                  <a16:creationId xmlns:a16="http://schemas.microsoft.com/office/drawing/2014/main" id="{E91BCD7F-AB72-9548-A832-CCC05A0CFFD1}"/>
+                </a:ext>
+              </a:extLst>
+            </p:cNvPr>
+            <p:cNvGrpSpPr/>
+            <p:nvPr/>
+          </p:nvGrpSpPr>
+          <p:grpSpPr>
+            <a:xfrm>
+              <a:off x="4971532" y="1330444"/>
+              <a:ext cx="2248933" cy="1667001"/>
+              <a:chOff x="4971532" y="1330444"/>
+              <a:chExt cx="2248933" cy="1667001"/>
+            </a:xfrm>
+          </p:grpSpPr>
+          <p:sp>
+            <p:nvSpPr>
+              <p:cNvPr id="23" name="TextBox 22">
+                <a:extLst>
+                  <a:ext uri="{FF2B5EF4-FFF2-40B4-BE49-F238E27FC236}">
+                    <a16:creationId xmlns:a16="http://schemas.microsoft.com/office/drawing/2014/main" id="{1666B00F-A775-5BA1-C70A-2B547F6A9091}"/>
+                  </a:ext>
+                </a:extLst>
+              </p:cNvPr>
+              <p:cNvSpPr txBox="1"/>
+              <p:nvPr/>
+            </p:nvSpPr>
+            <p:spPr>
+              <a:xfrm>
+                <a:off x="4971532" y="1330444"/>
+                <a:ext cx="2248933" cy="523220"/>
+              </a:xfrm>
+              <a:prstGeom prst="rect">
+                <a:avLst/>
+              </a:prstGeom>
+              <a:solidFill>
+                <a:schemeClr val="tx2">
+                  <a:lumMod val="25000"/>
+                  <a:alpha val="99000"/>
+                </a:schemeClr>
+              </a:solidFill>
+              <a:ln w="25400"/>
+            </p:spPr>
+            <p:style>
+              <a:lnRef idx="2">
+                <a:schemeClr val="accent4"/>
+              </a:lnRef>
+              <a:fillRef idx="1">
+                <a:schemeClr val="lt1"/>
+              </a:fillRef>
+              <a:effectRef idx="0">
+                <a:schemeClr val="accent4"/>
+              </a:effectRef>
+              <a:fontRef idx="minor">
+                <a:schemeClr val="dk1"/>
+              </a:fontRef>
+            </p:style>
+            <p:txBody>
+              <a:bodyPr wrap="square" rtlCol="0">
+                <a:spAutoFit/>
+              </a:bodyPr>
+              <a:lstStyle/>
+              <a:p>
+                <a:pPr algn="ctr"/>
+                <a:r>
+                  <a:rPr lang="en-US" sz="2800" dirty="0"/>
+                  <a:t>AdaBoost</a:t>
+                </a:r>
+              </a:p>
+            </p:txBody>
+          </p:sp>
+          <p:cxnSp>
+            <p:nvCxnSpPr>
+              <p:cNvPr id="24" name="Straight Arrow Connector 23">
+                <a:extLst>
+                  <a:ext uri="{FF2B5EF4-FFF2-40B4-BE49-F238E27FC236}">
+                    <a16:creationId xmlns:a16="http://schemas.microsoft.com/office/drawing/2014/main" id="{70E346F3-FF7C-58C5-3D85-2D9BF9AB0314}"/>
+                  </a:ext>
+                </a:extLst>
+              </p:cNvPr>
+              <p:cNvCxnSpPr>
+                <a:cxnSpLocks/>
+              </p:cNvCxnSpPr>
+              <p:nvPr/>
+            </p:nvCxnSpPr>
+            <p:spPr>
+              <a:xfrm flipV="1">
+                <a:off x="6059850" y="1963711"/>
+                <a:ext cx="0" cy="1033734"/>
+              </a:xfrm>
+              <a:prstGeom prst="straightConnector1">
+                <a:avLst/>
+              </a:prstGeom>
+              <a:ln w="25400">
+                <a:solidFill>
+                  <a:schemeClr val="accent1">
+                    <a:lumMod val="50000"/>
+                  </a:schemeClr>
+                </a:solidFill>
+                <a:tailEnd type="triangle"/>
+              </a:ln>
+            </p:spPr>
+            <p:style>
+              <a:lnRef idx="1">
+                <a:schemeClr val="accent1"/>
+              </a:lnRef>
+              <a:fillRef idx="0">
+                <a:schemeClr val="accent1"/>
+              </a:fillRef>
+              <a:effectRef idx="0">
+                <a:schemeClr val="accent1"/>
+              </a:effectRef>
+              <a:fontRef idx="minor">
+                <a:schemeClr val="tx1"/>
+              </a:fontRef>
+            </p:style>
+          </p:cxnSp>
+        </p:grpSp>
+      </p:grpSp>
+      <p:grpSp>
+        <p:nvGrpSpPr>
+          <p:cNvPr id="26" name="Group 25">
+            <a:extLst>
+              <a:ext uri="{FF2B5EF4-FFF2-40B4-BE49-F238E27FC236}">
+                <a16:creationId xmlns:a16="http://schemas.microsoft.com/office/drawing/2014/main" id="{AC90B151-2E41-CDDB-E062-ECEF39357BD9}"/>
+              </a:ext>
+            </a:extLst>
+          </p:cNvPr>
+          <p:cNvGrpSpPr/>
+          <p:nvPr/>
+        </p:nvGrpSpPr>
+        <p:grpSpPr>
+          <a:xfrm>
+            <a:off x="7776518" y="3729569"/>
+            <a:ext cx="3520104" cy="952321"/>
+            <a:chOff x="7776518" y="3729569"/>
+            <a:chExt cx="3520104" cy="952321"/>
+          </a:xfrm>
+        </p:grpSpPr>
+        <p:sp>
+          <p:nvSpPr>
+            <p:cNvPr id="28" name="TextBox 27">
+              <a:extLst>
+                <a:ext uri="{FF2B5EF4-FFF2-40B4-BE49-F238E27FC236}">
+                  <a16:creationId xmlns:a16="http://schemas.microsoft.com/office/drawing/2014/main" id="{ECCC357E-18C0-AF32-310A-3A528ECDD5E6}"/>
+                </a:ext>
+              </a:extLst>
+            </p:cNvPr>
+            <p:cNvSpPr txBox="1"/>
+            <p:nvPr/>
+          </p:nvSpPr>
+          <p:spPr>
+            <a:xfrm>
+              <a:off x="9473994" y="4158670"/>
+              <a:ext cx="1822628" cy="523220"/>
+            </a:xfrm>
+            <a:prstGeom prst="rect">
+              <a:avLst/>
+            </a:prstGeom>
+            <a:ln w="25400"/>
+          </p:spPr>
+          <p:style>
+            <a:lnRef idx="2">
+              <a:schemeClr val="accent4"/>
+            </a:lnRef>
+            <a:fillRef idx="1">
+              <a:schemeClr val="lt1"/>
+            </a:fillRef>
+            <a:effectRef idx="0">
+              <a:schemeClr val="accent4"/>
+            </a:effectRef>
+            <a:fontRef idx="minor">
+              <a:schemeClr val="dk1"/>
+            </a:fontRef>
+          </p:style>
+          <p:txBody>
+            <a:bodyPr wrap="square" rtlCol="0">
+              <a:spAutoFit/>
+            </a:bodyPr>
+            <a:lstStyle/>
+            <a:p>
+              <a:pPr algn="ctr"/>
+              <a:r>
+                <a:rPr lang="en-US" sz="2800" dirty="0"/>
+                <a:t>XGBoost</a:t>
+              </a:r>
+            </a:p>
+          </p:txBody>
+        </p:sp>
+        <p:cxnSp>
+          <p:nvCxnSpPr>
+            <p:cNvPr id="29" name="Straight Arrow Connector 28">
+              <a:extLst>
+                <a:ext uri="{FF2B5EF4-FFF2-40B4-BE49-F238E27FC236}">
+                  <a16:creationId xmlns:a16="http://schemas.microsoft.com/office/drawing/2014/main" id="{04DC6FD7-2AB1-B8E3-97DB-AE2B21B3555E}"/>
+                </a:ext>
+              </a:extLst>
+            </p:cNvPr>
+            <p:cNvCxnSpPr>
+              <a:cxnSpLocks/>
+            </p:cNvCxnSpPr>
+            <p:nvPr/>
+          </p:nvCxnSpPr>
+          <p:spPr>
+            <a:xfrm>
+              <a:off x="7776518" y="3729569"/>
+              <a:ext cx="1622315" cy="690711"/>
+            </a:xfrm>
+            <a:prstGeom prst="straightConnector1">
+              <a:avLst/>
+            </a:prstGeom>
+            <a:ln w="25400">
+              <a:tailEnd type="triangle"/>
+            </a:ln>
+          </p:spPr>
+          <p:style>
+            <a:lnRef idx="1">
+              <a:schemeClr val="accent1"/>
+            </a:lnRef>
+            <a:fillRef idx="0">
+              <a:schemeClr val="accent1"/>
+            </a:fillRef>
+            <a:effectRef idx="0">
+              <a:schemeClr val="accent1"/>
+            </a:effectRef>
+            <a:fontRef idx="minor">
+              <a:schemeClr val="tx1"/>
+            </a:fontRef>
+          </p:style>
+        </p:cxnSp>
+      </p:grpSp>
+      <p:grpSp>
+        <p:nvGrpSpPr>
+          <p:cNvPr id="31" name="Group 30">
+            <a:extLst>
+              <a:ext uri="{FF2B5EF4-FFF2-40B4-BE49-F238E27FC236}">
+                <a16:creationId xmlns:a16="http://schemas.microsoft.com/office/drawing/2014/main" id="{41800F77-7E1C-CC8C-03EB-BFB7F1BF3D39}"/>
+              </a:ext>
+            </a:extLst>
+          </p:cNvPr>
+          <p:cNvGrpSpPr/>
+          <p:nvPr/>
+        </p:nvGrpSpPr>
+        <p:grpSpPr>
+          <a:xfrm>
+            <a:off x="755446" y="3736109"/>
+            <a:ext cx="3660035" cy="945981"/>
+            <a:chOff x="755446" y="3736109"/>
+            <a:chExt cx="3660035" cy="945981"/>
+          </a:xfrm>
+        </p:grpSpPr>
+        <p:sp>
+          <p:nvSpPr>
+            <p:cNvPr id="33" name="TextBox 32">
+              <a:extLst>
+                <a:ext uri="{FF2B5EF4-FFF2-40B4-BE49-F238E27FC236}">
+                  <a16:creationId xmlns:a16="http://schemas.microsoft.com/office/drawing/2014/main" id="{1B27C435-177F-D09D-86D7-0DA1FF056910}"/>
+                </a:ext>
+              </a:extLst>
+            </p:cNvPr>
+            <p:cNvSpPr txBox="1"/>
+            <p:nvPr/>
+          </p:nvSpPr>
+          <p:spPr>
+            <a:xfrm>
+              <a:off x="755446" y="4158870"/>
+              <a:ext cx="1822628" cy="523220"/>
+            </a:xfrm>
+            <a:prstGeom prst="rect">
+              <a:avLst/>
+            </a:prstGeom>
+            <a:ln w="25400"/>
+          </p:spPr>
+          <p:style>
+            <a:lnRef idx="2">
+              <a:schemeClr val="accent4"/>
+            </a:lnRef>
+            <a:fillRef idx="1">
+              <a:schemeClr val="lt1"/>
+            </a:fillRef>
+            <a:effectRef idx="0">
+              <a:schemeClr val="accent4"/>
+            </a:effectRef>
+            <a:fontRef idx="minor">
+              <a:schemeClr val="dk1"/>
+            </a:fontRef>
+          </p:style>
+          <p:txBody>
+            <a:bodyPr wrap="square" rtlCol="0">
+              <a:spAutoFit/>
+            </a:bodyPr>
+            <a:lstStyle/>
+            <a:p>
+              <a:pPr algn="ctr"/>
+              <a:r>
+                <a:rPr lang="en-US" sz="2800" dirty="0"/>
+                <a:t>SVC</a:t>
+              </a:r>
+            </a:p>
+          </p:txBody>
+        </p:sp>
+        <p:cxnSp>
+          <p:nvCxnSpPr>
+            <p:cNvPr id="34" name="Straight Arrow Connector 33">
+              <a:extLst>
+                <a:ext uri="{FF2B5EF4-FFF2-40B4-BE49-F238E27FC236}">
+                  <a16:creationId xmlns:a16="http://schemas.microsoft.com/office/drawing/2014/main" id="{D620C474-6FF6-A905-86AB-A8BF5EA5CD75}"/>
+                </a:ext>
+              </a:extLst>
+            </p:cNvPr>
+            <p:cNvCxnSpPr>
+              <a:cxnSpLocks/>
+            </p:cNvCxnSpPr>
+            <p:nvPr/>
+          </p:nvCxnSpPr>
+          <p:spPr>
+            <a:xfrm flipH="1">
+              <a:off x="2742341" y="3736109"/>
+              <a:ext cx="1673140" cy="684171"/>
+            </a:xfrm>
+            <a:prstGeom prst="straightConnector1">
+              <a:avLst/>
+            </a:prstGeom>
+            <a:ln w="25400">
+              <a:tailEnd type="triangle"/>
+            </a:ln>
+          </p:spPr>
+          <p:style>
+            <a:lnRef idx="1">
+              <a:schemeClr val="accent1"/>
+            </a:lnRef>
+            <a:fillRef idx="0">
+              <a:schemeClr val="accent1"/>
+            </a:fillRef>
+            <a:effectRef idx="0">
+              <a:schemeClr val="accent1"/>
+            </a:effectRef>
+            <a:fontRef idx="minor">
+              <a:schemeClr val="tx1"/>
+            </a:fontRef>
+          </p:style>
+        </p:cxnSp>
+      </p:grpSp>
+      <p:grpSp>
+        <p:nvGrpSpPr>
+          <p:cNvPr id="36" name="Group 35">
+            <a:extLst>
+              <a:ext uri="{FF2B5EF4-FFF2-40B4-BE49-F238E27FC236}">
+                <a16:creationId xmlns:a16="http://schemas.microsoft.com/office/drawing/2014/main" id="{FA994C1B-4D07-2B6A-14C9-2A1501272B7F}"/>
+              </a:ext>
+            </a:extLst>
+          </p:cNvPr>
+          <p:cNvGrpSpPr/>
+          <p:nvPr/>
+        </p:nvGrpSpPr>
+        <p:grpSpPr>
+          <a:xfrm>
+            <a:off x="7776518" y="1853664"/>
+            <a:ext cx="4018445" cy="1140211"/>
+            <a:chOff x="7776518" y="1853664"/>
+            <a:chExt cx="4018445" cy="1140211"/>
+          </a:xfrm>
+        </p:grpSpPr>
+        <p:sp>
+          <p:nvSpPr>
+            <p:cNvPr id="38" name="TextBox 37">
+              <a:extLst>
+                <a:ext uri="{FF2B5EF4-FFF2-40B4-BE49-F238E27FC236}">
+                  <a16:creationId xmlns:a16="http://schemas.microsoft.com/office/drawing/2014/main" id="{36386FC0-ACE0-4C5C-3196-59B8B25A38DC}"/>
+                </a:ext>
+              </a:extLst>
+            </p:cNvPr>
+            <p:cNvSpPr txBox="1"/>
+            <p:nvPr/>
+          </p:nvSpPr>
+          <p:spPr>
+            <a:xfrm>
+              <a:off x="8865418" y="1853664"/>
+              <a:ext cx="2929545" cy="523220"/>
+            </a:xfrm>
+            <a:prstGeom prst="rect">
+              <a:avLst/>
+            </a:prstGeom>
+            <a:ln w="25400"/>
+          </p:spPr>
+          <p:style>
+            <a:lnRef idx="2">
+              <a:schemeClr val="accent4"/>
+            </a:lnRef>
+            <a:fillRef idx="1">
+              <a:schemeClr val="lt1"/>
+            </a:fillRef>
+            <a:effectRef idx="0">
+              <a:schemeClr val="accent4"/>
+            </a:effectRef>
+            <a:fontRef idx="minor">
+              <a:schemeClr val="dk1"/>
+            </a:fontRef>
+          </p:style>
+          <p:txBody>
+            <a:bodyPr wrap="square" rtlCol="0">
+              <a:spAutoFit/>
+            </a:bodyPr>
+            <a:lstStyle/>
+            <a:p>
+              <a:pPr algn="ctr"/>
+              <a:r>
+                <a:rPr lang="en-US" sz="2800" dirty="0"/>
+                <a:t>Gradient Boosting</a:t>
+              </a:r>
+            </a:p>
+          </p:txBody>
+        </p:sp>
+        <p:cxnSp>
+          <p:nvCxnSpPr>
+            <p:cNvPr id="39" name="Straight Arrow Connector 38">
+              <a:extLst>
+                <a:ext uri="{FF2B5EF4-FFF2-40B4-BE49-F238E27FC236}">
+                  <a16:creationId xmlns:a16="http://schemas.microsoft.com/office/drawing/2014/main" id="{E78CF855-B75C-2B9C-3109-91A3A17E04EB}"/>
+                </a:ext>
+              </a:extLst>
+            </p:cNvPr>
+            <p:cNvCxnSpPr>
+              <a:cxnSpLocks/>
+            </p:cNvCxnSpPr>
+            <p:nvPr/>
+          </p:nvCxnSpPr>
+          <p:spPr>
+            <a:xfrm flipV="1">
+              <a:off x="7776518" y="2207010"/>
+              <a:ext cx="947757" cy="786865"/>
+            </a:xfrm>
+            <a:prstGeom prst="straightConnector1">
+              <a:avLst/>
+            </a:prstGeom>
+            <a:ln w="25400">
+              <a:tailEnd type="triangle"/>
+            </a:ln>
+          </p:spPr>
+          <p:style>
+            <a:lnRef idx="1">
+              <a:schemeClr val="accent1"/>
+            </a:lnRef>
+            <a:fillRef idx="0">
+              <a:schemeClr val="accent1"/>
+            </a:fillRef>
+            <a:effectRef idx="0">
+              <a:schemeClr val="accent1"/>
+            </a:effectRef>
+            <a:fontRef idx="minor">
+              <a:schemeClr val="tx1"/>
+            </a:fontRef>
+          </p:style>
+        </p:cxnSp>
+      </p:grpSp>
+      <p:grpSp>
+        <p:nvGrpSpPr>
+          <p:cNvPr id="46" name="Group 45">
+            <a:extLst>
+              <a:ext uri="{FF2B5EF4-FFF2-40B4-BE49-F238E27FC236}">
+                <a16:creationId xmlns:a16="http://schemas.microsoft.com/office/drawing/2014/main" id="{957623F3-81EB-B63C-3AF3-70FD9A29509F}"/>
+              </a:ext>
+            </a:extLst>
+          </p:cNvPr>
+          <p:cNvGrpSpPr/>
+          <p:nvPr/>
+        </p:nvGrpSpPr>
+        <p:grpSpPr>
+          <a:xfrm>
+            <a:off x="397037" y="2432876"/>
+            <a:ext cx="11385587" cy="2734128"/>
+            <a:chOff x="397037" y="2432876"/>
+            <a:chExt cx="11385587" cy="2734128"/>
+          </a:xfrm>
+        </p:grpSpPr>
+        <p:sp>
+          <p:nvSpPr>
+            <p:cNvPr id="41" name="TextBox 40">
+              <a:extLst>
+                <a:ext uri="{FF2B5EF4-FFF2-40B4-BE49-F238E27FC236}">
+                  <a16:creationId xmlns:a16="http://schemas.microsoft.com/office/drawing/2014/main" id="{86B185BF-20EB-19FE-9E63-CB034BBA8E6A}"/>
+                </a:ext>
+              </a:extLst>
+            </p:cNvPr>
+            <p:cNvSpPr txBox="1"/>
+            <p:nvPr/>
+          </p:nvSpPr>
+          <p:spPr>
+            <a:xfrm>
+              <a:off x="9016794" y="2432876"/>
+              <a:ext cx="2449710" cy="400110"/>
+            </a:xfrm>
+            <a:prstGeom prst="rect">
+              <a:avLst/>
+            </a:prstGeom>
+            <a:noFill/>
+          </p:spPr>
+          <p:txBody>
+            <a:bodyPr wrap="none" rtlCol="0">
+              <a:spAutoFit/>
+            </a:bodyPr>
+            <a:lstStyle/>
+            <a:p>
+              <a:r>
+                <a:rPr lang="en-US" sz="2000" dirty="0"/>
+                <a:t>Training:			39s </a:t>
+              </a:r>
+            </a:p>
+          </p:txBody>
+        </p:sp>
+        <p:sp>
+          <p:nvSpPr>
+            <p:cNvPr id="43" name="TextBox 42">
+              <a:extLst>
+                <a:ext uri="{FF2B5EF4-FFF2-40B4-BE49-F238E27FC236}">
+                  <a16:creationId xmlns:a16="http://schemas.microsoft.com/office/drawing/2014/main" id="{A5A961AD-3072-A8D4-D08F-8A19D0EDE9B5}"/>
+                </a:ext>
+              </a:extLst>
+            </p:cNvPr>
+            <p:cNvSpPr txBox="1"/>
+            <p:nvPr/>
+          </p:nvSpPr>
+          <p:spPr>
+            <a:xfrm>
+              <a:off x="9332914" y="4760354"/>
+              <a:ext cx="2449710" cy="400110"/>
+            </a:xfrm>
+            <a:prstGeom prst="rect">
+              <a:avLst/>
+            </a:prstGeom>
+            <a:noFill/>
+          </p:spPr>
+          <p:txBody>
+            <a:bodyPr wrap="none" rtlCol="0">
+              <a:spAutoFit/>
+            </a:bodyPr>
+            <a:lstStyle/>
+            <a:p>
+              <a:r>
+                <a:rPr lang="en-US" sz="2000" dirty="0"/>
+                <a:t>Training:			22s </a:t>
+              </a:r>
+            </a:p>
+          </p:txBody>
+        </p:sp>
+        <p:sp>
+          <p:nvSpPr>
+            <p:cNvPr id="44" name="TextBox 43">
+              <a:extLst>
+                <a:ext uri="{FF2B5EF4-FFF2-40B4-BE49-F238E27FC236}">
+                  <a16:creationId xmlns:a16="http://schemas.microsoft.com/office/drawing/2014/main" id="{2B6ED041-FFCB-085C-B6DE-33A4459AA85E}"/>
+                </a:ext>
+              </a:extLst>
+            </p:cNvPr>
+            <p:cNvSpPr txBox="1"/>
+            <p:nvPr/>
+          </p:nvSpPr>
+          <p:spPr>
+            <a:xfrm>
+              <a:off x="397037" y="4766894"/>
+              <a:ext cx="2513830" cy="400110"/>
+            </a:xfrm>
+            <a:prstGeom prst="rect">
+              <a:avLst/>
+            </a:prstGeom>
+            <a:noFill/>
+          </p:spPr>
+          <p:txBody>
+            <a:bodyPr wrap="none" rtlCol="0">
+              <a:spAutoFit/>
+            </a:bodyPr>
+            <a:lstStyle/>
+            <a:p>
+              <a:r>
+                <a:rPr lang="en-US" sz="2000" dirty="0"/>
+                <a:t>Training:			0.6s </a:t>
+              </a:r>
+            </a:p>
+          </p:txBody>
+        </p:sp>
+        <p:sp>
+          <p:nvSpPr>
+            <p:cNvPr id="45" name="TextBox 44">
+              <a:extLst>
+                <a:ext uri="{FF2B5EF4-FFF2-40B4-BE49-F238E27FC236}">
+                  <a16:creationId xmlns:a16="http://schemas.microsoft.com/office/drawing/2014/main" id="{A125B4AB-7786-7E14-7905-7EC53BD6FE4F}"/>
+                </a:ext>
+              </a:extLst>
+            </p:cNvPr>
+            <p:cNvSpPr txBox="1"/>
+            <p:nvPr/>
+          </p:nvSpPr>
+          <p:spPr>
+            <a:xfrm>
+              <a:off x="422654" y="2436963"/>
+              <a:ext cx="2513830" cy="400110"/>
+            </a:xfrm>
+            <a:prstGeom prst="rect">
+              <a:avLst/>
+            </a:prstGeom>
+            <a:noFill/>
+          </p:spPr>
+          <p:txBody>
+            <a:bodyPr wrap="none" rtlCol="0">
+              <a:spAutoFit/>
+            </a:bodyPr>
+            <a:lstStyle/>
+            <a:p>
+              <a:r>
+                <a:rPr lang="en-US" sz="2000" dirty="0"/>
+                <a:t>Training:			0.6s </a:t>
+              </a:r>
+            </a:p>
+          </p:txBody>
+        </p:sp>
+      </p:grpSp>
+      <p:grpSp>
+        <p:nvGrpSpPr>
+          <p:cNvPr id="51" name="Group 50">
+            <a:extLst>
+              <a:ext uri="{FF2B5EF4-FFF2-40B4-BE49-F238E27FC236}">
+                <a16:creationId xmlns:a16="http://schemas.microsoft.com/office/drawing/2014/main" id="{83D07634-7901-451A-E29B-78AC514436A4}"/>
+              </a:ext>
+            </a:extLst>
+          </p:cNvPr>
+          <p:cNvGrpSpPr/>
+          <p:nvPr/>
+        </p:nvGrpSpPr>
+        <p:grpSpPr>
+          <a:xfrm>
+            <a:off x="397037" y="2730619"/>
+            <a:ext cx="11724700" cy="2731423"/>
+            <a:chOff x="397037" y="2730619"/>
+            <a:chExt cx="11724700" cy="2731423"/>
+          </a:xfrm>
+        </p:grpSpPr>
+        <p:sp>
+          <p:nvSpPr>
+            <p:cNvPr id="42" name="TextBox 41">
+              <a:extLst>
+                <a:ext uri="{FF2B5EF4-FFF2-40B4-BE49-F238E27FC236}">
+                  <a16:creationId xmlns:a16="http://schemas.microsoft.com/office/drawing/2014/main" id="{F0AF833E-BC2D-4EBC-2B97-2C961CC91D25}"/>
+                </a:ext>
+              </a:extLst>
+            </p:cNvPr>
+            <p:cNvSpPr txBox="1"/>
+            <p:nvPr/>
+          </p:nvSpPr>
+          <p:spPr>
+            <a:xfrm>
+              <a:off x="9016794" y="2730619"/>
+              <a:ext cx="2778168" cy="400110"/>
+            </a:xfrm>
+            <a:prstGeom prst="rect">
+              <a:avLst/>
+            </a:prstGeom>
+            <a:noFill/>
+          </p:spPr>
+          <p:txBody>
+            <a:bodyPr wrap="square" rtlCol="0">
+              <a:spAutoFit/>
+            </a:bodyPr>
+            <a:lstStyle/>
+            <a:p>
+              <a:r>
+                <a:rPr lang="en-US" sz="2000" dirty="0"/>
+                <a:t>Prediction :		0.06ms </a:t>
+              </a:r>
+            </a:p>
+          </p:txBody>
+        </p:sp>
+        <p:sp>
+          <p:nvSpPr>
+            <p:cNvPr id="48" name="TextBox 47">
+              <a:extLst>
+                <a:ext uri="{FF2B5EF4-FFF2-40B4-BE49-F238E27FC236}">
+                  <a16:creationId xmlns:a16="http://schemas.microsoft.com/office/drawing/2014/main" id="{F29211F8-8736-5F89-9007-265A6FDE6FF3}"/>
+                </a:ext>
+              </a:extLst>
+            </p:cNvPr>
+            <p:cNvSpPr txBox="1"/>
+            <p:nvPr/>
+          </p:nvSpPr>
+          <p:spPr>
+            <a:xfrm>
+              <a:off x="9343569" y="5061932"/>
+              <a:ext cx="2778168" cy="400110"/>
+            </a:xfrm>
+            <a:prstGeom prst="rect">
+              <a:avLst/>
+            </a:prstGeom>
+            <a:noFill/>
+          </p:spPr>
+          <p:txBody>
+            <a:bodyPr wrap="square" rtlCol="0">
+              <a:spAutoFit/>
+            </a:bodyPr>
+            <a:lstStyle/>
+            <a:p>
+              <a:r>
+                <a:rPr lang="en-US" sz="2000" dirty="0"/>
+                <a:t>Prediction :		0.02ms </a:t>
+              </a:r>
+            </a:p>
+          </p:txBody>
+        </p:sp>
+        <p:sp>
+          <p:nvSpPr>
+            <p:cNvPr id="49" name="TextBox 48">
+              <a:extLst>
+                <a:ext uri="{FF2B5EF4-FFF2-40B4-BE49-F238E27FC236}">
+                  <a16:creationId xmlns:a16="http://schemas.microsoft.com/office/drawing/2014/main" id="{3E57A2DE-B4B1-FB77-BF23-F3E7666A4A83}"/>
+                </a:ext>
+              </a:extLst>
+            </p:cNvPr>
+            <p:cNvSpPr txBox="1"/>
+            <p:nvPr/>
+          </p:nvSpPr>
+          <p:spPr>
+            <a:xfrm>
+              <a:off x="397037" y="5061932"/>
+              <a:ext cx="2778168" cy="400110"/>
+            </a:xfrm>
+            <a:prstGeom prst="rect">
+              <a:avLst/>
+            </a:prstGeom>
+            <a:noFill/>
+          </p:spPr>
+          <p:txBody>
+            <a:bodyPr wrap="square" rtlCol="0">
+              <a:spAutoFit/>
+            </a:bodyPr>
+            <a:lstStyle/>
+            <a:p>
+              <a:r>
+                <a:rPr lang="en-US" sz="2000" dirty="0"/>
+                <a:t>Prediction :		0.09ms </a:t>
+              </a:r>
+            </a:p>
+          </p:txBody>
+        </p:sp>
+        <p:sp>
+          <p:nvSpPr>
+            <p:cNvPr id="50" name="TextBox 49">
+              <a:extLst>
+                <a:ext uri="{FF2B5EF4-FFF2-40B4-BE49-F238E27FC236}">
+                  <a16:creationId xmlns:a16="http://schemas.microsoft.com/office/drawing/2014/main" id="{CB1F771C-A5AC-DBE9-B193-9B5058351084}"/>
+                </a:ext>
+              </a:extLst>
+            </p:cNvPr>
+            <p:cNvSpPr txBox="1"/>
+            <p:nvPr/>
+          </p:nvSpPr>
+          <p:spPr>
+            <a:xfrm>
+              <a:off x="422654" y="2745730"/>
+              <a:ext cx="2778168" cy="400110"/>
+            </a:xfrm>
+            <a:prstGeom prst="rect">
+              <a:avLst/>
+            </a:prstGeom>
+            <a:noFill/>
+          </p:spPr>
+          <p:txBody>
+            <a:bodyPr wrap="square" rtlCol="0">
+              <a:spAutoFit/>
+            </a:bodyPr>
+            <a:lstStyle/>
+            <a:p>
+              <a:r>
+                <a:rPr lang="en-US" sz="2000" dirty="0"/>
+                <a:t>Prediction :		0.04ms </a:t>
+              </a:r>
+            </a:p>
+          </p:txBody>
+        </p:sp>
+      </p:grpSp>
+    </p:spTree>
+    <p:extLst>
+      <p:ext uri="{BB962C8B-B14F-4D97-AF65-F5344CB8AC3E}">
+        <p14:creationId xmlns:p14="http://schemas.microsoft.com/office/powerpoint/2010/main" val="2343889471"/>
+      </p:ext>
+    </p:extLst>
+  </p:cSld>
+  <p:clrMapOvr>
+    <a:masterClrMapping/>
+  </p:clrMapOvr>
+  <p:timing>
+    <p:tnLst>
+      <p:par>
+        <p:cTn id="1" dur="indefinite" restart="never" nodeType="tmRoot">
+          <p:childTnLst>
+            <p:seq concurrent="1" nextAc="seek">
+              <p:cTn id="2" dur="indefinite" nodeType="mainSeq">
+                <p:childTnLst>
+                  <p:par>
+                    <p:cTn id="3" fill="hold">
+                      <p:stCondLst>
+                        <p:cond delay="indefinite"/>
+                      </p:stCondLst>
+                      <p:childTnLst>
+                        <p:par>
+                          <p:cTn id="4" fill="hold">
+                            <p:stCondLst>
+                              <p:cond delay="0"/>
+                            </p:stCondLst>
+                            <p:childTnLst>
+                              <p:par>
+                                <p:cTn id="5" presetID="1" presetClass="entr" presetSubtype="0" fill="hold" nodeType="clickEffect">
+                                  <p:stCondLst>
+                                    <p:cond delay="0"/>
+                                  </p:stCondLst>
+                                  <p:childTnLst>
+                                    <p:set>
+                                      <p:cBhvr>
+                                        <p:cTn id="6" dur="1" fill="hold">
+                                          <p:stCondLst>
+                                            <p:cond delay="0"/>
+                                          </p:stCondLst>
+                                        </p:cTn>
+                                        <p:tgtEl>
+                                          <p:spTgt spid="46"/>
+                                        </p:tgtEl>
+                                        <p:attrNameLst>
+                                          <p:attrName>style.visibility</p:attrName>
+                                        </p:attrNameLst>
+                                      </p:cBhvr>
+                                      <p:to>
+                                        <p:strVal val="visible"/>
+                                      </p:to>
+                                    </p:set>
+                                  </p:childTnLst>
+                                </p:cTn>
+                              </p:par>
+                            </p:childTnLst>
+                          </p:cTn>
+                        </p:par>
+                      </p:childTnLst>
+                    </p:cTn>
+                  </p:par>
+                  <p:par>
+                    <p:cTn id="7" fill="hold">
+                      <p:stCondLst>
+                        <p:cond delay="indefinite"/>
+                      </p:stCondLst>
+                      <p:childTnLst>
+                        <p:par>
+                          <p:cTn id="8" fill="hold">
+                            <p:stCondLst>
+                              <p:cond delay="0"/>
+                            </p:stCondLst>
+                            <p:childTnLst>
+                              <p:par>
+                                <p:cTn id="9" presetID="1" presetClass="entr" presetSubtype="0" fill="hold" nodeType="clickEffect">
+                                  <p:stCondLst>
+                                    <p:cond delay="0"/>
+                                  </p:stCondLst>
+                                  <p:childTnLst>
+                                    <p:set>
+                                      <p:cBhvr>
+                                        <p:cTn id="10" dur="1" fill="hold">
+                                          <p:stCondLst>
+                                            <p:cond delay="0"/>
+                                          </p:stCondLst>
+                                        </p:cTn>
+                                        <p:tgtEl>
+                                          <p:spTgt spid="51"/>
+                                        </p:tgtEl>
+                                        <p:attrNameLst>
+                                          <p:attrName>style.visibility</p:attrName>
+                                        </p:attrNameLst>
+                                      </p:cBhvr>
+                                      <p:to>
+                                        <p:strVal val="visible"/>
+                                      </p:to>
+                                    </p:set>
+                                  </p:childTnLst>
+                                </p:cTn>
+                              </p:par>
+                            </p:childTnLst>
+                          </p:cTn>
+                        </p:par>
+                      </p:childTnLst>
+                    </p:cTn>
+                  </p:par>
+                </p:childTnLst>
+              </p:cTn>
+              <p:prevCondLst>
+                <p:cond evt="onPrev" delay="0">
+                  <p:tgtEl>
+                    <p:sldTgt/>
+                  </p:tgtEl>
+                </p:cond>
+              </p:prevCondLst>
+              <p:nextCondLst>
+                <p:cond evt="onNext" delay="0">
+                  <p:tgtEl>
+                    <p:sldTgt/>
+                  </p:tgtEl>
+                </p:cond>
+              </p:nextCondLst>
+            </p:seq>
+          </p:childTnLst>
+        </p:cTn>
+      </p:par>
+    </p:tnLst>
+  </p:timing>
+</p:sld>
+</file>
+
+<file path=ppt/slides/slide11.xml><?xml version="1.0" encoding="utf-8"?>
+<p:sld xmlns:a="http://schemas.openxmlformats.org/drawingml/2006/main" xmlns:r="http://schemas.openxmlformats.org/officeDocument/2006/relationships" xmlns:p="http://schemas.openxmlformats.org/presentationml/2006/main">
+  <p:cSld>
+    <p:spTree>
+      <p:nvGrpSpPr>
+        <p:cNvPr id="1" name=""/>
+        <p:cNvGrpSpPr/>
+        <p:nvPr/>
+      </p:nvGrpSpPr>
+      <p:grpSpPr>
+        <a:xfrm>
+          <a:off x="0" y="0"/>
+          <a:ext cx="0" cy="0"/>
+          <a:chOff x="0" y="0"/>
+          <a:chExt cx="0" cy="0"/>
+        </a:xfrm>
+      </p:grpSpPr>
+      <p:sp>
+        <p:nvSpPr>
+          <p:cNvPr id="2" name="Title 1">
+            <a:extLst>
+              <a:ext uri="{FF2B5EF4-FFF2-40B4-BE49-F238E27FC236}">
                 <a16:creationId xmlns:a16="http://schemas.microsoft.com/office/drawing/2014/main" id="{B0AD16D1-2D3C-1349-F588-D38B3C8F7990}"/>
               </a:ext>
             </a:extLst>
@@ -13693,7 +15996,7 @@
 </p:sld>
 </file>
 
-<file path=ppt/slides/slide11.xml><?xml version="1.0" encoding="utf-8"?>
+<file path=ppt/slides/slide12.xml><?xml version="1.0" encoding="utf-8"?>
 <p:sld xmlns:a="http://schemas.openxmlformats.org/drawingml/2006/main" xmlns:r="http://schemas.openxmlformats.org/officeDocument/2006/relationships" xmlns:p="http://schemas.openxmlformats.org/presentationml/2006/main">
   <p:cSld>
     <p:spTree>
@@ -13808,7 +16111,7 @@
         </p:nvSpPr>
         <p:spPr>
           <a:xfrm>
-            <a:off x="651934" y="448898"/>
+            <a:off x="627220" y="572468"/>
             <a:ext cx="7408333" cy="651770"/>
           </a:xfrm>
         </p:spPr>
@@ -13820,11 +16123,11 @@
           <a:p>
             <a:pPr algn="l"/>
             <a:r>
-              <a:rPr lang="en-US" sz="2800" dirty="0">
+              <a:rPr lang="en-US" sz="3200" dirty="0">
                 <a:latin typeface="Calibri Light" panose="020F0302020204030204" pitchFamily="34" charset="0"/>
                 <a:cs typeface="Calibri Light" panose="020F0302020204030204" pitchFamily="34" charset="0"/>
               </a:rPr>
-              <a:t>How Diagnosis is Done</a:t>
+              <a:t>How diagnosis is done</a:t>
             </a:r>
           </a:p>
         </p:txBody>
@@ -13879,7 +16182,7 @@
         </p:nvGrpSpPr>
         <p:grpSpPr>
           <a:xfrm>
-            <a:off x="4383855" y="1002978"/>
+            <a:off x="4383855" y="1151262"/>
             <a:ext cx="1824360" cy="4864258"/>
             <a:chOff x="4383855" y="1002978"/>
             <a:chExt cx="1824360" cy="4864258"/>
@@ -14379,7 +16682,7 @@
         </p:nvGrpSpPr>
         <p:grpSpPr>
           <a:xfrm>
-            <a:off x="6385819" y="2531540"/>
+            <a:off x="6385819" y="2655110"/>
             <a:ext cx="2472451" cy="1769521"/>
             <a:chOff x="6385819" y="2531540"/>
             <a:chExt cx="2472451" cy="1769521"/>
@@ -14684,7 +16987,7 @@
         </p:nvGrpSpPr>
         <p:grpSpPr>
           <a:xfrm>
-            <a:off x="9157248" y="2498628"/>
+            <a:off x="9157248" y="2622198"/>
             <a:ext cx="2514046" cy="1769521"/>
             <a:chOff x="9157248" y="2498628"/>
             <a:chExt cx="2514046" cy="1769521"/>
@@ -15227,7 +17530,7 @@
           <a:lstStyle/>
           <a:p>
             <a:r>
-              <a:rPr lang="en-US" sz="2800" dirty="0"/>
+              <a:rPr lang="en-US" sz="3200" dirty="0"/>
               <a:t>How can it go wrong?</a:t>
             </a:r>
           </a:p>
@@ -18704,7 +21007,7 @@
           <a:lstStyle/>
           <a:p>
             <a:r>
-              <a:rPr lang="en-US" sz="2800" dirty="0"/>
+              <a:rPr lang="en-US" sz="3200" dirty="0"/>
               <a:t>What can we do?</a:t>
             </a:r>
           </a:p>
@@ -20316,53 +22619,6 @@
       </p:grpSpPr>
       <p:sp>
         <p:nvSpPr>
-          <p:cNvPr id="3" name="Content Placeholder 2">
-            <a:extLst>
-              <a:ext uri="{FF2B5EF4-FFF2-40B4-BE49-F238E27FC236}">
-                <a16:creationId xmlns:a16="http://schemas.microsoft.com/office/drawing/2014/main" id="{9658C1D9-40CD-608F-A55E-E5281F585B65}"/>
-              </a:ext>
-            </a:extLst>
-          </p:cNvPr>
-          <p:cNvSpPr>
-            <a:spLocks noGrp="1"/>
-          </p:cNvSpPr>
-          <p:nvPr>
-            <p:ph idx="1"/>
-          </p:nvPr>
-        </p:nvSpPr>
-        <p:spPr/>
-        <p:txBody>
-          <a:bodyPr/>
-          <a:lstStyle/>
-          <a:p>
-            <a:r>
-              <a:rPr lang="en-US" dirty="0"/>
-              <a:t>Kaggle dataset:  </a:t>
-            </a:r>
-            <a:r>
-              <a:rPr lang="en-US" u="sng" dirty="0">
-                <a:hlinkClick r:id="rId3"/>
-              </a:rPr>
-              <a:t>"Disease Prediction Using Machine Learning"</a:t>
-            </a:r>
-            <a:r>
-              <a:rPr lang="en-US" dirty="0"/>
-              <a:t> </a:t>
-            </a:r>
-          </a:p>
-          <a:p>
-            <a:endParaRPr lang="en-US" dirty="0"/>
-          </a:p>
-          <a:p>
-            <a:r>
-              <a:rPr lang="en-US" dirty="0"/>
-              <a:t>133 columns, </a:t>
-            </a:r>
-          </a:p>
-        </p:txBody>
-      </p:sp>
-      <p:sp>
-        <p:nvSpPr>
           <p:cNvPr id="4" name="Title 1">
             <a:extLst>
               <a:ext uri="{FF2B5EF4-FFF2-40B4-BE49-F238E27FC236}">
@@ -20379,8 +22635,8 @@
         </p:nvSpPr>
         <p:spPr>
           <a:xfrm>
-            <a:off x="838200" y="365125"/>
-            <a:ext cx="10515600" cy="769938"/>
+            <a:off x="420129" y="139115"/>
+            <a:ext cx="12192000" cy="769938"/>
           </a:xfrm>
         </p:spPr>
         <p:txBody>
@@ -20390,9 +22646,317 @@
           <a:lstStyle/>
           <a:p>
             <a:r>
-              <a:rPr lang="en-US" sz="2800" dirty="0"/>
-              <a:t>The data</a:t>
+              <a:rPr lang="en-US" sz="3200" dirty="0"/>
+              <a:t>The data: </a:t>
             </a:r>
+            <a:r>
+              <a:rPr lang="en-US" sz="3200" u="sng" dirty="0">
+                <a:hlinkClick r:id="rId3"/>
+              </a:rPr>
+              <a:t>"Disease Prediction Using Machine Learning"</a:t>
+            </a:r>
+            <a:r>
+              <a:rPr lang="en-US" sz="3200" dirty="0"/>
+              <a:t>  from Kaggle</a:t>
+            </a:r>
+          </a:p>
+        </p:txBody>
+      </p:sp>
+      <p:grpSp>
+        <p:nvGrpSpPr>
+          <p:cNvPr id="7" name="Group 6">
+            <a:extLst>
+              <a:ext uri="{FF2B5EF4-FFF2-40B4-BE49-F238E27FC236}">
+                <a16:creationId xmlns:a16="http://schemas.microsoft.com/office/drawing/2014/main" id="{217A1473-D3D9-4133-F02F-E881080A82F0}"/>
+              </a:ext>
+            </a:extLst>
+          </p:cNvPr>
+          <p:cNvGrpSpPr/>
+          <p:nvPr/>
+        </p:nvGrpSpPr>
+        <p:grpSpPr>
+          <a:xfrm>
+            <a:off x="3442187" y="1356575"/>
+            <a:ext cx="4737985" cy="4737985"/>
+            <a:chOff x="3442187" y="1060007"/>
+            <a:chExt cx="4737985" cy="4737985"/>
+          </a:xfrm>
+        </p:grpSpPr>
+        <p:sp>
+          <p:nvSpPr>
+            <p:cNvPr id="5" name="Freeform 4">
+              <a:extLst>
+                <a:ext uri="{FF2B5EF4-FFF2-40B4-BE49-F238E27FC236}">
+                  <a16:creationId xmlns:a16="http://schemas.microsoft.com/office/drawing/2014/main" id="{5B3A80A8-F5F0-FBDC-4CB3-6FBF9EA6021F}"/>
+                </a:ext>
+              </a:extLst>
+            </p:cNvPr>
+            <p:cNvSpPr/>
+            <p:nvPr/>
+          </p:nvSpPr>
+          <p:spPr>
+            <a:xfrm>
+              <a:off x="3442187" y="1060007"/>
+              <a:ext cx="4737985" cy="4737985"/>
+            </a:xfrm>
+            <a:custGeom>
+              <a:avLst/>
+              <a:gdLst>
+                <a:gd name="connsiteX0" fmla="*/ 0 w 1757156"/>
+                <a:gd name="connsiteY0" fmla="*/ 878578 h 1757156"/>
+                <a:gd name="connsiteX1" fmla="*/ 878578 w 1757156"/>
+                <a:gd name="connsiteY1" fmla="*/ 0 h 1757156"/>
+                <a:gd name="connsiteX2" fmla="*/ 1757156 w 1757156"/>
+                <a:gd name="connsiteY2" fmla="*/ 878578 h 1757156"/>
+                <a:gd name="connsiteX3" fmla="*/ 878578 w 1757156"/>
+                <a:gd name="connsiteY3" fmla="*/ 1757156 h 1757156"/>
+                <a:gd name="connsiteX4" fmla="*/ 0 w 1757156"/>
+                <a:gd name="connsiteY4" fmla="*/ 878578 h 1757156"/>
+              </a:gdLst>
+              <a:ahLst/>
+              <a:cxnLst>
+                <a:cxn ang="0">
+                  <a:pos x="connsiteX0" y="connsiteY0"/>
+                </a:cxn>
+                <a:cxn ang="0">
+                  <a:pos x="connsiteX1" y="connsiteY1"/>
+                </a:cxn>
+                <a:cxn ang="0">
+                  <a:pos x="connsiteX2" y="connsiteY2"/>
+                </a:cxn>
+                <a:cxn ang="0">
+                  <a:pos x="connsiteX3" y="connsiteY3"/>
+                </a:cxn>
+                <a:cxn ang="0">
+                  <a:pos x="connsiteX4" y="connsiteY4"/>
+                </a:cxn>
+              </a:cxnLst>
+              <a:rect l="l" t="t" r="r" b="b"/>
+              <a:pathLst>
+                <a:path w="1757156" h="1757156">
+                  <a:moveTo>
+                    <a:pt x="0" y="878578"/>
+                  </a:moveTo>
+                  <a:cubicBezTo>
+                    <a:pt x="0" y="393353"/>
+                    <a:pt x="393353" y="0"/>
+                    <a:pt x="878578" y="0"/>
+                  </a:cubicBezTo>
+                  <a:cubicBezTo>
+                    <a:pt x="1363803" y="0"/>
+                    <a:pt x="1757156" y="393353"/>
+                    <a:pt x="1757156" y="878578"/>
+                  </a:cubicBezTo>
+                  <a:cubicBezTo>
+                    <a:pt x="1757156" y="1363803"/>
+                    <a:pt x="1363803" y="1757156"/>
+                    <a:pt x="878578" y="1757156"/>
+                  </a:cubicBezTo>
+                  <a:cubicBezTo>
+                    <a:pt x="393353" y="1757156"/>
+                    <a:pt x="0" y="1363803"/>
+                    <a:pt x="0" y="878578"/>
+                  </a:cubicBezTo>
+                  <a:close/>
+                </a:path>
+              </a:pathLst>
+            </a:custGeom>
+          </p:spPr>
+          <p:style>
+            <a:lnRef idx="2">
+              <a:schemeClr val="lt1">
+                <a:hueOff val="0"/>
+                <a:satOff val="0"/>
+                <a:lumOff val="0"/>
+                <a:alphaOff val="0"/>
+              </a:schemeClr>
+            </a:lnRef>
+            <a:fillRef idx="1">
+              <a:schemeClr val="accent1">
+                <a:hueOff val="0"/>
+                <a:satOff val="0"/>
+                <a:lumOff val="0"/>
+                <a:alphaOff val="0"/>
+              </a:schemeClr>
+            </a:fillRef>
+            <a:effectRef idx="0">
+              <a:schemeClr val="accent1">
+                <a:hueOff val="0"/>
+                <a:satOff val="0"/>
+                <a:lumOff val="0"/>
+                <a:alphaOff val="0"/>
+              </a:schemeClr>
+            </a:effectRef>
+            <a:fontRef idx="minor">
+              <a:schemeClr val="lt1"/>
+            </a:fontRef>
+          </p:style>
+          <p:txBody>
+            <a:bodyPr spcFirstLastPara="0" vert="horz" wrap="square" lIns="287810" tIns="287810" rIns="287810" bIns="287810" numCol="1" spcCol="1270" anchor="ctr" anchorCtr="0">
+              <a:noAutofit/>
+            </a:bodyPr>
+            <a:lstStyle/>
+            <a:p>
+              <a:pPr marL="0" lvl="0" indent="0" algn="ctr" defTabSz="1066800">
+                <a:lnSpc>
+                  <a:spcPct val="90000"/>
+                </a:lnSpc>
+                <a:spcBef>
+                  <a:spcPct val="0"/>
+                </a:spcBef>
+                <a:spcAft>
+                  <a:spcPct val="35000"/>
+                </a:spcAft>
+                <a:buNone/>
+              </a:pPr>
+              <a:endParaRPr lang="en-US" sz="1800" kern="1200" dirty="0"/>
+            </a:p>
+          </p:txBody>
+        </p:sp>
+        <p:sp>
+          <p:nvSpPr>
+            <p:cNvPr id="6" name="TextBox 5">
+              <a:extLst>
+                <a:ext uri="{FF2B5EF4-FFF2-40B4-BE49-F238E27FC236}">
+                  <a16:creationId xmlns:a16="http://schemas.microsoft.com/office/drawing/2014/main" id="{B7A3EB3C-7DBA-D88B-2891-0EB54E8D3C25}"/>
+                </a:ext>
+              </a:extLst>
+            </p:cNvPr>
+            <p:cNvSpPr txBox="1"/>
+            <p:nvPr/>
+          </p:nvSpPr>
+          <p:spPr>
+            <a:xfrm>
+              <a:off x="3813502" y="1853230"/>
+              <a:ext cx="3995353" cy="769441"/>
+            </a:xfrm>
+            <a:prstGeom prst="rect">
+              <a:avLst/>
+            </a:prstGeom>
+            <a:noFill/>
+          </p:spPr>
+          <p:txBody>
+            <a:bodyPr wrap="square" rtlCol="0">
+              <a:spAutoFit/>
+            </a:bodyPr>
+            <a:lstStyle/>
+            <a:p>
+              <a:pPr algn="ctr"/>
+              <a:r>
+                <a:rPr lang="en-US" sz="4400" dirty="0"/>
+                <a:t>Data:</a:t>
+              </a:r>
+              <a:endParaRPr lang="en-US" sz="2800" dirty="0"/>
+            </a:p>
+          </p:txBody>
+        </p:sp>
+      </p:grpSp>
+      <p:sp>
+        <p:nvSpPr>
+          <p:cNvPr id="10" name="TextBox 9">
+            <a:extLst>
+              <a:ext uri="{FF2B5EF4-FFF2-40B4-BE49-F238E27FC236}">
+                <a16:creationId xmlns:a16="http://schemas.microsoft.com/office/drawing/2014/main" id="{B5901DDB-4B30-6336-45D4-07F05815EB70}"/>
+              </a:ext>
+            </a:extLst>
+          </p:cNvPr>
+          <p:cNvSpPr txBox="1"/>
+          <p:nvPr/>
+        </p:nvSpPr>
+        <p:spPr>
+          <a:xfrm>
+            <a:off x="4442396" y="2898340"/>
+            <a:ext cx="2619632" cy="1077218"/>
+          </a:xfrm>
+          <a:prstGeom prst="rect">
+            <a:avLst/>
+          </a:prstGeom>
+          <a:noFill/>
+        </p:spPr>
+        <p:txBody>
+          <a:bodyPr wrap="square" rtlCol="0">
+            <a:spAutoFit/>
+          </a:bodyPr>
+          <a:lstStyle/>
+          <a:p>
+            <a:pPr algn="ctr"/>
+            <a:r>
+              <a:rPr lang="en-US" sz="3200" dirty="0"/>
+              <a:t>- 4920 patient observations</a:t>
+            </a:r>
+          </a:p>
+        </p:txBody>
+      </p:sp>
+      <p:sp>
+        <p:nvSpPr>
+          <p:cNvPr id="11" name="TextBox 10">
+            <a:extLst>
+              <a:ext uri="{FF2B5EF4-FFF2-40B4-BE49-F238E27FC236}">
+                <a16:creationId xmlns:a16="http://schemas.microsoft.com/office/drawing/2014/main" id="{C7EB19B7-8F7C-2964-DCEB-285F7AD71184}"/>
+              </a:ext>
+            </a:extLst>
+          </p:cNvPr>
+          <p:cNvSpPr txBox="1"/>
+          <p:nvPr/>
+        </p:nvSpPr>
+        <p:spPr>
+          <a:xfrm>
+            <a:off x="4390181" y="4001959"/>
+            <a:ext cx="2841996" cy="584775"/>
+          </a:xfrm>
+          <a:prstGeom prst="rect">
+            <a:avLst/>
+          </a:prstGeom>
+          <a:noFill/>
+        </p:spPr>
+        <p:txBody>
+          <a:bodyPr wrap="none" rtlCol="0">
+            <a:spAutoFit/>
+          </a:bodyPr>
+          <a:lstStyle/>
+          <a:p>
+            <a:r>
+              <a:rPr lang="en-US" sz="3200" dirty="0"/>
+              <a:t>- 131 symptoms</a:t>
+            </a:r>
+          </a:p>
+        </p:txBody>
+      </p:sp>
+      <p:sp>
+        <p:nvSpPr>
+          <p:cNvPr id="12" name="TextBox 11">
+            <a:extLst>
+              <a:ext uri="{FF2B5EF4-FFF2-40B4-BE49-F238E27FC236}">
+                <a16:creationId xmlns:a16="http://schemas.microsoft.com/office/drawing/2014/main" id="{B613FE54-3F02-E9EC-D64C-3E6FA111CE91}"/>
+              </a:ext>
+            </a:extLst>
+          </p:cNvPr>
+          <p:cNvSpPr txBox="1"/>
+          <p:nvPr/>
+        </p:nvSpPr>
+        <p:spPr>
+          <a:xfrm>
+            <a:off x="4505510" y="4729961"/>
+            <a:ext cx="2401619" cy="861774"/>
+          </a:xfrm>
+          <a:prstGeom prst="rect">
+            <a:avLst/>
+          </a:prstGeom>
+          <a:noFill/>
+        </p:spPr>
+        <p:txBody>
+          <a:bodyPr wrap="none" rtlCol="0">
+            <a:spAutoFit/>
+          </a:bodyPr>
+          <a:lstStyle/>
+          <a:p>
+            <a:r>
+              <a:rPr lang="en-US" sz="3200" dirty="0"/>
+              <a:t>-  41 diseases</a:t>
+            </a:r>
+          </a:p>
+          <a:p>
+            <a:endParaRPr lang="en-US" dirty="0"/>
           </a:p>
         </p:txBody>
       </p:sp>
@@ -20406,6 +22970,221 @@
   <p:clrMapOvr>
     <a:masterClrMapping/>
   </p:clrMapOvr>
+  <p:timing>
+    <p:tnLst>
+      <p:par>
+        <p:cTn id="1" dur="indefinite" restart="never" nodeType="tmRoot">
+          <p:childTnLst>
+            <p:seq concurrent="1" nextAc="seek">
+              <p:cTn id="2" dur="indefinite" nodeType="mainSeq">
+                <p:childTnLst>
+                  <p:par>
+                    <p:cTn id="3" fill="hold">
+                      <p:stCondLst>
+                        <p:cond delay="indefinite"/>
+                      </p:stCondLst>
+                      <p:childTnLst>
+                        <p:par>
+                          <p:cTn id="4" fill="hold">
+                            <p:stCondLst>
+                              <p:cond delay="0"/>
+                            </p:stCondLst>
+                            <p:childTnLst>
+                              <p:par>
+                                <p:cTn id="5" presetID="1" presetClass="entr" presetSubtype="0" fill="hold" nodeType="clickEffect">
+                                  <p:stCondLst>
+                                    <p:cond delay="0"/>
+                                  </p:stCondLst>
+                                  <p:childTnLst>
+                                    <p:set>
+                                      <p:cBhvr>
+                                        <p:cTn id="6" dur="1" fill="hold">
+                                          <p:stCondLst>
+                                            <p:cond delay="0"/>
+                                          </p:stCondLst>
+                                        </p:cTn>
+                                        <p:tgtEl>
+                                          <p:spTgt spid="7"/>
+                                        </p:tgtEl>
+                                        <p:attrNameLst>
+                                          <p:attrName>style.visibility</p:attrName>
+                                        </p:attrNameLst>
+                                      </p:cBhvr>
+                                      <p:to>
+                                        <p:strVal val="visible"/>
+                                      </p:to>
+                                    </p:set>
+                                  </p:childTnLst>
+                                </p:cTn>
+                              </p:par>
+                            </p:childTnLst>
+                          </p:cTn>
+                        </p:par>
+                      </p:childTnLst>
+                    </p:cTn>
+                  </p:par>
+                  <p:par>
+                    <p:cTn id="7" fill="hold">
+                      <p:stCondLst>
+                        <p:cond delay="indefinite"/>
+                      </p:stCondLst>
+                      <p:childTnLst>
+                        <p:par>
+                          <p:cTn id="8" fill="hold">
+                            <p:stCondLst>
+                              <p:cond delay="0"/>
+                            </p:stCondLst>
+                            <p:childTnLst>
+                              <p:par>
+                                <p:cTn id="9" presetID="1" presetClass="entr" presetSubtype="0" fill="hold" grpId="0" nodeType="clickEffect">
+                                  <p:stCondLst>
+                                    <p:cond delay="0"/>
+                                  </p:stCondLst>
+                                  <p:childTnLst>
+                                    <p:set>
+                                      <p:cBhvr>
+                                        <p:cTn id="10" dur="1" fill="hold">
+                                          <p:stCondLst>
+                                            <p:cond delay="0"/>
+                                          </p:stCondLst>
+                                        </p:cTn>
+                                        <p:tgtEl>
+                                          <p:spTgt spid="10"/>
+                                        </p:tgtEl>
+                                        <p:attrNameLst>
+                                          <p:attrName>style.visibility</p:attrName>
+                                        </p:attrNameLst>
+                                      </p:cBhvr>
+                                      <p:to>
+                                        <p:strVal val="visible"/>
+                                      </p:to>
+                                    </p:set>
+                                  </p:childTnLst>
+                                </p:cTn>
+                              </p:par>
+                            </p:childTnLst>
+                          </p:cTn>
+                        </p:par>
+                      </p:childTnLst>
+                    </p:cTn>
+                  </p:par>
+                  <p:par>
+                    <p:cTn id="11" fill="hold">
+                      <p:stCondLst>
+                        <p:cond delay="indefinite"/>
+                      </p:stCondLst>
+                      <p:childTnLst>
+                        <p:par>
+                          <p:cTn id="12" fill="hold">
+                            <p:stCondLst>
+                              <p:cond delay="0"/>
+                            </p:stCondLst>
+                            <p:childTnLst>
+                              <p:par>
+                                <p:cTn id="13" presetID="1" presetClass="entr" presetSubtype="0" fill="hold" grpId="0" nodeType="clickEffect">
+                                  <p:stCondLst>
+                                    <p:cond delay="0"/>
+                                  </p:stCondLst>
+                                  <p:childTnLst>
+                                    <p:set>
+                                      <p:cBhvr>
+                                        <p:cTn id="14" dur="1" fill="hold">
+                                          <p:stCondLst>
+                                            <p:cond delay="0"/>
+                                          </p:stCondLst>
+                                        </p:cTn>
+                                        <p:tgtEl>
+                                          <p:spTgt spid="11"/>
+                                        </p:tgtEl>
+                                        <p:attrNameLst>
+                                          <p:attrName>style.visibility</p:attrName>
+                                        </p:attrNameLst>
+                                      </p:cBhvr>
+                                      <p:to>
+                                        <p:strVal val="visible"/>
+                                      </p:to>
+                                    </p:set>
+                                  </p:childTnLst>
+                                </p:cTn>
+                              </p:par>
+                            </p:childTnLst>
+                          </p:cTn>
+                        </p:par>
+                      </p:childTnLst>
+                    </p:cTn>
+                  </p:par>
+                  <p:par>
+                    <p:cTn id="15" fill="hold">
+                      <p:stCondLst>
+                        <p:cond delay="indefinite"/>
+                      </p:stCondLst>
+                      <p:childTnLst>
+                        <p:par>
+                          <p:cTn id="16" fill="hold">
+                            <p:stCondLst>
+                              <p:cond delay="0"/>
+                            </p:stCondLst>
+                            <p:childTnLst>
+                              <p:par>
+                                <p:cTn id="17" presetID="1" presetClass="entr" presetSubtype="0" fill="hold" grpId="0" nodeType="clickEffect">
+                                  <p:stCondLst>
+                                    <p:cond delay="0"/>
+                                  </p:stCondLst>
+                                  <p:childTnLst>
+                                    <p:set>
+                                      <p:cBhvr>
+                                        <p:cTn id="18" dur="1" fill="hold">
+                                          <p:stCondLst>
+                                            <p:cond delay="0"/>
+                                          </p:stCondLst>
+                                        </p:cTn>
+                                        <p:tgtEl>
+                                          <p:spTgt spid="12"/>
+                                        </p:tgtEl>
+                                        <p:attrNameLst>
+                                          <p:attrName>style.visibility</p:attrName>
+                                        </p:attrNameLst>
+                                      </p:cBhvr>
+                                      <p:to>
+                                        <p:strVal val="visible"/>
+                                      </p:to>
+                                    </p:set>
+                                  </p:childTnLst>
+                                </p:cTn>
+                              </p:par>
+                            </p:childTnLst>
+                          </p:cTn>
+                        </p:par>
+                      </p:childTnLst>
+                    </p:cTn>
+                  </p:par>
+                </p:childTnLst>
+              </p:cTn>
+              <p:prevCondLst>
+                <p:cond evt="onPrev" delay="0">
+                  <p:tgtEl>
+                    <p:sldTgt/>
+                  </p:tgtEl>
+                </p:cond>
+              </p:prevCondLst>
+              <p:nextCondLst>
+                <p:cond evt="onNext" delay="0">
+                  <p:tgtEl>
+                    <p:sldTgt/>
+                  </p:tgtEl>
+                </p:cond>
+              </p:nextCondLst>
+            </p:seq>
+          </p:childTnLst>
+        </p:cTn>
+      </p:par>
+    </p:tnLst>
+    <p:bldLst>
+      <p:bldP spid="10" grpId="0"/>
+      <p:bldP spid="11" grpId="0"/>
+      <p:bldP spid="12" grpId="0"/>
+    </p:bldLst>
+  </p:timing>
 </p:sld>
 </file>
 
@@ -20431,7 +23210,7 @@
           <p:cNvPr id="2" name="Title 1">
             <a:extLst>
               <a:ext uri="{FF2B5EF4-FFF2-40B4-BE49-F238E27FC236}">
-                <a16:creationId xmlns:a16="http://schemas.microsoft.com/office/drawing/2014/main" id="{5D09155E-705E-F078-12DB-71F847118E91}"/>
+                <a16:creationId xmlns:a16="http://schemas.microsoft.com/office/drawing/2014/main" id="{9C190C81-4241-54B7-3B7B-FA91DED80F20}"/>
               </a:ext>
             </a:extLst>
           </p:cNvPr>
@@ -20442,61 +23221,403 @@
             <p:ph type="title"/>
           </p:nvPr>
         </p:nvSpPr>
-        <p:spPr/>
+        <p:spPr>
+          <a:xfrm>
+            <a:off x="534429" y="252922"/>
+            <a:ext cx="11123141" cy="1325563"/>
+          </a:xfrm>
+        </p:spPr>
         <p:txBody>
-          <a:bodyPr/>
+          <a:bodyPr>
+            <a:normAutofit/>
+          </a:bodyPr>
           <a:lstStyle/>
           <a:p>
-            <a:endParaRPr lang="en-US" dirty="0"/>
+            <a:r>
+              <a:rPr lang="en-US" sz="3200" dirty="0"/>
+              <a:t>Some light tidying to get the data ready for analysis and modeling</a:t>
+            </a:r>
           </a:p>
         </p:txBody>
       </p:sp>
-      <p:pic>
-        <p:nvPicPr>
-          <p:cNvPr id="5" name="Picture 4">
+      <p:graphicFrame>
+        <p:nvGraphicFramePr>
+          <p:cNvPr id="4" name="Content Placeholder 3">
             <a:extLst>
               <a:ext uri="{FF2B5EF4-FFF2-40B4-BE49-F238E27FC236}">
-                <a16:creationId xmlns:a16="http://schemas.microsoft.com/office/drawing/2014/main" id="{55A7D8D8-4774-0278-FFF8-35B59AE57B19}"/>
+                <a16:creationId xmlns:a16="http://schemas.microsoft.com/office/drawing/2014/main" id="{5D481B07-BEE0-2EAF-39D3-B7B1884901D6}"/>
               </a:ext>
             </a:extLst>
           </p:cNvPr>
-          <p:cNvPicPr>
-            <a:picLocks noChangeAspect="1"/>
-          </p:cNvPicPr>
-          <p:nvPr/>
-        </p:nvPicPr>
-        <p:blipFill>
-          <a:blip r:embed="rId3">
+          <p:cNvGraphicFramePr>
+            <a:graphicFrameLocks noGrp="1"/>
+          </p:cNvGraphicFramePr>
+          <p:nvPr>
+            <p:ph idx="1"/>
+            <p:extLst>
+              <p:ext uri="{D42A27DB-BD31-4B8C-83A1-F6EECF244321}">
+                <p14:modId xmlns:p14="http://schemas.microsoft.com/office/powerpoint/2010/main" val="243746843"/>
+              </p:ext>
+            </p:extLst>
+          </p:nvPr>
+        </p:nvGraphicFramePr>
+        <p:xfrm>
+          <a:off x="296562" y="1359243"/>
+          <a:ext cx="11714206" cy="2603158"/>
+        </p:xfrm>
+        <a:graphic>
+          <a:graphicData uri="http://schemas.openxmlformats.org/drawingml/2006/diagram">
+            <dgm:relIds xmlns:dgm="http://schemas.openxmlformats.org/drawingml/2006/diagram" xmlns:r="http://schemas.openxmlformats.org/officeDocument/2006/relationships" r:dm="rId3" r:lo="rId4" r:qs="rId5" r:cs="rId6"/>
+          </a:graphicData>
+        </a:graphic>
+      </p:graphicFrame>
+      <p:sp>
+        <p:nvSpPr>
+          <p:cNvPr id="5" name="TextBox 4">
             <a:extLst>
-              <a:ext uri="{28A0092B-C50C-407E-A947-70E740481C1C}">
-                <a14:useLocalDpi xmlns:a14="http://schemas.microsoft.com/office/drawing/2010/main" val="0"/>
+              <a:ext uri="{FF2B5EF4-FFF2-40B4-BE49-F238E27FC236}">
+                <a16:creationId xmlns:a16="http://schemas.microsoft.com/office/drawing/2014/main" id="{8B49118A-8E93-B0E9-4DE1-EB195541C21F}"/>
               </a:ext>
             </a:extLst>
-          </a:blip>
-          <a:stretch>
-            <a:fillRect/>
-          </a:stretch>
-        </p:blipFill>
+          </p:cNvPr>
+          <p:cNvSpPr txBox="1"/>
+          <p:nvPr/>
+        </p:nvSpPr>
         <p:spPr>
           <a:xfrm>
-            <a:off x="0" y="1732756"/>
-            <a:ext cx="12193248" cy="5087144"/>
+            <a:off x="181232" y="3962401"/>
+            <a:ext cx="3707027" cy="2308324"/>
           </a:xfrm>
           <a:prstGeom prst="rect">
             <a:avLst/>
           </a:prstGeom>
+          <a:noFill/>
         </p:spPr>
-      </p:pic>
+        <p:txBody>
+          <a:bodyPr wrap="square" rtlCol="0">
+            <a:spAutoFit/>
+          </a:bodyPr>
+          <a:lstStyle/>
+          <a:p>
+            <a:pPr marL="285750" indent="-285750">
+              <a:buFont typeface="Arial" panose="020B0604020202020204" pitchFamily="34" charset="0"/>
+              <a:buChar char="•"/>
+            </a:pPr>
+            <a:r>
+              <a:rPr lang="en-US" sz="2400" dirty="0"/>
+              <a:t>One symptom had two associated columns with nearly identical names</a:t>
+            </a:r>
+          </a:p>
+          <a:p>
+            <a:pPr marL="285750" indent="-285750">
+              <a:buFont typeface="Arial" panose="020B0604020202020204" pitchFamily="34" charset="0"/>
+              <a:buChar char="•"/>
+            </a:pPr>
+            <a:r>
+              <a:rPr lang="en-US" sz="2400" dirty="0"/>
+              <a:t>One column was empty</a:t>
+            </a:r>
+          </a:p>
+          <a:p>
+            <a:pPr marL="285750" indent="-285750">
+              <a:buFont typeface="Arial" panose="020B0604020202020204" pitchFamily="34" charset="0"/>
+              <a:buChar char="•"/>
+            </a:pPr>
+            <a:r>
+              <a:rPr lang="en-US" sz="2400" dirty="0"/>
+              <a:t>Empty column dropped, other column renamed</a:t>
+            </a:r>
+          </a:p>
+        </p:txBody>
+      </p:sp>
+      <p:sp>
+        <p:nvSpPr>
+          <p:cNvPr id="7" name="TextBox 6">
+            <a:extLst>
+              <a:ext uri="{FF2B5EF4-FFF2-40B4-BE49-F238E27FC236}">
+                <a16:creationId xmlns:a16="http://schemas.microsoft.com/office/drawing/2014/main" id="{247AA1AE-3E67-0F8E-2365-30B0EFF21A27}"/>
+              </a:ext>
+            </a:extLst>
+          </p:cNvPr>
+          <p:cNvSpPr txBox="1"/>
+          <p:nvPr/>
+        </p:nvSpPr>
+        <p:spPr>
+          <a:xfrm>
+            <a:off x="4300151" y="3883204"/>
+            <a:ext cx="3707027" cy="2308324"/>
+          </a:xfrm>
+          <a:prstGeom prst="rect">
+            <a:avLst/>
+          </a:prstGeom>
+          <a:noFill/>
+        </p:spPr>
+        <p:txBody>
+          <a:bodyPr wrap="square" rtlCol="0">
+            <a:spAutoFit/>
+          </a:bodyPr>
+          <a:lstStyle/>
+          <a:p>
+            <a:pPr marL="285750" indent="-285750">
+              <a:buFont typeface="Arial" panose="020B0604020202020204" pitchFamily="34" charset="0"/>
+              <a:buChar char="•"/>
+            </a:pPr>
+            <a:r>
+              <a:rPr lang="en-US" sz="2400" dirty="0"/>
+              <a:t>Several disease names had simple misspellings</a:t>
+            </a:r>
+          </a:p>
+          <a:p>
+            <a:pPr marL="742950" lvl="1" indent="-285750">
+              <a:buFont typeface="Arial" panose="020B0604020202020204" pitchFamily="34" charset="0"/>
+              <a:buChar char="•"/>
+            </a:pPr>
+            <a:r>
+              <a:rPr lang="en-US" sz="2400" dirty="0"/>
+              <a:t>Replaced with correct</a:t>
+            </a:r>
+          </a:p>
+          <a:p>
+            <a:pPr marL="285750" indent="-285750">
+              <a:buFont typeface="Arial" panose="020B0604020202020204" pitchFamily="34" charset="0"/>
+              <a:buChar char="•"/>
+            </a:pPr>
+            <a:r>
+              <a:rPr lang="en-US" sz="2400" dirty="0"/>
+              <a:t>Some disease names had inconsistent formatting</a:t>
+            </a:r>
+          </a:p>
+          <a:p>
+            <a:pPr marL="742950" lvl="1" indent="-285750">
+              <a:buFont typeface="Arial" panose="020B0604020202020204" pitchFamily="34" charset="0"/>
+              <a:buChar char="•"/>
+            </a:pPr>
+            <a:r>
+              <a:rPr lang="en-US" sz="2400" dirty="0"/>
+              <a:t>Capitalized first letter </a:t>
+            </a:r>
+          </a:p>
+        </p:txBody>
+      </p:sp>
+      <p:sp>
+        <p:nvSpPr>
+          <p:cNvPr id="8" name="TextBox 7">
+            <a:extLst>
+              <a:ext uri="{FF2B5EF4-FFF2-40B4-BE49-F238E27FC236}">
+                <a16:creationId xmlns:a16="http://schemas.microsoft.com/office/drawing/2014/main" id="{94C0590A-9040-65C2-3474-9C0C3BA625CF}"/>
+              </a:ext>
+            </a:extLst>
+          </p:cNvPr>
+          <p:cNvSpPr txBox="1"/>
+          <p:nvPr/>
+        </p:nvSpPr>
+        <p:spPr>
+          <a:xfrm>
+            <a:off x="8616778" y="3962401"/>
+            <a:ext cx="3393989" cy="1200329"/>
+          </a:xfrm>
+          <a:prstGeom prst="rect">
+            <a:avLst/>
+          </a:prstGeom>
+          <a:noFill/>
+        </p:spPr>
+        <p:txBody>
+          <a:bodyPr wrap="square" rtlCol="0">
+            <a:spAutoFit/>
+          </a:bodyPr>
+          <a:lstStyle/>
+          <a:p>
+            <a:pPr marL="285750" indent="-285750">
+              <a:buFont typeface="Arial" panose="020B0604020202020204" pitchFamily="34" charset="0"/>
+              <a:buChar char="•"/>
+            </a:pPr>
+            <a:r>
+              <a:rPr lang="en-US" sz="2400" dirty="0"/>
+              <a:t>Disease names were label encoded prior to modeling</a:t>
+            </a:r>
+          </a:p>
+        </p:txBody>
+      </p:sp>
     </p:spTree>
     <p:extLst>
       <p:ext uri="{BB962C8B-B14F-4D97-AF65-F5344CB8AC3E}">
-        <p14:creationId xmlns:p14="http://schemas.microsoft.com/office/powerpoint/2010/main" val="3875542634"/>
+        <p14:creationId xmlns:p14="http://schemas.microsoft.com/office/powerpoint/2010/main" val="3532958792"/>
       </p:ext>
     </p:extLst>
   </p:cSld>
   <p:clrMapOvr>
     <a:masterClrMapping/>
   </p:clrMapOvr>
+  <p:timing>
+    <p:tnLst>
+      <p:par>
+        <p:cTn id="1" dur="indefinite" restart="never" nodeType="tmRoot">
+          <p:childTnLst>
+            <p:seq concurrent="1" nextAc="seek">
+              <p:cTn id="2" dur="indefinite" nodeType="mainSeq">
+                <p:childTnLst>
+                  <p:par>
+                    <p:cTn id="3" fill="hold">
+                      <p:stCondLst>
+                        <p:cond delay="indefinite"/>
+                      </p:stCondLst>
+                      <p:childTnLst>
+                        <p:par>
+                          <p:cTn id="4" fill="hold">
+                            <p:stCondLst>
+                              <p:cond delay="0"/>
+                            </p:stCondLst>
+                            <p:childTnLst>
+                              <p:par>
+                                <p:cTn id="5" presetID="1" presetClass="entr" presetSubtype="0" fill="hold" grpId="0" nodeType="clickEffect">
+                                  <p:stCondLst>
+                                    <p:cond delay="0"/>
+                                  </p:stCondLst>
+                                  <p:childTnLst>
+                                    <p:set>
+                                      <p:cBhvr>
+                                        <p:cTn id="6" dur="1" fill="hold">
+                                          <p:stCondLst>
+                                            <p:cond delay="0"/>
+                                          </p:stCondLst>
+                                        </p:cTn>
+                                        <p:tgtEl>
+                                          <p:spTgt spid="5"/>
+                                        </p:tgtEl>
+                                        <p:attrNameLst>
+                                          <p:attrName>style.visibility</p:attrName>
+                                        </p:attrNameLst>
+                                      </p:cBhvr>
+                                      <p:to>
+                                        <p:strVal val="visible"/>
+                                      </p:to>
+                                    </p:set>
+                                  </p:childTnLst>
+                                </p:cTn>
+                              </p:par>
+                            </p:childTnLst>
+                          </p:cTn>
+                        </p:par>
+                      </p:childTnLst>
+                    </p:cTn>
+                  </p:par>
+                  <p:par>
+                    <p:cTn id="7" fill="hold">
+                      <p:stCondLst>
+                        <p:cond delay="indefinite"/>
+                      </p:stCondLst>
+                      <p:childTnLst>
+                        <p:par>
+                          <p:cTn id="8" fill="hold">
+                            <p:stCondLst>
+                              <p:cond delay="0"/>
+                            </p:stCondLst>
+                            <p:childTnLst>
+                              <p:par>
+                                <p:cTn id="9" presetID="1" presetClass="entr" presetSubtype="0" fill="hold" grpId="0" nodeType="clickEffect">
+                                  <p:stCondLst>
+                                    <p:cond delay="0"/>
+                                  </p:stCondLst>
+                                  <p:childTnLst>
+                                    <p:set>
+                                      <p:cBhvr>
+                                        <p:cTn id="10" dur="1" fill="hold">
+                                          <p:stCondLst>
+                                            <p:cond delay="0"/>
+                                          </p:stCondLst>
+                                        </p:cTn>
+                                        <p:tgtEl>
+                                          <p:spTgt spid="7"/>
+                                        </p:tgtEl>
+                                        <p:attrNameLst>
+                                          <p:attrName>style.visibility</p:attrName>
+                                        </p:attrNameLst>
+                                      </p:cBhvr>
+                                      <p:to>
+                                        <p:strVal val="visible"/>
+                                      </p:to>
+                                    </p:set>
+                                  </p:childTnLst>
+                                </p:cTn>
+                              </p:par>
+                            </p:childTnLst>
+                          </p:cTn>
+                        </p:par>
+                      </p:childTnLst>
+                    </p:cTn>
+                  </p:par>
+                  <p:par>
+                    <p:cTn id="11" fill="hold">
+                      <p:stCondLst>
+                        <p:cond delay="indefinite"/>
+                      </p:stCondLst>
+                      <p:childTnLst>
+                        <p:par>
+                          <p:cTn id="12" fill="hold">
+                            <p:stCondLst>
+                              <p:cond delay="0"/>
+                            </p:stCondLst>
+                            <p:childTnLst>
+                              <p:par>
+                                <p:cTn id="13" presetID="1" presetClass="entr" presetSubtype="0" fill="hold" grpId="0" nodeType="clickEffect">
+                                  <p:stCondLst>
+                                    <p:cond delay="0"/>
+                                  </p:stCondLst>
+                                  <p:childTnLst>
+                                    <p:set>
+                                      <p:cBhvr>
+                                        <p:cTn id="14" dur="1" fill="hold">
+                                          <p:stCondLst>
+                                            <p:cond delay="0"/>
+                                          </p:stCondLst>
+                                        </p:cTn>
+                                        <p:tgtEl>
+                                          <p:spTgt spid="8"/>
+                                        </p:tgtEl>
+                                        <p:attrNameLst>
+                                          <p:attrName>style.visibility</p:attrName>
+                                        </p:attrNameLst>
+                                      </p:cBhvr>
+                                      <p:to>
+                                        <p:strVal val="visible"/>
+                                      </p:to>
+                                    </p:set>
+                                  </p:childTnLst>
+                                </p:cTn>
+                              </p:par>
+                            </p:childTnLst>
+                          </p:cTn>
+                        </p:par>
+                      </p:childTnLst>
+                    </p:cTn>
+                  </p:par>
+                </p:childTnLst>
+              </p:cTn>
+              <p:prevCondLst>
+                <p:cond evt="onPrev" delay="0">
+                  <p:tgtEl>
+                    <p:sldTgt/>
+                  </p:tgtEl>
+                </p:cond>
+              </p:prevCondLst>
+              <p:nextCondLst>
+                <p:cond evt="onNext" delay="0">
+                  <p:tgtEl>
+                    <p:sldTgt/>
+                  </p:tgtEl>
+                </p:cond>
+              </p:nextCondLst>
+            </p:seq>
+          </p:childTnLst>
+        </p:cTn>
+      </p:par>
+    </p:tnLst>
+    <p:bldLst>
+      <p:bldP spid="5" grpId="0"/>
+      <p:bldP spid="7" grpId="0"/>
+      <p:bldP spid="8" grpId="0"/>
+    </p:bldLst>
+  </p:timing>
 </p:sld>
 </file>
 
@@ -20535,10 +23656,15 @@
         </p:nvSpPr>
         <p:spPr/>
         <p:txBody>
-          <a:bodyPr/>
+          <a:bodyPr>
+            <a:normAutofit/>
+          </a:bodyPr>
           <a:lstStyle/>
           <a:p>
-            <a:endParaRPr lang="en-US"/>
+            <a:r>
+              <a:rPr lang="en-US" sz="3200" dirty="0"/>
+              <a:t>Symptoms can be indicated in one or more diseases</a:t>
+            </a:r>
           </a:p>
         </p:txBody>
       </p:sp>
@@ -20570,8 +23696,8 @@
         </p:blipFill>
         <p:spPr>
           <a:xfrm>
-            <a:off x="1009651" y="1571210"/>
-            <a:ext cx="9963149" cy="5115339"/>
+            <a:off x="1186249" y="1661880"/>
+            <a:ext cx="9786551" cy="5024669"/>
           </a:xfrm>
           <a:prstGeom prst="rect">
             <a:avLst/>
@@ -20588,6 +23714,81 @@
   <p:clrMapOvr>
     <a:masterClrMapping/>
   </p:clrMapOvr>
+  <p:timing>
+    <p:tnLst>
+      <p:par>
+        <p:cTn id="1" dur="indefinite" restart="never" nodeType="tmRoot">
+          <p:childTnLst>
+            <p:seq concurrent="1" nextAc="seek">
+              <p:cTn id="2" dur="indefinite" nodeType="mainSeq">
+                <p:childTnLst>
+                  <p:par>
+                    <p:cTn id="3" fill="hold">
+                      <p:stCondLst>
+                        <p:cond delay="indefinite"/>
+                      </p:stCondLst>
+                      <p:childTnLst>
+                        <p:par>
+                          <p:cTn id="4" fill="hold">
+                            <p:stCondLst>
+                              <p:cond delay="0"/>
+                            </p:stCondLst>
+                            <p:childTnLst>
+                              <p:par>
+                                <p:cTn id="5" presetID="1" presetClass="entr" presetSubtype="0" fill="hold" nodeType="clickEffect">
+                                  <p:stCondLst>
+                                    <p:cond delay="0"/>
+                                  </p:stCondLst>
+                                  <p:childTnLst>
+                                    <p:set>
+                                      <p:cBhvr>
+                                        <p:cTn id="6" dur="1" fill="hold">
+                                          <p:stCondLst>
+                                            <p:cond delay="0"/>
+                                          </p:stCondLst>
+                                        </p:cTn>
+                                        <p:tgtEl>
+                                          <p:spTgt spid="5"/>
+                                        </p:tgtEl>
+                                        <p:attrNameLst>
+                                          <p:attrName>style.visibility</p:attrName>
+                                        </p:attrNameLst>
+                                      </p:cBhvr>
+                                      <p:to>
+                                        <p:strVal val="visible"/>
+                                      </p:to>
+                                    </p:set>
+                                  </p:childTnLst>
+                                </p:cTn>
+                              </p:par>
+                            </p:childTnLst>
+                          </p:cTn>
+                        </p:par>
+                      </p:childTnLst>
+                    </p:cTn>
+                  </p:par>
+                </p:childTnLst>
+              </p:cTn>
+              <p:prevCondLst>
+                <p:cond evt="onPrev" delay="0">
+                  <p:tgtEl>
+                    <p:sldTgt/>
+                  </p:tgtEl>
+                </p:cond>
+              </p:prevCondLst>
+              <p:nextCondLst>
+                <p:cond evt="onNext" delay="0">
+                  <p:tgtEl>
+                    <p:sldTgt/>
+                  </p:tgtEl>
+                </p:cond>
+              </p:nextCondLst>
+            </p:seq>
+          </p:childTnLst>
+        </p:cTn>
+      </p:par>
+    </p:tnLst>
+  </p:timing>
 </p:sld>
 </file>
 
@@ -20613,7 +23814,7 @@
           <p:cNvPr id="2" name="Title 1">
             <a:extLst>
               <a:ext uri="{FF2B5EF4-FFF2-40B4-BE49-F238E27FC236}">
-                <a16:creationId xmlns:a16="http://schemas.microsoft.com/office/drawing/2014/main" id="{9C190C81-4241-54B7-3B7B-FA91DED80F20}"/>
+                <a16:creationId xmlns:a16="http://schemas.microsoft.com/office/drawing/2014/main" id="{5D09155E-705E-F078-12DB-71F847118E91}"/>
               </a:ext>
             </a:extLst>
           </p:cNvPr>
@@ -20624,56 +23825,146 @@
             <p:ph type="title"/>
           </p:nvPr>
         </p:nvSpPr>
-        <p:spPr/>
+        <p:spPr>
+          <a:xfrm>
+            <a:off x="296562" y="365125"/>
+            <a:ext cx="11714206" cy="1325563"/>
+          </a:xfrm>
+        </p:spPr>
         <p:txBody>
-          <a:bodyPr/>
+          <a:bodyPr>
+            <a:normAutofit/>
+          </a:bodyPr>
           <a:lstStyle/>
           <a:p>
-            <a:endParaRPr lang="en-US"/>
+            <a:r>
+              <a:rPr lang="en-US" sz="3200" dirty="0"/>
+              <a:t>Each disease has a unique combination of symptoms</a:t>
+            </a:r>
           </a:p>
         </p:txBody>
       </p:sp>
-      <p:graphicFrame>
-        <p:nvGraphicFramePr>
-          <p:cNvPr id="4" name="Content Placeholder 3">
+      <p:pic>
+        <p:nvPicPr>
+          <p:cNvPr id="5" name="Picture 4">
             <a:extLst>
               <a:ext uri="{FF2B5EF4-FFF2-40B4-BE49-F238E27FC236}">
-                <a16:creationId xmlns:a16="http://schemas.microsoft.com/office/drawing/2014/main" id="{5D481B07-BEE0-2EAF-39D3-B7B1884901D6}"/>
+                <a16:creationId xmlns:a16="http://schemas.microsoft.com/office/drawing/2014/main" id="{55A7D8D8-4774-0278-FFF8-35B59AE57B19}"/>
               </a:ext>
             </a:extLst>
           </p:cNvPr>
-          <p:cNvGraphicFramePr>
-            <a:graphicFrameLocks noGrp="1"/>
-          </p:cNvGraphicFramePr>
-          <p:nvPr>
-            <p:ph idx="1"/>
-            <p:extLst>
-              <p:ext uri="{D42A27DB-BD31-4B8C-83A1-F6EECF244321}">
-                <p14:modId xmlns:p14="http://schemas.microsoft.com/office/powerpoint/2010/main" val="549932883"/>
-              </p:ext>
-            </p:extLst>
-          </p:nvPr>
-        </p:nvGraphicFramePr>
-        <p:xfrm>
-          <a:off x="838200" y="1825625"/>
-          <a:ext cx="10515600" cy="2136775"/>
-        </p:xfrm>
-        <a:graphic>
-          <a:graphicData uri="http://schemas.openxmlformats.org/drawingml/2006/diagram">
-            <dgm:relIds xmlns:dgm="http://schemas.openxmlformats.org/drawingml/2006/diagram" xmlns:r="http://schemas.openxmlformats.org/officeDocument/2006/relationships" r:dm="rId2" r:lo="rId3" r:qs="rId4" r:cs="rId5"/>
-          </a:graphicData>
-        </a:graphic>
-      </p:graphicFrame>
+          <p:cNvPicPr>
+            <a:picLocks noChangeAspect="1"/>
+          </p:cNvPicPr>
+          <p:nvPr/>
+        </p:nvPicPr>
+        <p:blipFill>
+          <a:blip r:embed="rId3">
+            <a:extLst>
+              <a:ext uri="{28A0092B-C50C-407E-A947-70E740481C1C}">
+                <a14:useLocalDpi xmlns:a14="http://schemas.microsoft.com/office/drawing/2010/main" val="0"/>
+              </a:ext>
+            </a:extLst>
+          </a:blip>
+          <a:stretch>
+            <a:fillRect/>
+          </a:stretch>
+        </p:blipFill>
+        <p:spPr>
+          <a:xfrm>
+            <a:off x="0" y="1770856"/>
+            <a:ext cx="12193248" cy="5087144"/>
+          </a:xfrm>
+          <a:prstGeom prst="rect">
+            <a:avLst/>
+          </a:prstGeom>
+        </p:spPr>
+      </p:pic>
     </p:spTree>
     <p:extLst>
       <p:ext uri="{BB962C8B-B14F-4D97-AF65-F5344CB8AC3E}">
-        <p14:creationId xmlns:p14="http://schemas.microsoft.com/office/powerpoint/2010/main" val="3532958792"/>
+        <p14:creationId xmlns:p14="http://schemas.microsoft.com/office/powerpoint/2010/main" val="3875542634"/>
       </p:ext>
     </p:extLst>
   </p:cSld>
   <p:clrMapOvr>
     <a:masterClrMapping/>
   </p:clrMapOvr>
+  <p:timing>
+    <p:tnLst>
+      <p:par>
+        <p:cTn id="1" dur="indefinite" restart="never" nodeType="tmRoot">
+          <p:childTnLst>
+            <p:seq concurrent="1" nextAc="seek">
+              <p:cTn id="2" dur="indefinite" nodeType="mainSeq">
+                <p:childTnLst>
+                  <p:par>
+                    <p:cTn id="3" fill="hold">
+                      <p:stCondLst>
+                        <p:cond delay="indefinite"/>
+                      </p:stCondLst>
+                      <p:childTnLst>
+                        <p:par>
+                          <p:cTn id="4" fill="hold">
+                            <p:stCondLst>
+                              <p:cond delay="0"/>
+                            </p:stCondLst>
+                            <p:childTnLst>
+                              <p:par>
+                                <p:cTn id="5" presetID="1" presetClass="entr" presetSubtype="0" fill="hold" nodeType="clickEffect">
+                                  <p:stCondLst>
+                                    <p:cond delay="0"/>
+                                  </p:stCondLst>
+                                  <p:childTnLst>
+                                    <p:set>
+                                      <p:cBhvr>
+                                        <p:cTn id="6" dur="1" fill="hold">
+                                          <p:stCondLst>
+                                            <p:cond delay="0"/>
+                                          </p:stCondLst>
+                                        </p:cTn>
+                                        <p:tgtEl>
+                                          <p:spTgt spid="5"/>
+                                        </p:tgtEl>
+                                        <p:attrNameLst>
+                                          <p:attrName>style.visibility</p:attrName>
+                                        </p:attrNameLst>
+                                      </p:cBhvr>
+                                      <p:to>
+                                        <p:strVal val="visible"/>
+                                      </p:to>
+                                    </p:set>
+                                  </p:childTnLst>
+                                </p:cTn>
+                              </p:par>
+                            </p:childTnLst>
+                          </p:cTn>
+                        </p:par>
+                      </p:childTnLst>
+                    </p:cTn>
+                  </p:par>
+                </p:childTnLst>
+              </p:cTn>
+              <p:prevCondLst>
+                <p:cond evt="onPrev" delay="0">
+                  <p:tgtEl>
+                    <p:sldTgt/>
+                  </p:tgtEl>
+                </p:cond>
+              </p:prevCondLst>
+              <p:nextCondLst>
+                <p:cond evt="onNext" delay="0">
+                  <p:tgtEl>
+                    <p:sldTgt/>
+                  </p:tgtEl>
+                </p:cond>
+              </p:nextCondLst>
+            </p:seq>
+          </p:childTnLst>
+        </p:cTn>
+      </p:par>
+    </p:tnLst>
+  </p:timing>
 </p:sld>
 </file>
 
@@ -20710,40 +24001,1808 @@
             <p:ph type="title"/>
           </p:nvPr>
         </p:nvSpPr>
-        <p:spPr/>
+        <p:spPr>
+          <a:xfrm>
+            <a:off x="247135" y="241558"/>
+            <a:ext cx="12192000" cy="1325563"/>
+          </a:xfrm>
+        </p:spPr>
         <p:txBody>
-          <a:bodyPr/>
+          <a:bodyPr>
+            <a:normAutofit/>
+          </a:bodyPr>
           <a:lstStyle/>
           <a:p>
-            <a:endParaRPr lang="en-US"/>
+            <a:r>
+              <a:rPr lang="en-US" sz="3200" dirty="0"/>
+              <a:t>7 classification models were tested and 4 had perfect test accuracy scores</a:t>
+            </a:r>
           </a:p>
         </p:txBody>
       </p:sp>
       <p:sp>
         <p:nvSpPr>
-          <p:cNvPr id="3" name="Content Placeholder 2">
+          <p:cNvPr id="4" name="TextBox 3">
             <a:extLst>
               <a:ext uri="{FF2B5EF4-FFF2-40B4-BE49-F238E27FC236}">
-                <a16:creationId xmlns:a16="http://schemas.microsoft.com/office/drawing/2014/main" id="{154A5E1C-FBE7-7DF9-C9B0-A7DD5CAC17BB}"/>
+                <a16:creationId xmlns:a16="http://schemas.microsoft.com/office/drawing/2014/main" id="{8710851D-AB1F-65D6-26FB-E0ABA93FA275}"/>
               </a:ext>
             </a:extLst>
           </p:cNvPr>
-          <p:cNvSpPr>
-            <a:spLocks noGrp="1"/>
-          </p:cNvSpPr>
-          <p:nvPr>
-            <p:ph idx="1"/>
-          </p:nvPr>
+          <p:cNvSpPr txBox="1"/>
+          <p:nvPr/>
         </p:nvSpPr>
-        <p:spPr/>
+        <p:spPr>
+          <a:xfrm>
+            <a:off x="4415481" y="2997445"/>
+            <a:ext cx="3361037" cy="738664"/>
+          </a:xfrm>
+          <a:prstGeom prst="rect">
+            <a:avLst/>
+          </a:prstGeom>
+        </p:spPr>
+        <p:style>
+          <a:lnRef idx="0">
+            <a:schemeClr val="accent4"/>
+          </a:lnRef>
+          <a:fillRef idx="3">
+            <a:schemeClr val="accent4"/>
+          </a:fillRef>
+          <a:effectRef idx="3">
+            <a:schemeClr val="accent4"/>
+          </a:effectRef>
+          <a:fontRef idx="minor">
+            <a:schemeClr val="lt1"/>
+          </a:fontRef>
+        </p:style>
         <p:txBody>
-          <a:bodyPr/>
+          <a:bodyPr wrap="square" rtlCol="0">
+            <a:spAutoFit/>
+          </a:bodyPr>
           <a:lstStyle/>
           <a:p>
-            <a:endParaRPr lang="en-US"/>
+            <a:pPr algn="ctr"/>
+            <a:r>
+              <a:rPr lang="en-US" sz="2400" dirty="0"/>
+              <a:t>Disease Classification</a:t>
+            </a:r>
+          </a:p>
+          <a:p>
+            <a:pPr algn="ctr"/>
+            <a:r>
+              <a:rPr lang="en-US" dirty="0"/>
+              <a:t>(80/20 Train/Test Split)</a:t>
+            </a:r>
           </a:p>
         </p:txBody>
       </p:sp>
+      <p:sp>
+        <p:nvSpPr>
+          <p:cNvPr id="21" name="Right Brace 20">
+            <a:extLst>
+              <a:ext uri="{FF2B5EF4-FFF2-40B4-BE49-F238E27FC236}">
+                <a16:creationId xmlns:a16="http://schemas.microsoft.com/office/drawing/2014/main" id="{3A61B166-FDD8-02EE-E773-F10960B8532B}"/>
+              </a:ext>
+            </a:extLst>
+          </p:cNvPr>
+          <p:cNvSpPr/>
+          <p:nvPr/>
+        </p:nvSpPr>
+        <p:spPr>
+          <a:xfrm rot="16200000">
+            <a:off x="5816557" y="3624319"/>
+            <a:ext cx="339724" cy="3008763"/>
+          </a:xfrm>
+          <a:prstGeom prst="rightBrace">
+            <a:avLst/>
+          </a:prstGeom>
+          <a:ln w="22225"/>
+        </p:spPr>
+        <p:style>
+          <a:lnRef idx="1">
+            <a:schemeClr val="accent1"/>
+          </a:lnRef>
+          <a:fillRef idx="0">
+            <a:schemeClr val="accent1"/>
+          </a:fillRef>
+          <a:effectRef idx="0">
+            <a:schemeClr val="accent1"/>
+          </a:effectRef>
+          <a:fontRef idx="minor">
+            <a:schemeClr val="tx1"/>
+          </a:fontRef>
+        </p:style>
+        <p:txBody>
+          <a:bodyPr rtlCol="0" anchor="ctr"/>
+          <a:lstStyle/>
+          <a:p>
+            <a:pPr algn="ctr"/>
+            <a:endParaRPr lang="en-US"/>
+          </a:p>
+        </p:txBody>
+      </p:sp>
+      <p:grpSp>
+        <p:nvGrpSpPr>
+          <p:cNvPr id="74" name="Group 73">
+            <a:extLst>
+              <a:ext uri="{FF2B5EF4-FFF2-40B4-BE49-F238E27FC236}">
+                <a16:creationId xmlns:a16="http://schemas.microsoft.com/office/drawing/2014/main" id="{55C9304A-1E41-AC1C-EAE4-E857C611BDB0}"/>
+              </a:ext>
+            </a:extLst>
+          </p:cNvPr>
+          <p:cNvGrpSpPr/>
+          <p:nvPr/>
+        </p:nvGrpSpPr>
+        <p:grpSpPr>
+          <a:xfrm>
+            <a:off x="4965364" y="3736109"/>
+            <a:ext cx="2248933" cy="1207391"/>
+            <a:chOff x="4965364" y="3736109"/>
+            <a:chExt cx="2248933" cy="1207391"/>
+          </a:xfrm>
+        </p:grpSpPr>
+        <p:sp>
+          <p:nvSpPr>
+            <p:cNvPr id="5" name="TextBox 4">
+              <a:extLst>
+                <a:ext uri="{FF2B5EF4-FFF2-40B4-BE49-F238E27FC236}">
+                  <a16:creationId xmlns:a16="http://schemas.microsoft.com/office/drawing/2014/main" id="{4DDDE53E-2271-3EA9-1E21-2F0266B87F3B}"/>
+                </a:ext>
+              </a:extLst>
+            </p:cNvPr>
+            <p:cNvSpPr txBox="1"/>
+            <p:nvPr/>
+          </p:nvSpPr>
+          <p:spPr>
+            <a:xfrm>
+              <a:off x="4965364" y="4420280"/>
+              <a:ext cx="2248933" cy="523220"/>
+            </a:xfrm>
+            <a:prstGeom prst="rect">
+              <a:avLst/>
+            </a:prstGeom>
+            <a:ln w="25400"/>
+          </p:spPr>
+          <p:style>
+            <a:lnRef idx="2">
+              <a:schemeClr val="accent4"/>
+            </a:lnRef>
+            <a:fillRef idx="1">
+              <a:schemeClr val="lt1"/>
+            </a:fillRef>
+            <a:effectRef idx="0">
+              <a:schemeClr val="accent4"/>
+            </a:effectRef>
+            <a:fontRef idx="minor">
+              <a:schemeClr val="dk1"/>
+            </a:fontRef>
+          </p:style>
+          <p:txBody>
+            <a:bodyPr wrap="square" rtlCol="0">
+              <a:spAutoFit/>
+            </a:bodyPr>
+            <a:lstStyle/>
+            <a:p>
+              <a:pPr algn="ctr"/>
+              <a:r>
+                <a:rPr lang="en-US" sz="2800" dirty="0"/>
+                <a:t>Decision Tree</a:t>
+              </a:r>
+            </a:p>
+          </p:txBody>
+        </p:sp>
+        <p:cxnSp>
+          <p:nvCxnSpPr>
+            <p:cNvPr id="49" name="Straight Arrow Connector 48">
+              <a:extLst>
+                <a:ext uri="{FF2B5EF4-FFF2-40B4-BE49-F238E27FC236}">
+                  <a16:creationId xmlns:a16="http://schemas.microsoft.com/office/drawing/2014/main" id="{609368B1-ECF2-363E-9408-91255AB08580}"/>
+                </a:ext>
+              </a:extLst>
+            </p:cNvPr>
+            <p:cNvCxnSpPr>
+              <a:cxnSpLocks/>
+              <a:stCxn id="4" idx="2"/>
+            </p:cNvCxnSpPr>
+            <p:nvPr/>
+          </p:nvCxnSpPr>
+          <p:spPr>
+            <a:xfrm flipH="1">
+              <a:off x="6088621" y="3736109"/>
+              <a:ext cx="7379" cy="566068"/>
+            </a:xfrm>
+            <a:prstGeom prst="straightConnector1">
+              <a:avLst/>
+            </a:prstGeom>
+            <a:ln w="25400">
+              <a:tailEnd type="triangle"/>
+            </a:ln>
+          </p:spPr>
+          <p:style>
+            <a:lnRef idx="1">
+              <a:schemeClr val="accent1"/>
+            </a:lnRef>
+            <a:fillRef idx="0">
+              <a:schemeClr val="accent1"/>
+            </a:fillRef>
+            <a:effectRef idx="0">
+              <a:schemeClr val="accent1"/>
+            </a:effectRef>
+            <a:fontRef idx="minor">
+              <a:schemeClr val="tx1"/>
+            </a:fontRef>
+          </p:style>
+        </p:cxnSp>
+      </p:grpSp>
+      <p:grpSp>
+        <p:nvGrpSpPr>
+          <p:cNvPr id="77" name="Group 76">
+            <a:extLst>
+              <a:ext uri="{FF2B5EF4-FFF2-40B4-BE49-F238E27FC236}">
+                <a16:creationId xmlns:a16="http://schemas.microsoft.com/office/drawing/2014/main" id="{BE26A12D-1572-2144-68EC-E42B29C6FD75}"/>
+              </a:ext>
+            </a:extLst>
+          </p:cNvPr>
+          <p:cNvGrpSpPr/>
+          <p:nvPr/>
+        </p:nvGrpSpPr>
+        <p:grpSpPr>
+          <a:xfrm>
+            <a:off x="397037" y="1853664"/>
+            <a:ext cx="4018444" cy="1784709"/>
+            <a:chOff x="397037" y="1853664"/>
+            <a:chExt cx="4018444" cy="1784709"/>
+          </a:xfrm>
+        </p:grpSpPr>
+        <p:grpSp>
+          <p:nvGrpSpPr>
+            <p:cNvPr id="58" name="Group 57">
+              <a:extLst>
+                <a:ext uri="{FF2B5EF4-FFF2-40B4-BE49-F238E27FC236}">
+                  <a16:creationId xmlns:a16="http://schemas.microsoft.com/office/drawing/2014/main" id="{F8C42829-FC20-2B4A-45B2-3BE7F1AD37FE}"/>
+                </a:ext>
+              </a:extLst>
+            </p:cNvPr>
+            <p:cNvGrpSpPr/>
+            <p:nvPr/>
+          </p:nvGrpSpPr>
+          <p:grpSpPr>
+            <a:xfrm>
+              <a:off x="397037" y="1853664"/>
+              <a:ext cx="4018444" cy="1140211"/>
+              <a:chOff x="397037" y="1853664"/>
+              <a:chExt cx="4018444" cy="1140211"/>
+            </a:xfrm>
+          </p:grpSpPr>
+          <p:sp>
+            <p:nvSpPr>
+              <p:cNvPr id="9" name="TextBox 8">
+                <a:extLst>
+                  <a:ext uri="{FF2B5EF4-FFF2-40B4-BE49-F238E27FC236}">
+                    <a16:creationId xmlns:a16="http://schemas.microsoft.com/office/drawing/2014/main" id="{64C3914D-56F2-764E-1A53-63A13D6D2A0C}"/>
+                  </a:ext>
+                </a:extLst>
+              </p:cNvPr>
+              <p:cNvSpPr txBox="1"/>
+              <p:nvPr/>
+            </p:nvSpPr>
+            <p:spPr>
+              <a:xfrm>
+                <a:off x="397037" y="1853664"/>
+                <a:ext cx="2539447" cy="523220"/>
+              </a:xfrm>
+              <a:prstGeom prst="rect">
+                <a:avLst/>
+              </a:prstGeom>
+              <a:ln w="25400"/>
+            </p:spPr>
+            <p:style>
+              <a:lnRef idx="2">
+                <a:schemeClr val="accent4"/>
+              </a:lnRef>
+              <a:fillRef idx="1">
+                <a:schemeClr val="lt1"/>
+              </a:fillRef>
+              <a:effectRef idx="0">
+                <a:schemeClr val="accent4"/>
+              </a:effectRef>
+              <a:fontRef idx="minor">
+                <a:schemeClr val="dk1"/>
+              </a:fontRef>
+            </p:style>
+            <p:txBody>
+              <a:bodyPr wrap="square" rtlCol="0">
+                <a:spAutoFit/>
+              </a:bodyPr>
+              <a:lstStyle/>
+              <a:p>
+                <a:pPr algn="ctr"/>
+                <a:r>
+                  <a:rPr lang="en-US" sz="2800" dirty="0"/>
+                  <a:t>Random Forest</a:t>
+                </a:r>
+              </a:p>
+            </p:txBody>
+          </p:sp>
+          <p:cxnSp>
+            <p:nvCxnSpPr>
+              <p:cNvPr id="18" name="Straight Arrow Connector 17">
+                <a:extLst>
+                  <a:ext uri="{FF2B5EF4-FFF2-40B4-BE49-F238E27FC236}">
+                    <a16:creationId xmlns:a16="http://schemas.microsoft.com/office/drawing/2014/main" id="{1986913E-813A-62DE-87CF-AF19F359D11C}"/>
+                  </a:ext>
+                </a:extLst>
+              </p:cNvPr>
+              <p:cNvCxnSpPr>
+                <a:cxnSpLocks/>
+              </p:cNvCxnSpPr>
+              <p:nvPr/>
+            </p:nvCxnSpPr>
+            <p:spPr>
+              <a:xfrm flipH="1" flipV="1">
+                <a:off x="3055319" y="2207010"/>
+                <a:ext cx="1360162" cy="786865"/>
+              </a:xfrm>
+              <a:prstGeom prst="straightConnector1">
+                <a:avLst/>
+              </a:prstGeom>
+              <a:ln w="25400">
+                <a:tailEnd type="triangle"/>
+              </a:ln>
+            </p:spPr>
+            <p:style>
+              <a:lnRef idx="1">
+                <a:schemeClr val="accent1"/>
+              </a:lnRef>
+              <a:fillRef idx="0">
+                <a:schemeClr val="accent1"/>
+              </a:fillRef>
+              <a:effectRef idx="0">
+                <a:schemeClr val="accent1"/>
+              </a:effectRef>
+              <a:fontRef idx="minor">
+                <a:schemeClr val="tx1"/>
+              </a:fontRef>
+            </p:style>
+          </p:cxnSp>
+        </p:grpSp>
+        <p:sp>
+          <p:nvSpPr>
+            <p:cNvPr id="66" name="TextBox 65">
+              <a:extLst>
+                <a:ext uri="{FF2B5EF4-FFF2-40B4-BE49-F238E27FC236}">
+                  <a16:creationId xmlns:a16="http://schemas.microsoft.com/office/drawing/2014/main" id="{12DD2BD1-03B6-ECEF-EA10-3D494BA83839}"/>
+                </a:ext>
+              </a:extLst>
+            </p:cNvPr>
+            <p:cNvSpPr txBox="1"/>
+            <p:nvPr/>
+          </p:nvSpPr>
+          <p:spPr>
+            <a:xfrm>
+              <a:off x="512077" y="2438044"/>
+              <a:ext cx="2240867" cy="1200329"/>
+            </a:xfrm>
+            <a:prstGeom prst="rect">
+              <a:avLst/>
+            </a:prstGeom>
+            <a:noFill/>
+          </p:spPr>
+          <p:txBody>
+            <a:bodyPr wrap="square" rtlCol="0">
+              <a:spAutoFit/>
+            </a:bodyPr>
+            <a:lstStyle/>
+            <a:p>
+              <a:r>
+                <a:rPr lang="en-US" dirty="0"/>
+                <a:t>Accuracy: 	1.0</a:t>
+              </a:r>
+            </a:p>
+            <a:p>
+              <a:r>
+                <a:rPr lang="en-US" dirty="0"/>
+                <a:t>F1: 			1.0</a:t>
+              </a:r>
+            </a:p>
+            <a:p>
+              <a:r>
+                <a:rPr lang="en-US" dirty="0"/>
+                <a:t>Precision:		1.0</a:t>
+              </a:r>
+            </a:p>
+            <a:p>
+              <a:r>
+                <a:rPr lang="en-US" dirty="0"/>
+                <a:t>Recall:		1.0</a:t>
+              </a:r>
+            </a:p>
+          </p:txBody>
+        </p:sp>
+      </p:grpSp>
+      <p:grpSp>
+        <p:nvGrpSpPr>
+          <p:cNvPr id="75" name="Group 74">
+            <a:extLst>
+              <a:ext uri="{FF2B5EF4-FFF2-40B4-BE49-F238E27FC236}">
+                <a16:creationId xmlns:a16="http://schemas.microsoft.com/office/drawing/2014/main" id="{3B98E891-23AB-A1CF-3B19-1698AC1C7ABF}"/>
+              </a:ext>
+            </a:extLst>
+          </p:cNvPr>
+          <p:cNvGrpSpPr/>
+          <p:nvPr/>
+        </p:nvGrpSpPr>
+        <p:grpSpPr>
+          <a:xfrm>
+            <a:off x="2804285" y="5332484"/>
+            <a:ext cx="3266683" cy="1188808"/>
+            <a:chOff x="2804285" y="5332484"/>
+            <a:chExt cx="3266683" cy="1188808"/>
+          </a:xfrm>
+        </p:grpSpPr>
+        <p:sp>
+          <p:nvSpPr>
+            <p:cNvPr id="12" name="TextBox 11">
+              <a:extLst>
+                <a:ext uri="{FF2B5EF4-FFF2-40B4-BE49-F238E27FC236}">
+                  <a16:creationId xmlns:a16="http://schemas.microsoft.com/office/drawing/2014/main" id="{42F61C87-A27C-3560-9B1C-58BBE7F436DC}"/>
+                </a:ext>
+              </a:extLst>
+            </p:cNvPr>
+            <p:cNvSpPr txBox="1"/>
+            <p:nvPr/>
+          </p:nvSpPr>
+          <p:spPr>
+            <a:xfrm>
+              <a:off x="3581544" y="5332484"/>
+              <a:ext cx="1822628" cy="461665"/>
+            </a:xfrm>
+            <a:prstGeom prst="rect">
+              <a:avLst/>
+            </a:prstGeom>
+            <a:ln w="25400"/>
+          </p:spPr>
+          <p:style>
+            <a:lnRef idx="2">
+              <a:schemeClr val="accent4"/>
+            </a:lnRef>
+            <a:fillRef idx="1">
+              <a:schemeClr val="lt1"/>
+            </a:fillRef>
+            <a:effectRef idx="0">
+              <a:schemeClr val="accent4"/>
+            </a:effectRef>
+            <a:fontRef idx="minor">
+              <a:schemeClr val="dk1"/>
+            </a:fontRef>
+          </p:style>
+          <p:txBody>
+            <a:bodyPr wrap="square" rtlCol="0">
+              <a:spAutoFit/>
+            </a:bodyPr>
+            <a:lstStyle/>
+            <a:p>
+              <a:pPr algn="ctr"/>
+              <a:r>
+                <a:rPr lang="en-US" sz="2400" dirty="0"/>
+                <a:t>Entropy</a:t>
+              </a:r>
+            </a:p>
+          </p:txBody>
+        </p:sp>
+        <p:sp>
+          <p:nvSpPr>
+            <p:cNvPr id="67" name="TextBox 66">
+              <a:extLst>
+                <a:ext uri="{FF2B5EF4-FFF2-40B4-BE49-F238E27FC236}">
+                  <a16:creationId xmlns:a16="http://schemas.microsoft.com/office/drawing/2014/main" id="{93B97EA5-7EE6-1F62-B43F-3E30930B1629}"/>
+                </a:ext>
+              </a:extLst>
+            </p:cNvPr>
+            <p:cNvSpPr txBox="1"/>
+            <p:nvPr/>
+          </p:nvSpPr>
+          <p:spPr>
+            <a:xfrm>
+              <a:off x="2804285" y="5874961"/>
+              <a:ext cx="3266683" cy="646331"/>
+            </a:xfrm>
+            <a:prstGeom prst="rect">
+              <a:avLst/>
+            </a:prstGeom>
+            <a:noFill/>
+          </p:spPr>
+          <p:txBody>
+            <a:bodyPr wrap="square" rtlCol="0">
+              <a:spAutoFit/>
+            </a:bodyPr>
+            <a:lstStyle/>
+            <a:p>
+              <a:r>
+                <a:rPr lang="en-US" dirty="0"/>
+                <a:t>Accuracy:	 0.95	F1: 0.95</a:t>
+              </a:r>
+            </a:p>
+            <a:p>
+              <a:r>
+                <a:rPr lang="en-US" dirty="0"/>
+                <a:t>Precision: 0.96 	Recall: 0.96</a:t>
+              </a:r>
+            </a:p>
+          </p:txBody>
+        </p:sp>
+      </p:grpSp>
+      <p:grpSp>
+        <p:nvGrpSpPr>
+          <p:cNvPr id="76" name="Group 75">
+            <a:extLst>
+              <a:ext uri="{FF2B5EF4-FFF2-40B4-BE49-F238E27FC236}">
+                <a16:creationId xmlns:a16="http://schemas.microsoft.com/office/drawing/2014/main" id="{78BC637B-A828-F1C3-0ACE-FFECA24F7739}"/>
+              </a:ext>
+            </a:extLst>
+          </p:cNvPr>
+          <p:cNvGrpSpPr/>
+          <p:nvPr/>
+        </p:nvGrpSpPr>
+        <p:grpSpPr>
+          <a:xfrm>
+            <a:off x="6209350" y="5332484"/>
+            <a:ext cx="3266683" cy="1188808"/>
+            <a:chOff x="6209350" y="5332484"/>
+            <a:chExt cx="3266683" cy="1188808"/>
+          </a:xfrm>
+        </p:grpSpPr>
+        <p:sp>
+          <p:nvSpPr>
+            <p:cNvPr id="13" name="TextBox 12">
+              <a:extLst>
+                <a:ext uri="{FF2B5EF4-FFF2-40B4-BE49-F238E27FC236}">
+                  <a16:creationId xmlns:a16="http://schemas.microsoft.com/office/drawing/2014/main" id="{44CCD94F-C503-DAED-2EAD-BBE144D18C88}"/>
+                </a:ext>
+              </a:extLst>
+            </p:cNvPr>
+            <p:cNvSpPr txBox="1"/>
+            <p:nvPr/>
+          </p:nvSpPr>
+          <p:spPr>
+            <a:xfrm>
+              <a:off x="6624551" y="5332484"/>
+              <a:ext cx="1822628" cy="461665"/>
+            </a:xfrm>
+            <a:prstGeom prst="rect">
+              <a:avLst/>
+            </a:prstGeom>
+            <a:ln w="25400"/>
+          </p:spPr>
+          <p:style>
+            <a:lnRef idx="2">
+              <a:schemeClr val="accent4"/>
+            </a:lnRef>
+            <a:fillRef idx="1">
+              <a:schemeClr val="lt1"/>
+            </a:fillRef>
+            <a:effectRef idx="0">
+              <a:schemeClr val="accent4"/>
+            </a:effectRef>
+            <a:fontRef idx="minor">
+              <a:schemeClr val="dk1"/>
+            </a:fontRef>
+          </p:style>
+          <p:txBody>
+            <a:bodyPr wrap="square" rtlCol="0">
+              <a:spAutoFit/>
+            </a:bodyPr>
+            <a:lstStyle/>
+            <a:p>
+              <a:pPr algn="ctr"/>
+              <a:r>
+                <a:rPr lang="en-US" sz="2400" dirty="0"/>
+                <a:t>Gini Impurity</a:t>
+              </a:r>
+            </a:p>
+          </p:txBody>
+        </p:sp>
+        <p:sp>
+          <p:nvSpPr>
+            <p:cNvPr id="69" name="TextBox 68">
+              <a:extLst>
+                <a:ext uri="{FF2B5EF4-FFF2-40B4-BE49-F238E27FC236}">
+                  <a16:creationId xmlns:a16="http://schemas.microsoft.com/office/drawing/2014/main" id="{97754A9B-0184-69FF-0965-788F700F5FA3}"/>
+                </a:ext>
+              </a:extLst>
+            </p:cNvPr>
+            <p:cNvSpPr txBox="1"/>
+            <p:nvPr/>
+          </p:nvSpPr>
+          <p:spPr>
+            <a:xfrm>
+              <a:off x="6209350" y="5874961"/>
+              <a:ext cx="3266683" cy="646331"/>
+            </a:xfrm>
+            <a:prstGeom prst="rect">
+              <a:avLst/>
+            </a:prstGeom>
+            <a:noFill/>
+          </p:spPr>
+          <p:txBody>
+            <a:bodyPr wrap="square" rtlCol="0">
+              <a:spAutoFit/>
+            </a:bodyPr>
+            <a:lstStyle/>
+            <a:p>
+              <a:r>
+                <a:rPr lang="en-US" dirty="0"/>
+                <a:t>Accuracy:	 0.95	F1: 0.95</a:t>
+              </a:r>
+            </a:p>
+            <a:p>
+              <a:r>
+                <a:rPr lang="en-US" dirty="0"/>
+                <a:t>Precision: 0.96 	Recall: 0.95</a:t>
+              </a:r>
+            </a:p>
+          </p:txBody>
+        </p:sp>
+      </p:grpSp>
+      <p:grpSp>
+        <p:nvGrpSpPr>
+          <p:cNvPr id="81" name="Group 80">
+            <a:extLst>
+              <a:ext uri="{FF2B5EF4-FFF2-40B4-BE49-F238E27FC236}">
+                <a16:creationId xmlns:a16="http://schemas.microsoft.com/office/drawing/2014/main" id="{2F6513C5-B081-DBA3-0183-D2AC272D3980}"/>
+              </a:ext>
+            </a:extLst>
+          </p:cNvPr>
+          <p:cNvGrpSpPr/>
+          <p:nvPr/>
+        </p:nvGrpSpPr>
+        <p:grpSpPr>
+          <a:xfrm>
+            <a:off x="4420547" y="1330444"/>
+            <a:ext cx="3266683" cy="1667001"/>
+            <a:chOff x="4420547" y="1330444"/>
+            <a:chExt cx="3266683" cy="1667001"/>
+          </a:xfrm>
+        </p:grpSpPr>
+        <p:grpSp>
+          <p:nvGrpSpPr>
+            <p:cNvPr id="57" name="Group 56">
+              <a:extLst>
+                <a:ext uri="{FF2B5EF4-FFF2-40B4-BE49-F238E27FC236}">
+                  <a16:creationId xmlns:a16="http://schemas.microsoft.com/office/drawing/2014/main" id="{91D02545-442F-20C3-222C-1FB7C21E9963}"/>
+                </a:ext>
+              </a:extLst>
+            </p:cNvPr>
+            <p:cNvGrpSpPr/>
+            <p:nvPr/>
+          </p:nvGrpSpPr>
+          <p:grpSpPr>
+            <a:xfrm>
+              <a:off x="4971532" y="1330444"/>
+              <a:ext cx="2248933" cy="1667001"/>
+              <a:chOff x="4971532" y="1330444"/>
+              <a:chExt cx="2248933" cy="1667001"/>
+            </a:xfrm>
+          </p:grpSpPr>
+          <p:sp>
+            <p:nvSpPr>
+              <p:cNvPr id="6" name="TextBox 5">
+                <a:extLst>
+                  <a:ext uri="{FF2B5EF4-FFF2-40B4-BE49-F238E27FC236}">
+                    <a16:creationId xmlns:a16="http://schemas.microsoft.com/office/drawing/2014/main" id="{9E0A82BB-C965-4F62-15DD-ECF0DA0C5449}"/>
+                  </a:ext>
+                </a:extLst>
+              </p:cNvPr>
+              <p:cNvSpPr txBox="1"/>
+              <p:nvPr/>
+            </p:nvSpPr>
+            <p:spPr>
+              <a:xfrm>
+                <a:off x="4971532" y="1330444"/>
+                <a:ext cx="2248933" cy="523220"/>
+              </a:xfrm>
+              <a:prstGeom prst="rect">
+                <a:avLst/>
+              </a:prstGeom>
+              <a:ln w="25400"/>
+            </p:spPr>
+            <p:style>
+              <a:lnRef idx="2">
+                <a:schemeClr val="accent4"/>
+              </a:lnRef>
+              <a:fillRef idx="1">
+                <a:schemeClr val="lt1"/>
+              </a:fillRef>
+              <a:effectRef idx="0">
+                <a:schemeClr val="accent4"/>
+              </a:effectRef>
+              <a:fontRef idx="minor">
+                <a:schemeClr val="dk1"/>
+              </a:fontRef>
+            </p:style>
+            <p:txBody>
+              <a:bodyPr wrap="square" rtlCol="0">
+                <a:spAutoFit/>
+              </a:bodyPr>
+              <a:lstStyle/>
+              <a:p>
+                <a:pPr algn="ctr"/>
+                <a:r>
+                  <a:rPr lang="en-US" sz="2800" dirty="0"/>
+                  <a:t>AdaBoost</a:t>
+                </a:r>
+              </a:p>
+            </p:txBody>
+          </p:sp>
+          <p:cxnSp>
+            <p:nvCxnSpPr>
+              <p:cNvPr id="29" name="Straight Arrow Connector 28">
+                <a:extLst>
+                  <a:ext uri="{FF2B5EF4-FFF2-40B4-BE49-F238E27FC236}">
+                    <a16:creationId xmlns:a16="http://schemas.microsoft.com/office/drawing/2014/main" id="{2CA7F582-BDE3-88C6-EE91-ED3FB76A0E8A}"/>
+                  </a:ext>
+                </a:extLst>
+              </p:cNvPr>
+              <p:cNvCxnSpPr>
+                <a:cxnSpLocks/>
+              </p:cNvCxnSpPr>
+              <p:nvPr/>
+            </p:nvCxnSpPr>
+            <p:spPr>
+              <a:xfrm flipV="1">
+                <a:off x="6059850" y="1963711"/>
+                <a:ext cx="0" cy="1033734"/>
+              </a:xfrm>
+              <a:prstGeom prst="straightConnector1">
+                <a:avLst/>
+              </a:prstGeom>
+              <a:ln w="25400">
+                <a:tailEnd type="triangle"/>
+              </a:ln>
+            </p:spPr>
+            <p:style>
+              <a:lnRef idx="1">
+                <a:schemeClr val="accent1"/>
+              </a:lnRef>
+              <a:fillRef idx="0">
+                <a:schemeClr val="accent1"/>
+              </a:fillRef>
+              <a:effectRef idx="0">
+                <a:schemeClr val="accent1"/>
+              </a:effectRef>
+              <a:fontRef idx="minor">
+                <a:schemeClr val="tx1"/>
+              </a:fontRef>
+            </p:style>
+          </p:cxnSp>
+        </p:grpSp>
+        <p:sp>
+          <p:nvSpPr>
+            <p:cNvPr id="70" name="TextBox 69">
+              <a:extLst>
+                <a:ext uri="{FF2B5EF4-FFF2-40B4-BE49-F238E27FC236}">
+                  <a16:creationId xmlns:a16="http://schemas.microsoft.com/office/drawing/2014/main" id="{F37F615D-6D8F-679A-F772-45BB97D791C8}"/>
+                </a:ext>
+              </a:extLst>
+            </p:cNvPr>
+            <p:cNvSpPr txBox="1"/>
+            <p:nvPr/>
+          </p:nvSpPr>
+          <p:spPr>
+            <a:xfrm>
+              <a:off x="4420547" y="1876092"/>
+              <a:ext cx="3266683" cy="646331"/>
+            </a:xfrm>
+            <a:prstGeom prst="rect">
+              <a:avLst/>
+            </a:prstGeom>
+            <a:noFill/>
+          </p:spPr>
+          <p:txBody>
+            <a:bodyPr wrap="square" rtlCol="0">
+              <a:spAutoFit/>
+            </a:bodyPr>
+            <a:lstStyle/>
+            <a:p>
+              <a:r>
+                <a:rPr lang="en-US" dirty="0"/>
+                <a:t>Accuracy:	 0.99	F1: 0.99</a:t>
+              </a:r>
+            </a:p>
+            <a:p>
+              <a:r>
+                <a:rPr lang="en-US" dirty="0"/>
+                <a:t>Precision: 0.99 	Recall: 0.99</a:t>
+              </a:r>
+            </a:p>
+          </p:txBody>
+        </p:sp>
+      </p:grpSp>
+      <p:grpSp>
+        <p:nvGrpSpPr>
+          <p:cNvPr id="80" name="Group 79">
+            <a:extLst>
+              <a:ext uri="{FF2B5EF4-FFF2-40B4-BE49-F238E27FC236}">
+                <a16:creationId xmlns:a16="http://schemas.microsoft.com/office/drawing/2014/main" id="{E18518A1-0C68-9B17-5E7D-FC879D23448D}"/>
+              </a:ext>
+            </a:extLst>
+          </p:cNvPr>
+          <p:cNvGrpSpPr/>
+          <p:nvPr/>
+        </p:nvGrpSpPr>
+        <p:grpSpPr>
+          <a:xfrm>
+            <a:off x="7776518" y="3729569"/>
+            <a:ext cx="3938343" cy="2205734"/>
+            <a:chOff x="7776518" y="3729569"/>
+            <a:chExt cx="3938343" cy="2205734"/>
+          </a:xfrm>
+        </p:grpSpPr>
+        <p:grpSp>
+          <p:nvGrpSpPr>
+            <p:cNvPr id="60" name="Group 59">
+              <a:extLst>
+                <a:ext uri="{FF2B5EF4-FFF2-40B4-BE49-F238E27FC236}">
+                  <a16:creationId xmlns:a16="http://schemas.microsoft.com/office/drawing/2014/main" id="{1158EFC8-BCD1-6A8D-50E3-AA0E80E248B8}"/>
+                </a:ext>
+              </a:extLst>
+            </p:cNvPr>
+            <p:cNvGrpSpPr/>
+            <p:nvPr/>
+          </p:nvGrpSpPr>
+          <p:grpSpPr>
+            <a:xfrm>
+              <a:off x="7776518" y="3729569"/>
+              <a:ext cx="3520104" cy="952321"/>
+              <a:chOff x="7776518" y="3729569"/>
+              <a:chExt cx="3520104" cy="952321"/>
+            </a:xfrm>
+          </p:grpSpPr>
+          <p:sp>
+            <p:nvSpPr>
+              <p:cNvPr id="10" name="TextBox 9">
+                <a:extLst>
+                  <a:ext uri="{FF2B5EF4-FFF2-40B4-BE49-F238E27FC236}">
+                    <a16:creationId xmlns:a16="http://schemas.microsoft.com/office/drawing/2014/main" id="{482146B2-CB5E-B128-EA17-2BC80F6F7B3D}"/>
+                  </a:ext>
+                </a:extLst>
+              </p:cNvPr>
+              <p:cNvSpPr txBox="1"/>
+              <p:nvPr/>
+            </p:nvSpPr>
+            <p:spPr>
+              <a:xfrm>
+                <a:off x="9473994" y="4158670"/>
+                <a:ext cx="1822628" cy="523220"/>
+              </a:xfrm>
+              <a:prstGeom prst="rect">
+                <a:avLst/>
+              </a:prstGeom>
+              <a:ln w="25400"/>
+            </p:spPr>
+            <p:style>
+              <a:lnRef idx="2">
+                <a:schemeClr val="accent4"/>
+              </a:lnRef>
+              <a:fillRef idx="1">
+                <a:schemeClr val="lt1"/>
+              </a:fillRef>
+              <a:effectRef idx="0">
+                <a:schemeClr val="accent4"/>
+              </a:effectRef>
+              <a:fontRef idx="minor">
+                <a:schemeClr val="dk1"/>
+              </a:fontRef>
+            </p:style>
+            <p:txBody>
+              <a:bodyPr wrap="square" rtlCol="0">
+                <a:spAutoFit/>
+              </a:bodyPr>
+              <a:lstStyle/>
+              <a:p>
+                <a:pPr algn="ctr"/>
+                <a:r>
+                  <a:rPr lang="en-US" sz="2800" dirty="0"/>
+                  <a:t>XGBoost</a:t>
+                </a:r>
+              </a:p>
+            </p:txBody>
+          </p:sp>
+          <p:cxnSp>
+            <p:nvCxnSpPr>
+              <p:cNvPr id="32" name="Straight Arrow Connector 31">
+                <a:extLst>
+                  <a:ext uri="{FF2B5EF4-FFF2-40B4-BE49-F238E27FC236}">
+                    <a16:creationId xmlns:a16="http://schemas.microsoft.com/office/drawing/2014/main" id="{1A0548DA-2F4E-B690-F5C4-2FB4A1D7A55C}"/>
+                  </a:ext>
+                </a:extLst>
+              </p:cNvPr>
+              <p:cNvCxnSpPr>
+                <a:cxnSpLocks/>
+              </p:cNvCxnSpPr>
+              <p:nvPr/>
+            </p:nvCxnSpPr>
+            <p:spPr>
+              <a:xfrm>
+                <a:off x="7776518" y="3729569"/>
+                <a:ext cx="1622315" cy="690711"/>
+              </a:xfrm>
+              <a:prstGeom prst="straightConnector1">
+                <a:avLst/>
+              </a:prstGeom>
+              <a:ln w="25400">
+                <a:tailEnd type="triangle"/>
+              </a:ln>
+            </p:spPr>
+            <p:style>
+              <a:lnRef idx="1">
+                <a:schemeClr val="accent1"/>
+              </a:lnRef>
+              <a:fillRef idx="0">
+                <a:schemeClr val="accent1"/>
+              </a:fillRef>
+              <a:effectRef idx="0">
+                <a:schemeClr val="accent1"/>
+              </a:effectRef>
+              <a:fontRef idx="minor">
+                <a:schemeClr val="tx1"/>
+              </a:fontRef>
+            </p:style>
+          </p:cxnSp>
+        </p:grpSp>
+        <p:sp>
+          <p:nvSpPr>
+            <p:cNvPr id="71" name="TextBox 70">
+              <a:extLst>
+                <a:ext uri="{FF2B5EF4-FFF2-40B4-BE49-F238E27FC236}">
+                  <a16:creationId xmlns:a16="http://schemas.microsoft.com/office/drawing/2014/main" id="{D4A77549-A9A9-8E6E-F26A-C8FC892FF30A}"/>
+                </a:ext>
+              </a:extLst>
+            </p:cNvPr>
+            <p:cNvSpPr txBox="1"/>
+            <p:nvPr/>
+          </p:nvSpPr>
+          <p:spPr>
+            <a:xfrm>
+              <a:off x="9473994" y="4734974"/>
+              <a:ext cx="2240867" cy="1200329"/>
+            </a:xfrm>
+            <a:prstGeom prst="rect">
+              <a:avLst/>
+            </a:prstGeom>
+            <a:noFill/>
+          </p:spPr>
+          <p:txBody>
+            <a:bodyPr wrap="square" rtlCol="0">
+              <a:spAutoFit/>
+            </a:bodyPr>
+            <a:lstStyle/>
+            <a:p>
+              <a:r>
+                <a:rPr lang="en-US" dirty="0"/>
+                <a:t>Accuracy: 	1.0</a:t>
+              </a:r>
+            </a:p>
+            <a:p>
+              <a:r>
+                <a:rPr lang="en-US" dirty="0"/>
+                <a:t>F1: 			1.0</a:t>
+              </a:r>
+            </a:p>
+            <a:p>
+              <a:r>
+                <a:rPr lang="en-US" dirty="0"/>
+                <a:t>Precision:		1.0</a:t>
+              </a:r>
+            </a:p>
+            <a:p>
+              <a:r>
+                <a:rPr lang="en-US" dirty="0"/>
+                <a:t>Recall:		1.0</a:t>
+              </a:r>
+            </a:p>
+          </p:txBody>
+        </p:sp>
+      </p:grpSp>
+      <p:grpSp>
+        <p:nvGrpSpPr>
+          <p:cNvPr id="78" name="Group 77">
+            <a:extLst>
+              <a:ext uri="{FF2B5EF4-FFF2-40B4-BE49-F238E27FC236}">
+                <a16:creationId xmlns:a16="http://schemas.microsoft.com/office/drawing/2014/main" id="{1ABE2E34-07A3-48B1-CB17-C270429C65D8}"/>
+              </a:ext>
+            </a:extLst>
+          </p:cNvPr>
+          <p:cNvGrpSpPr/>
+          <p:nvPr/>
+        </p:nvGrpSpPr>
+        <p:grpSpPr>
+          <a:xfrm>
+            <a:off x="695617" y="3736109"/>
+            <a:ext cx="3719864" cy="2196539"/>
+            <a:chOff x="695617" y="3736109"/>
+            <a:chExt cx="3719864" cy="2196539"/>
+          </a:xfrm>
+        </p:grpSpPr>
+        <p:grpSp>
+          <p:nvGrpSpPr>
+            <p:cNvPr id="59" name="Group 58">
+              <a:extLst>
+                <a:ext uri="{FF2B5EF4-FFF2-40B4-BE49-F238E27FC236}">
+                  <a16:creationId xmlns:a16="http://schemas.microsoft.com/office/drawing/2014/main" id="{0157FA9B-3043-9722-6964-0BB906BB3F47}"/>
+                </a:ext>
+              </a:extLst>
+            </p:cNvPr>
+            <p:cNvGrpSpPr/>
+            <p:nvPr/>
+          </p:nvGrpSpPr>
+          <p:grpSpPr>
+            <a:xfrm>
+              <a:off x="755446" y="3736109"/>
+              <a:ext cx="3660035" cy="945981"/>
+              <a:chOff x="755446" y="3736109"/>
+              <a:chExt cx="3660035" cy="945981"/>
+            </a:xfrm>
+          </p:grpSpPr>
+          <p:sp>
+            <p:nvSpPr>
+              <p:cNvPr id="8" name="TextBox 7">
+                <a:extLst>
+                  <a:ext uri="{FF2B5EF4-FFF2-40B4-BE49-F238E27FC236}">
+                    <a16:creationId xmlns:a16="http://schemas.microsoft.com/office/drawing/2014/main" id="{9080BB43-009D-4F17-27C1-E76D18D3B823}"/>
+                  </a:ext>
+                </a:extLst>
+              </p:cNvPr>
+              <p:cNvSpPr txBox="1"/>
+              <p:nvPr/>
+            </p:nvSpPr>
+            <p:spPr>
+              <a:xfrm>
+                <a:off x="755446" y="4158870"/>
+                <a:ext cx="1822628" cy="523220"/>
+              </a:xfrm>
+              <a:prstGeom prst="rect">
+                <a:avLst/>
+              </a:prstGeom>
+              <a:ln w="25400"/>
+            </p:spPr>
+            <p:style>
+              <a:lnRef idx="2">
+                <a:schemeClr val="accent4"/>
+              </a:lnRef>
+              <a:fillRef idx="1">
+                <a:schemeClr val="lt1"/>
+              </a:fillRef>
+              <a:effectRef idx="0">
+                <a:schemeClr val="accent4"/>
+              </a:effectRef>
+              <a:fontRef idx="minor">
+                <a:schemeClr val="dk1"/>
+              </a:fontRef>
+            </p:style>
+            <p:txBody>
+              <a:bodyPr wrap="square" rtlCol="0">
+                <a:spAutoFit/>
+              </a:bodyPr>
+              <a:lstStyle/>
+              <a:p>
+                <a:pPr algn="ctr"/>
+                <a:r>
+                  <a:rPr lang="en-US" sz="2800" dirty="0"/>
+                  <a:t>SVC</a:t>
+                </a:r>
+              </a:p>
+            </p:txBody>
+          </p:sp>
+          <p:cxnSp>
+            <p:nvCxnSpPr>
+              <p:cNvPr id="23" name="Straight Arrow Connector 22">
+                <a:extLst>
+                  <a:ext uri="{FF2B5EF4-FFF2-40B4-BE49-F238E27FC236}">
+                    <a16:creationId xmlns:a16="http://schemas.microsoft.com/office/drawing/2014/main" id="{1BBE66A9-6EBC-5EE2-8F0A-6D6A8DFDBFCE}"/>
+                  </a:ext>
+                </a:extLst>
+              </p:cNvPr>
+              <p:cNvCxnSpPr>
+                <a:cxnSpLocks/>
+              </p:cNvCxnSpPr>
+              <p:nvPr/>
+            </p:nvCxnSpPr>
+            <p:spPr>
+              <a:xfrm flipH="1">
+                <a:off x="2742341" y="3736109"/>
+                <a:ext cx="1673140" cy="684171"/>
+              </a:xfrm>
+              <a:prstGeom prst="straightConnector1">
+                <a:avLst/>
+              </a:prstGeom>
+              <a:ln w="25400">
+                <a:tailEnd type="triangle"/>
+              </a:ln>
+            </p:spPr>
+            <p:style>
+              <a:lnRef idx="1">
+                <a:schemeClr val="accent1"/>
+              </a:lnRef>
+              <a:fillRef idx="0">
+                <a:schemeClr val="accent1"/>
+              </a:fillRef>
+              <a:effectRef idx="0">
+                <a:schemeClr val="accent1"/>
+              </a:effectRef>
+              <a:fontRef idx="minor">
+                <a:schemeClr val="tx1"/>
+              </a:fontRef>
+            </p:style>
+          </p:cxnSp>
+        </p:grpSp>
+        <p:sp>
+          <p:nvSpPr>
+            <p:cNvPr id="72" name="TextBox 71">
+              <a:extLst>
+                <a:ext uri="{FF2B5EF4-FFF2-40B4-BE49-F238E27FC236}">
+                  <a16:creationId xmlns:a16="http://schemas.microsoft.com/office/drawing/2014/main" id="{8FB05720-72A2-5041-EAB5-55A207CB91B2}"/>
+                </a:ext>
+              </a:extLst>
+            </p:cNvPr>
+            <p:cNvSpPr txBox="1"/>
+            <p:nvPr/>
+          </p:nvSpPr>
+          <p:spPr>
+            <a:xfrm>
+              <a:off x="695617" y="4732319"/>
+              <a:ext cx="2240867" cy="1200329"/>
+            </a:xfrm>
+            <a:prstGeom prst="rect">
+              <a:avLst/>
+            </a:prstGeom>
+            <a:noFill/>
+          </p:spPr>
+          <p:txBody>
+            <a:bodyPr wrap="square" rtlCol="0">
+              <a:spAutoFit/>
+            </a:bodyPr>
+            <a:lstStyle/>
+            <a:p>
+              <a:r>
+                <a:rPr lang="en-US" dirty="0"/>
+                <a:t>Accuracy: 	1.0</a:t>
+              </a:r>
+            </a:p>
+            <a:p>
+              <a:r>
+                <a:rPr lang="en-US" dirty="0"/>
+                <a:t>F1: 			1.0</a:t>
+              </a:r>
+            </a:p>
+            <a:p>
+              <a:r>
+                <a:rPr lang="en-US" dirty="0"/>
+                <a:t>Precision:		1.0</a:t>
+              </a:r>
+            </a:p>
+            <a:p>
+              <a:r>
+                <a:rPr lang="en-US" dirty="0"/>
+                <a:t>Recall:		1.0</a:t>
+              </a:r>
+            </a:p>
+          </p:txBody>
+        </p:sp>
+      </p:grpSp>
+      <p:grpSp>
+        <p:nvGrpSpPr>
+          <p:cNvPr id="79" name="Group 78">
+            <a:extLst>
+              <a:ext uri="{FF2B5EF4-FFF2-40B4-BE49-F238E27FC236}">
+                <a16:creationId xmlns:a16="http://schemas.microsoft.com/office/drawing/2014/main" id="{B06DB1A5-881A-2204-2FF8-50608DDF9A89}"/>
+              </a:ext>
+            </a:extLst>
+          </p:cNvPr>
+          <p:cNvGrpSpPr/>
+          <p:nvPr/>
+        </p:nvGrpSpPr>
+        <p:grpSpPr>
+          <a:xfrm>
+            <a:off x="7776518" y="1853664"/>
+            <a:ext cx="4018445" cy="1748621"/>
+            <a:chOff x="7776518" y="1853664"/>
+            <a:chExt cx="4018445" cy="1748621"/>
+          </a:xfrm>
+        </p:grpSpPr>
+        <p:grpSp>
+          <p:nvGrpSpPr>
+            <p:cNvPr id="61" name="Group 60">
+              <a:extLst>
+                <a:ext uri="{FF2B5EF4-FFF2-40B4-BE49-F238E27FC236}">
+                  <a16:creationId xmlns:a16="http://schemas.microsoft.com/office/drawing/2014/main" id="{44481FDF-650F-9E7A-074D-1FD73E5CEFA3}"/>
+                </a:ext>
+              </a:extLst>
+            </p:cNvPr>
+            <p:cNvGrpSpPr/>
+            <p:nvPr/>
+          </p:nvGrpSpPr>
+          <p:grpSpPr>
+            <a:xfrm>
+              <a:off x="7776518" y="1853664"/>
+              <a:ext cx="4018445" cy="1140211"/>
+              <a:chOff x="7776518" y="1853664"/>
+              <a:chExt cx="4018445" cy="1140211"/>
+            </a:xfrm>
+          </p:grpSpPr>
+          <p:sp>
+            <p:nvSpPr>
+              <p:cNvPr id="7" name="TextBox 6">
+                <a:extLst>
+                  <a:ext uri="{FF2B5EF4-FFF2-40B4-BE49-F238E27FC236}">
+                    <a16:creationId xmlns:a16="http://schemas.microsoft.com/office/drawing/2014/main" id="{991B5E03-31CF-C18C-420D-4990384DB598}"/>
+                  </a:ext>
+                </a:extLst>
+              </p:cNvPr>
+              <p:cNvSpPr txBox="1"/>
+              <p:nvPr/>
+            </p:nvSpPr>
+            <p:spPr>
+              <a:xfrm>
+                <a:off x="8865418" y="1853664"/>
+                <a:ext cx="2929545" cy="523220"/>
+              </a:xfrm>
+              <a:prstGeom prst="rect">
+                <a:avLst/>
+              </a:prstGeom>
+              <a:ln w="25400"/>
+            </p:spPr>
+            <p:style>
+              <a:lnRef idx="2">
+                <a:schemeClr val="accent4"/>
+              </a:lnRef>
+              <a:fillRef idx="1">
+                <a:schemeClr val="lt1"/>
+              </a:fillRef>
+              <a:effectRef idx="0">
+                <a:schemeClr val="accent4"/>
+              </a:effectRef>
+              <a:fontRef idx="minor">
+                <a:schemeClr val="dk1"/>
+              </a:fontRef>
+            </p:style>
+            <p:txBody>
+              <a:bodyPr wrap="square" rtlCol="0">
+                <a:spAutoFit/>
+              </a:bodyPr>
+              <a:lstStyle/>
+              <a:p>
+                <a:pPr algn="ctr"/>
+                <a:r>
+                  <a:rPr lang="en-US" sz="2800" dirty="0"/>
+                  <a:t>Gradient Boosting</a:t>
+                </a:r>
+              </a:p>
+            </p:txBody>
+          </p:sp>
+          <p:cxnSp>
+            <p:nvCxnSpPr>
+              <p:cNvPr id="42" name="Straight Arrow Connector 41">
+                <a:extLst>
+                  <a:ext uri="{FF2B5EF4-FFF2-40B4-BE49-F238E27FC236}">
+                    <a16:creationId xmlns:a16="http://schemas.microsoft.com/office/drawing/2014/main" id="{44E77B39-01DA-D655-0B1E-A85AA1388DE3}"/>
+                  </a:ext>
+                </a:extLst>
+              </p:cNvPr>
+              <p:cNvCxnSpPr>
+                <a:cxnSpLocks/>
+              </p:cNvCxnSpPr>
+              <p:nvPr/>
+            </p:nvCxnSpPr>
+            <p:spPr>
+              <a:xfrm flipV="1">
+                <a:off x="7776518" y="2207010"/>
+                <a:ext cx="947757" cy="786865"/>
+              </a:xfrm>
+              <a:prstGeom prst="straightConnector1">
+                <a:avLst/>
+              </a:prstGeom>
+              <a:ln w="25400">
+                <a:tailEnd type="triangle"/>
+              </a:ln>
+            </p:spPr>
+            <p:style>
+              <a:lnRef idx="1">
+                <a:schemeClr val="accent1"/>
+              </a:lnRef>
+              <a:fillRef idx="0">
+                <a:schemeClr val="accent1"/>
+              </a:fillRef>
+              <a:effectRef idx="0">
+                <a:schemeClr val="accent1"/>
+              </a:effectRef>
+              <a:fontRef idx="minor">
+                <a:schemeClr val="tx1"/>
+              </a:fontRef>
+            </p:style>
+          </p:cxnSp>
+        </p:grpSp>
+        <p:sp>
+          <p:nvSpPr>
+            <p:cNvPr id="73" name="TextBox 72">
+              <a:extLst>
+                <a:ext uri="{FF2B5EF4-FFF2-40B4-BE49-F238E27FC236}">
+                  <a16:creationId xmlns:a16="http://schemas.microsoft.com/office/drawing/2014/main" id="{063616A4-91FC-D1AE-89B3-05BE191C0E28}"/>
+                </a:ext>
+              </a:extLst>
+            </p:cNvPr>
+            <p:cNvSpPr txBox="1"/>
+            <p:nvPr/>
+          </p:nvSpPr>
+          <p:spPr>
+            <a:xfrm>
+              <a:off x="9286656" y="2401956"/>
+              <a:ext cx="2240867" cy="1200329"/>
+            </a:xfrm>
+            <a:prstGeom prst="rect">
+              <a:avLst/>
+            </a:prstGeom>
+            <a:noFill/>
+          </p:spPr>
+          <p:txBody>
+            <a:bodyPr wrap="square" rtlCol="0">
+              <a:spAutoFit/>
+            </a:bodyPr>
+            <a:lstStyle/>
+            <a:p>
+              <a:r>
+                <a:rPr lang="en-US" dirty="0"/>
+                <a:t>Accuracy: 	1.0</a:t>
+              </a:r>
+            </a:p>
+            <a:p>
+              <a:r>
+                <a:rPr lang="en-US" dirty="0"/>
+                <a:t>F1: 			1.0</a:t>
+              </a:r>
+            </a:p>
+            <a:p>
+              <a:r>
+                <a:rPr lang="en-US" dirty="0"/>
+                <a:t>Precision:		1.0</a:t>
+              </a:r>
+            </a:p>
+            <a:p>
+              <a:r>
+                <a:rPr lang="en-US" dirty="0"/>
+                <a:t>Recall:		1.0</a:t>
+              </a:r>
+            </a:p>
+          </p:txBody>
+        </p:sp>
+      </p:grpSp>
+      <p:grpSp>
+        <p:nvGrpSpPr>
+          <p:cNvPr id="82" name="Group 81">
+            <a:extLst>
+              <a:ext uri="{FF2B5EF4-FFF2-40B4-BE49-F238E27FC236}">
+                <a16:creationId xmlns:a16="http://schemas.microsoft.com/office/drawing/2014/main" id="{88961B03-2FF3-A9B1-6011-770C1E4A8350}"/>
+              </a:ext>
+            </a:extLst>
+          </p:cNvPr>
+          <p:cNvGrpSpPr/>
+          <p:nvPr/>
+        </p:nvGrpSpPr>
+        <p:grpSpPr>
+          <a:xfrm>
+            <a:off x="3581544" y="1330444"/>
+            <a:ext cx="4865635" cy="4463705"/>
+            <a:chOff x="3581544" y="1330444"/>
+            <a:chExt cx="4865635" cy="4463705"/>
+          </a:xfrm>
+        </p:grpSpPr>
+        <p:sp>
+          <p:nvSpPr>
+            <p:cNvPr id="83" name="Right Brace 82">
+              <a:extLst>
+                <a:ext uri="{FF2B5EF4-FFF2-40B4-BE49-F238E27FC236}">
+                  <a16:creationId xmlns:a16="http://schemas.microsoft.com/office/drawing/2014/main" id="{CD176A70-B795-CF81-FC0B-058C8759CADA}"/>
+                </a:ext>
+              </a:extLst>
+            </p:cNvPr>
+            <p:cNvSpPr/>
+            <p:nvPr/>
+          </p:nvSpPr>
+          <p:spPr>
+            <a:xfrm rot="16200000">
+              <a:off x="5816557" y="3624319"/>
+              <a:ext cx="339724" cy="3008763"/>
+            </a:xfrm>
+            <a:prstGeom prst="rightBrace">
+              <a:avLst/>
+            </a:prstGeom>
+            <a:ln w="22225">
+              <a:solidFill>
+                <a:schemeClr val="accent1">
+                  <a:lumMod val="50000"/>
+                </a:schemeClr>
+              </a:solidFill>
+            </a:ln>
+          </p:spPr>
+          <p:style>
+            <a:lnRef idx="1">
+              <a:schemeClr val="accent1"/>
+            </a:lnRef>
+            <a:fillRef idx="0">
+              <a:schemeClr val="accent1"/>
+            </a:fillRef>
+            <a:effectRef idx="0">
+              <a:schemeClr val="accent1"/>
+            </a:effectRef>
+            <a:fontRef idx="minor">
+              <a:schemeClr val="tx1"/>
+            </a:fontRef>
+          </p:style>
+          <p:txBody>
+            <a:bodyPr rtlCol="0" anchor="ctr"/>
+            <a:lstStyle/>
+            <a:p>
+              <a:pPr algn="ctr"/>
+              <a:endParaRPr lang="en-US"/>
+            </a:p>
+          </p:txBody>
+        </p:sp>
+        <p:grpSp>
+          <p:nvGrpSpPr>
+            <p:cNvPr id="84" name="Group 83">
+              <a:extLst>
+                <a:ext uri="{FF2B5EF4-FFF2-40B4-BE49-F238E27FC236}">
+                  <a16:creationId xmlns:a16="http://schemas.microsoft.com/office/drawing/2014/main" id="{EFCBE5B4-5E3C-6B99-FE92-0F81AB31B083}"/>
+                </a:ext>
+              </a:extLst>
+            </p:cNvPr>
+            <p:cNvGrpSpPr/>
+            <p:nvPr/>
+          </p:nvGrpSpPr>
+          <p:grpSpPr>
+            <a:xfrm>
+              <a:off x="4965364" y="3736109"/>
+              <a:ext cx="2248933" cy="1207391"/>
+              <a:chOff x="4965364" y="3736109"/>
+              <a:chExt cx="2248933" cy="1207391"/>
+            </a:xfrm>
+          </p:grpSpPr>
+          <p:sp>
+            <p:nvSpPr>
+              <p:cNvPr id="90" name="TextBox 89">
+                <a:extLst>
+                  <a:ext uri="{FF2B5EF4-FFF2-40B4-BE49-F238E27FC236}">
+                    <a16:creationId xmlns:a16="http://schemas.microsoft.com/office/drawing/2014/main" id="{47A49AA6-0B2E-5308-F937-0254D3434978}"/>
+                  </a:ext>
+                </a:extLst>
+              </p:cNvPr>
+              <p:cNvSpPr txBox="1"/>
+              <p:nvPr/>
+            </p:nvSpPr>
+            <p:spPr>
+              <a:xfrm>
+                <a:off x="4965364" y="4420280"/>
+                <a:ext cx="2248933" cy="523220"/>
+              </a:xfrm>
+              <a:prstGeom prst="rect">
+                <a:avLst/>
+              </a:prstGeom>
+              <a:solidFill>
+                <a:schemeClr val="tx2">
+                  <a:lumMod val="25000"/>
+                </a:schemeClr>
+              </a:solidFill>
+              <a:ln w="25400"/>
+            </p:spPr>
+            <p:style>
+              <a:lnRef idx="2">
+                <a:schemeClr val="accent4"/>
+              </a:lnRef>
+              <a:fillRef idx="1">
+                <a:schemeClr val="lt1"/>
+              </a:fillRef>
+              <a:effectRef idx="0">
+                <a:schemeClr val="accent4"/>
+              </a:effectRef>
+              <a:fontRef idx="minor">
+                <a:schemeClr val="dk1"/>
+              </a:fontRef>
+            </p:style>
+            <p:txBody>
+              <a:bodyPr wrap="square" rtlCol="0">
+                <a:spAutoFit/>
+              </a:bodyPr>
+              <a:lstStyle/>
+              <a:p>
+                <a:pPr algn="ctr"/>
+                <a:r>
+                  <a:rPr lang="en-US" sz="2800" dirty="0"/>
+                  <a:t>Decision Tree</a:t>
+                </a:r>
+              </a:p>
+            </p:txBody>
+          </p:sp>
+          <p:cxnSp>
+            <p:nvCxnSpPr>
+              <p:cNvPr id="91" name="Straight Arrow Connector 90">
+                <a:extLst>
+                  <a:ext uri="{FF2B5EF4-FFF2-40B4-BE49-F238E27FC236}">
+                    <a16:creationId xmlns:a16="http://schemas.microsoft.com/office/drawing/2014/main" id="{D32F9D29-4284-62FF-3785-D36CF5B364A9}"/>
+                  </a:ext>
+                </a:extLst>
+              </p:cNvPr>
+              <p:cNvCxnSpPr>
+                <a:cxnSpLocks/>
+              </p:cNvCxnSpPr>
+              <p:nvPr/>
+            </p:nvCxnSpPr>
+            <p:spPr>
+              <a:xfrm flipH="1">
+                <a:off x="6088621" y="3736109"/>
+                <a:ext cx="7379" cy="566068"/>
+              </a:xfrm>
+              <a:prstGeom prst="straightConnector1">
+                <a:avLst/>
+              </a:prstGeom>
+              <a:ln w="25400">
+                <a:solidFill>
+                  <a:schemeClr val="accent1">
+                    <a:lumMod val="50000"/>
+                  </a:schemeClr>
+                </a:solidFill>
+                <a:tailEnd type="triangle"/>
+              </a:ln>
+            </p:spPr>
+            <p:style>
+              <a:lnRef idx="1">
+                <a:schemeClr val="accent1"/>
+              </a:lnRef>
+              <a:fillRef idx="0">
+                <a:schemeClr val="accent1"/>
+              </a:fillRef>
+              <a:effectRef idx="0">
+                <a:schemeClr val="accent1"/>
+              </a:effectRef>
+              <a:fontRef idx="minor">
+                <a:schemeClr val="tx1"/>
+              </a:fontRef>
+            </p:style>
+          </p:cxnSp>
+        </p:grpSp>
+        <p:sp>
+          <p:nvSpPr>
+            <p:cNvPr id="85" name="TextBox 84">
+              <a:extLst>
+                <a:ext uri="{FF2B5EF4-FFF2-40B4-BE49-F238E27FC236}">
+                  <a16:creationId xmlns:a16="http://schemas.microsoft.com/office/drawing/2014/main" id="{99EA0380-1F21-476D-F44D-90FAEAC7D3B8}"/>
+                </a:ext>
+              </a:extLst>
+            </p:cNvPr>
+            <p:cNvSpPr txBox="1"/>
+            <p:nvPr/>
+          </p:nvSpPr>
+          <p:spPr>
+            <a:xfrm>
+              <a:off x="3581544" y="5332484"/>
+              <a:ext cx="1822628" cy="461665"/>
+            </a:xfrm>
+            <a:prstGeom prst="rect">
+              <a:avLst/>
+            </a:prstGeom>
+            <a:solidFill>
+              <a:schemeClr val="tx2">
+                <a:lumMod val="25000"/>
+              </a:schemeClr>
+            </a:solidFill>
+            <a:ln w="25400"/>
+          </p:spPr>
+          <p:style>
+            <a:lnRef idx="2">
+              <a:schemeClr val="accent4"/>
+            </a:lnRef>
+            <a:fillRef idx="1">
+              <a:schemeClr val="lt1"/>
+            </a:fillRef>
+            <a:effectRef idx="0">
+              <a:schemeClr val="accent4"/>
+            </a:effectRef>
+            <a:fontRef idx="minor">
+              <a:schemeClr val="dk1"/>
+            </a:fontRef>
+          </p:style>
+          <p:txBody>
+            <a:bodyPr wrap="square" rtlCol="0">
+              <a:spAutoFit/>
+            </a:bodyPr>
+            <a:lstStyle/>
+            <a:p>
+              <a:pPr algn="ctr"/>
+              <a:r>
+                <a:rPr lang="en-US" sz="2400" dirty="0"/>
+                <a:t>Entropy</a:t>
+              </a:r>
+            </a:p>
+          </p:txBody>
+        </p:sp>
+        <p:sp>
+          <p:nvSpPr>
+            <p:cNvPr id="86" name="TextBox 85">
+              <a:extLst>
+                <a:ext uri="{FF2B5EF4-FFF2-40B4-BE49-F238E27FC236}">
+                  <a16:creationId xmlns:a16="http://schemas.microsoft.com/office/drawing/2014/main" id="{6A73CC69-78B9-4A83-40FA-C2CA80170C59}"/>
+                </a:ext>
+              </a:extLst>
+            </p:cNvPr>
+            <p:cNvSpPr txBox="1"/>
+            <p:nvPr/>
+          </p:nvSpPr>
+          <p:spPr>
+            <a:xfrm>
+              <a:off x="6624551" y="5332484"/>
+              <a:ext cx="1822628" cy="461665"/>
+            </a:xfrm>
+            <a:prstGeom prst="rect">
+              <a:avLst/>
+            </a:prstGeom>
+            <a:solidFill>
+              <a:schemeClr val="tx2">
+                <a:lumMod val="25000"/>
+              </a:schemeClr>
+            </a:solidFill>
+            <a:ln w="25400"/>
+          </p:spPr>
+          <p:style>
+            <a:lnRef idx="2">
+              <a:schemeClr val="accent4"/>
+            </a:lnRef>
+            <a:fillRef idx="1">
+              <a:schemeClr val="lt1"/>
+            </a:fillRef>
+            <a:effectRef idx="0">
+              <a:schemeClr val="accent4"/>
+            </a:effectRef>
+            <a:fontRef idx="minor">
+              <a:schemeClr val="dk1"/>
+            </a:fontRef>
+          </p:style>
+          <p:txBody>
+            <a:bodyPr wrap="square" rtlCol="0">
+              <a:spAutoFit/>
+            </a:bodyPr>
+            <a:lstStyle/>
+            <a:p>
+              <a:pPr algn="ctr"/>
+              <a:r>
+                <a:rPr lang="en-US" sz="2400" dirty="0"/>
+                <a:t>Gini Impurity</a:t>
+              </a:r>
+            </a:p>
+          </p:txBody>
+        </p:sp>
+        <p:grpSp>
+          <p:nvGrpSpPr>
+            <p:cNvPr id="87" name="Group 86">
+              <a:extLst>
+                <a:ext uri="{FF2B5EF4-FFF2-40B4-BE49-F238E27FC236}">
+                  <a16:creationId xmlns:a16="http://schemas.microsoft.com/office/drawing/2014/main" id="{7DC49D49-8D25-44FB-D082-27D71E361935}"/>
+                </a:ext>
+              </a:extLst>
+            </p:cNvPr>
+            <p:cNvGrpSpPr/>
+            <p:nvPr/>
+          </p:nvGrpSpPr>
+          <p:grpSpPr>
+            <a:xfrm>
+              <a:off x="4971532" y="1330444"/>
+              <a:ext cx="2248933" cy="1667001"/>
+              <a:chOff x="4971532" y="1330444"/>
+              <a:chExt cx="2248933" cy="1667001"/>
+            </a:xfrm>
+          </p:grpSpPr>
+          <p:sp>
+            <p:nvSpPr>
+              <p:cNvPr id="88" name="TextBox 87">
+                <a:extLst>
+                  <a:ext uri="{FF2B5EF4-FFF2-40B4-BE49-F238E27FC236}">
+                    <a16:creationId xmlns:a16="http://schemas.microsoft.com/office/drawing/2014/main" id="{DD2C7055-63D1-52ED-0119-DA1637CD8551}"/>
+                  </a:ext>
+                </a:extLst>
+              </p:cNvPr>
+              <p:cNvSpPr txBox="1"/>
+              <p:nvPr/>
+            </p:nvSpPr>
+            <p:spPr>
+              <a:xfrm>
+                <a:off x="4971532" y="1330444"/>
+                <a:ext cx="2248933" cy="523220"/>
+              </a:xfrm>
+              <a:prstGeom prst="rect">
+                <a:avLst/>
+              </a:prstGeom>
+              <a:solidFill>
+                <a:schemeClr val="tx2">
+                  <a:lumMod val="25000"/>
+                  <a:alpha val="99000"/>
+                </a:schemeClr>
+              </a:solidFill>
+              <a:ln w="25400"/>
+            </p:spPr>
+            <p:style>
+              <a:lnRef idx="2">
+                <a:schemeClr val="accent4"/>
+              </a:lnRef>
+              <a:fillRef idx="1">
+                <a:schemeClr val="lt1"/>
+              </a:fillRef>
+              <a:effectRef idx="0">
+                <a:schemeClr val="accent4"/>
+              </a:effectRef>
+              <a:fontRef idx="minor">
+                <a:schemeClr val="dk1"/>
+              </a:fontRef>
+            </p:style>
+            <p:txBody>
+              <a:bodyPr wrap="square" rtlCol="0">
+                <a:spAutoFit/>
+              </a:bodyPr>
+              <a:lstStyle/>
+              <a:p>
+                <a:pPr algn="ctr"/>
+                <a:r>
+                  <a:rPr lang="en-US" sz="2800" dirty="0"/>
+                  <a:t>AdaBoost</a:t>
+                </a:r>
+              </a:p>
+            </p:txBody>
+          </p:sp>
+          <p:cxnSp>
+            <p:nvCxnSpPr>
+              <p:cNvPr id="89" name="Straight Arrow Connector 88">
+                <a:extLst>
+                  <a:ext uri="{FF2B5EF4-FFF2-40B4-BE49-F238E27FC236}">
+                    <a16:creationId xmlns:a16="http://schemas.microsoft.com/office/drawing/2014/main" id="{B7592931-81C6-0FA2-28A3-4B52738EC126}"/>
+                  </a:ext>
+                </a:extLst>
+              </p:cNvPr>
+              <p:cNvCxnSpPr>
+                <a:cxnSpLocks/>
+              </p:cNvCxnSpPr>
+              <p:nvPr/>
+            </p:nvCxnSpPr>
+            <p:spPr>
+              <a:xfrm flipV="1">
+                <a:off x="6059850" y="1963711"/>
+                <a:ext cx="0" cy="1033734"/>
+              </a:xfrm>
+              <a:prstGeom prst="straightConnector1">
+                <a:avLst/>
+              </a:prstGeom>
+              <a:ln w="25400">
+                <a:solidFill>
+                  <a:schemeClr val="accent1">
+                    <a:lumMod val="50000"/>
+                  </a:schemeClr>
+                </a:solidFill>
+                <a:tailEnd type="triangle"/>
+              </a:ln>
+            </p:spPr>
+            <p:style>
+              <a:lnRef idx="1">
+                <a:schemeClr val="accent1"/>
+              </a:lnRef>
+              <a:fillRef idx="0">
+                <a:schemeClr val="accent1"/>
+              </a:fillRef>
+              <a:effectRef idx="0">
+                <a:schemeClr val="accent1"/>
+              </a:effectRef>
+              <a:fontRef idx="minor">
+                <a:schemeClr val="tx1"/>
+              </a:fontRef>
+            </p:style>
+          </p:cxnSp>
+        </p:grpSp>
+      </p:grpSp>
     </p:spTree>
     <p:extLst>
       <p:ext uri="{BB962C8B-B14F-4D97-AF65-F5344CB8AC3E}">
@@ -20754,6 +25813,489 @@
   <p:clrMapOvr>
     <a:masterClrMapping/>
   </p:clrMapOvr>
+  <p:timing>
+    <p:tnLst>
+      <p:par>
+        <p:cTn id="1" dur="indefinite" restart="never" nodeType="tmRoot">
+          <p:childTnLst>
+            <p:seq concurrent="1" nextAc="seek">
+              <p:cTn id="2" dur="indefinite" nodeType="mainSeq">
+                <p:childTnLst>
+                  <p:par>
+                    <p:cTn id="3" fill="hold">
+                      <p:stCondLst>
+                        <p:cond delay="indefinite"/>
+                      </p:stCondLst>
+                      <p:childTnLst>
+                        <p:par>
+                          <p:cTn id="4" fill="hold">
+                            <p:stCondLst>
+                              <p:cond delay="0"/>
+                            </p:stCondLst>
+                            <p:childTnLst>
+                              <p:par>
+                                <p:cTn id="5" presetID="1" presetClass="entr" presetSubtype="0" fill="hold" nodeType="clickEffect">
+                                  <p:stCondLst>
+                                    <p:cond delay="0"/>
+                                  </p:stCondLst>
+                                  <p:childTnLst>
+                                    <p:set>
+                                      <p:cBhvr>
+                                        <p:cTn id="6" dur="1" fill="hold">
+                                          <p:stCondLst>
+                                            <p:cond delay="0"/>
+                                          </p:stCondLst>
+                                        </p:cTn>
+                                        <p:tgtEl>
+                                          <p:spTgt spid="74"/>
+                                        </p:tgtEl>
+                                        <p:attrNameLst>
+                                          <p:attrName>style.visibility</p:attrName>
+                                        </p:attrNameLst>
+                                      </p:cBhvr>
+                                      <p:to>
+                                        <p:strVal val="visible"/>
+                                      </p:to>
+                                    </p:set>
+                                  </p:childTnLst>
+                                </p:cTn>
+                              </p:par>
+                            </p:childTnLst>
+                          </p:cTn>
+                        </p:par>
+                      </p:childTnLst>
+                    </p:cTn>
+                  </p:par>
+                  <p:par>
+                    <p:cTn id="7" fill="hold">
+                      <p:stCondLst>
+                        <p:cond delay="indefinite"/>
+                      </p:stCondLst>
+                      <p:childTnLst>
+                        <p:par>
+                          <p:cTn id="8" fill="hold">
+                            <p:stCondLst>
+                              <p:cond delay="0"/>
+                            </p:stCondLst>
+                            <p:childTnLst>
+                              <p:par>
+                                <p:cTn id="9" presetID="1" presetClass="entr" presetSubtype="0" fill="hold" grpId="0" nodeType="clickEffect">
+                                  <p:stCondLst>
+                                    <p:cond delay="0"/>
+                                  </p:stCondLst>
+                                  <p:childTnLst>
+                                    <p:set>
+                                      <p:cBhvr>
+                                        <p:cTn id="10" dur="1" fill="hold">
+                                          <p:stCondLst>
+                                            <p:cond delay="0"/>
+                                          </p:stCondLst>
+                                        </p:cTn>
+                                        <p:tgtEl>
+                                          <p:spTgt spid="21"/>
+                                        </p:tgtEl>
+                                        <p:attrNameLst>
+                                          <p:attrName>style.visibility</p:attrName>
+                                        </p:attrNameLst>
+                                      </p:cBhvr>
+                                      <p:to>
+                                        <p:strVal val="visible"/>
+                                      </p:to>
+                                    </p:set>
+                                  </p:childTnLst>
+                                </p:cTn>
+                              </p:par>
+                            </p:childTnLst>
+                          </p:cTn>
+                        </p:par>
+                      </p:childTnLst>
+                    </p:cTn>
+                  </p:par>
+                  <p:par>
+                    <p:cTn id="11" fill="hold">
+                      <p:stCondLst>
+                        <p:cond delay="indefinite"/>
+                      </p:stCondLst>
+                      <p:childTnLst>
+                        <p:par>
+                          <p:cTn id="12" fill="hold">
+                            <p:stCondLst>
+                              <p:cond delay="0"/>
+                            </p:stCondLst>
+                            <p:childTnLst>
+                              <p:par>
+                                <p:cTn id="13" presetID="1" presetClass="entr" presetSubtype="0" fill="hold" nodeType="clickEffect">
+                                  <p:stCondLst>
+                                    <p:cond delay="0"/>
+                                  </p:stCondLst>
+                                  <p:childTnLst>
+                                    <p:set>
+                                      <p:cBhvr>
+                                        <p:cTn id="14" dur="1" fill="hold">
+                                          <p:stCondLst>
+                                            <p:cond delay="0"/>
+                                          </p:stCondLst>
+                                        </p:cTn>
+                                        <p:tgtEl>
+                                          <p:spTgt spid="75"/>
+                                        </p:tgtEl>
+                                        <p:attrNameLst>
+                                          <p:attrName>style.visibility</p:attrName>
+                                        </p:attrNameLst>
+                                      </p:cBhvr>
+                                      <p:to>
+                                        <p:strVal val="visible"/>
+                                      </p:to>
+                                    </p:set>
+                                  </p:childTnLst>
+                                </p:cTn>
+                              </p:par>
+                            </p:childTnLst>
+                          </p:cTn>
+                        </p:par>
+                      </p:childTnLst>
+                    </p:cTn>
+                  </p:par>
+                  <p:par>
+                    <p:cTn id="15" fill="hold">
+                      <p:stCondLst>
+                        <p:cond delay="indefinite"/>
+                      </p:stCondLst>
+                      <p:childTnLst>
+                        <p:par>
+                          <p:cTn id="16" fill="hold">
+                            <p:stCondLst>
+                              <p:cond delay="0"/>
+                            </p:stCondLst>
+                            <p:childTnLst>
+                              <p:par>
+                                <p:cTn id="17" presetID="1" presetClass="entr" presetSubtype="0" fill="hold" nodeType="clickEffect">
+                                  <p:stCondLst>
+                                    <p:cond delay="0"/>
+                                  </p:stCondLst>
+                                  <p:childTnLst>
+                                    <p:set>
+                                      <p:cBhvr>
+                                        <p:cTn id="18" dur="1" fill="hold">
+                                          <p:stCondLst>
+                                            <p:cond delay="0"/>
+                                          </p:stCondLst>
+                                        </p:cTn>
+                                        <p:tgtEl>
+                                          <p:spTgt spid="76"/>
+                                        </p:tgtEl>
+                                        <p:attrNameLst>
+                                          <p:attrName>style.visibility</p:attrName>
+                                        </p:attrNameLst>
+                                      </p:cBhvr>
+                                      <p:to>
+                                        <p:strVal val="visible"/>
+                                      </p:to>
+                                    </p:set>
+                                  </p:childTnLst>
+                                </p:cTn>
+                              </p:par>
+                            </p:childTnLst>
+                          </p:cTn>
+                        </p:par>
+                      </p:childTnLst>
+                    </p:cTn>
+                  </p:par>
+                  <p:par>
+                    <p:cTn id="19" fill="hold">
+                      <p:stCondLst>
+                        <p:cond delay="indefinite"/>
+                      </p:stCondLst>
+                      <p:childTnLst>
+                        <p:par>
+                          <p:cTn id="20" fill="hold">
+                            <p:stCondLst>
+                              <p:cond delay="0"/>
+                            </p:stCondLst>
+                            <p:childTnLst>
+                              <p:par>
+                                <p:cTn id="21" presetID="1" presetClass="entr" presetSubtype="0" fill="hold" nodeType="clickEffect">
+                                  <p:stCondLst>
+                                    <p:cond delay="0"/>
+                                  </p:stCondLst>
+                                  <p:childTnLst>
+                                    <p:set>
+                                      <p:cBhvr>
+                                        <p:cTn id="22" dur="1" fill="hold">
+                                          <p:stCondLst>
+                                            <p:cond delay="0"/>
+                                          </p:stCondLst>
+                                        </p:cTn>
+                                        <p:tgtEl>
+                                          <p:spTgt spid="81"/>
+                                        </p:tgtEl>
+                                        <p:attrNameLst>
+                                          <p:attrName>style.visibility</p:attrName>
+                                        </p:attrNameLst>
+                                      </p:cBhvr>
+                                      <p:to>
+                                        <p:strVal val="visible"/>
+                                      </p:to>
+                                    </p:set>
+                                  </p:childTnLst>
+                                </p:cTn>
+                              </p:par>
+                            </p:childTnLst>
+                          </p:cTn>
+                        </p:par>
+                      </p:childTnLst>
+                    </p:cTn>
+                  </p:par>
+                  <p:par>
+                    <p:cTn id="23" fill="hold">
+                      <p:stCondLst>
+                        <p:cond delay="indefinite"/>
+                      </p:stCondLst>
+                      <p:childTnLst>
+                        <p:par>
+                          <p:cTn id="24" fill="hold">
+                            <p:stCondLst>
+                              <p:cond delay="0"/>
+                            </p:stCondLst>
+                            <p:childTnLst>
+                              <p:par>
+                                <p:cTn id="25" presetID="1" presetClass="entr" presetSubtype="0" fill="hold" nodeType="clickEffect">
+                                  <p:stCondLst>
+                                    <p:cond delay="0"/>
+                                  </p:stCondLst>
+                                  <p:childTnLst>
+                                    <p:set>
+                                      <p:cBhvr>
+                                        <p:cTn id="26" dur="1" fill="hold">
+                                          <p:stCondLst>
+                                            <p:cond delay="0"/>
+                                          </p:stCondLst>
+                                        </p:cTn>
+                                        <p:tgtEl>
+                                          <p:spTgt spid="77"/>
+                                        </p:tgtEl>
+                                        <p:attrNameLst>
+                                          <p:attrName>style.visibility</p:attrName>
+                                        </p:attrNameLst>
+                                      </p:cBhvr>
+                                      <p:to>
+                                        <p:strVal val="visible"/>
+                                      </p:to>
+                                    </p:set>
+                                  </p:childTnLst>
+                                </p:cTn>
+                              </p:par>
+                            </p:childTnLst>
+                          </p:cTn>
+                        </p:par>
+                      </p:childTnLst>
+                    </p:cTn>
+                  </p:par>
+                  <p:par>
+                    <p:cTn id="27" fill="hold">
+                      <p:stCondLst>
+                        <p:cond delay="indefinite"/>
+                      </p:stCondLst>
+                      <p:childTnLst>
+                        <p:par>
+                          <p:cTn id="28" fill="hold">
+                            <p:stCondLst>
+                              <p:cond delay="0"/>
+                            </p:stCondLst>
+                            <p:childTnLst>
+                              <p:par>
+                                <p:cTn id="29" presetID="1" presetClass="entr" presetSubtype="0" fill="hold" nodeType="clickEffect">
+                                  <p:stCondLst>
+                                    <p:cond delay="0"/>
+                                  </p:stCondLst>
+                                  <p:childTnLst>
+                                    <p:set>
+                                      <p:cBhvr>
+                                        <p:cTn id="30" dur="1" fill="hold">
+                                          <p:stCondLst>
+                                            <p:cond delay="0"/>
+                                          </p:stCondLst>
+                                        </p:cTn>
+                                        <p:tgtEl>
+                                          <p:spTgt spid="78"/>
+                                        </p:tgtEl>
+                                        <p:attrNameLst>
+                                          <p:attrName>style.visibility</p:attrName>
+                                        </p:attrNameLst>
+                                      </p:cBhvr>
+                                      <p:to>
+                                        <p:strVal val="visible"/>
+                                      </p:to>
+                                    </p:set>
+                                  </p:childTnLst>
+                                </p:cTn>
+                              </p:par>
+                            </p:childTnLst>
+                          </p:cTn>
+                        </p:par>
+                      </p:childTnLst>
+                    </p:cTn>
+                  </p:par>
+                  <p:par>
+                    <p:cTn id="31" fill="hold">
+                      <p:stCondLst>
+                        <p:cond delay="indefinite"/>
+                      </p:stCondLst>
+                      <p:childTnLst>
+                        <p:par>
+                          <p:cTn id="32" fill="hold">
+                            <p:stCondLst>
+                              <p:cond delay="0"/>
+                            </p:stCondLst>
+                            <p:childTnLst>
+                              <p:par>
+                                <p:cTn id="33" presetID="1" presetClass="entr" presetSubtype="0" fill="hold" nodeType="clickEffect">
+                                  <p:stCondLst>
+                                    <p:cond delay="0"/>
+                                  </p:stCondLst>
+                                  <p:childTnLst>
+                                    <p:set>
+                                      <p:cBhvr>
+                                        <p:cTn id="34" dur="1" fill="hold">
+                                          <p:stCondLst>
+                                            <p:cond delay="0"/>
+                                          </p:stCondLst>
+                                        </p:cTn>
+                                        <p:tgtEl>
+                                          <p:spTgt spid="79"/>
+                                        </p:tgtEl>
+                                        <p:attrNameLst>
+                                          <p:attrName>style.visibility</p:attrName>
+                                        </p:attrNameLst>
+                                      </p:cBhvr>
+                                      <p:to>
+                                        <p:strVal val="visible"/>
+                                      </p:to>
+                                    </p:set>
+                                  </p:childTnLst>
+                                </p:cTn>
+                              </p:par>
+                            </p:childTnLst>
+                          </p:cTn>
+                        </p:par>
+                      </p:childTnLst>
+                    </p:cTn>
+                  </p:par>
+                  <p:par>
+                    <p:cTn id="35" fill="hold">
+                      <p:stCondLst>
+                        <p:cond delay="indefinite"/>
+                      </p:stCondLst>
+                      <p:childTnLst>
+                        <p:par>
+                          <p:cTn id="36" fill="hold">
+                            <p:stCondLst>
+                              <p:cond delay="0"/>
+                            </p:stCondLst>
+                            <p:childTnLst>
+                              <p:par>
+                                <p:cTn id="37" presetID="1" presetClass="entr" presetSubtype="0" fill="hold" nodeType="clickEffect">
+                                  <p:stCondLst>
+                                    <p:cond delay="0"/>
+                                  </p:stCondLst>
+                                  <p:childTnLst>
+                                    <p:set>
+                                      <p:cBhvr>
+                                        <p:cTn id="38" dur="1" fill="hold">
+                                          <p:stCondLst>
+                                            <p:cond delay="0"/>
+                                          </p:stCondLst>
+                                        </p:cTn>
+                                        <p:tgtEl>
+                                          <p:spTgt spid="80"/>
+                                        </p:tgtEl>
+                                        <p:attrNameLst>
+                                          <p:attrName>style.visibility</p:attrName>
+                                        </p:attrNameLst>
+                                      </p:cBhvr>
+                                      <p:to>
+                                        <p:strVal val="visible"/>
+                                      </p:to>
+                                    </p:set>
+                                  </p:childTnLst>
+                                </p:cTn>
+                              </p:par>
+                            </p:childTnLst>
+                          </p:cTn>
+                        </p:par>
+                      </p:childTnLst>
+                    </p:cTn>
+                  </p:par>
+                  <p:par>
+                    <p:cTn id="39" fill="hold">
+                      <p:stCondLst>
+                        <p:cond delay="indefinite"/>
+                      </p:stCondLst>
+                      <p:childTnLst>
+                        <p:par>
+                          <p:cTn id="40" fill="hold">
+                            <p:stCondLst>
+                              <p:cond delay="0"/>
+                            </p:stCondLst>
+                            <p:childTnLst>
+                              <p:par>
+                                <p:cTn id="41" presetID="1" presetClass="entr" presetSubtype="0" fill="hold" nodeType="clickEffect">
+                                  <p:stCondLst>
+                                    <p:cond delay="0"/>
+                                  </p:stCondLst>
+                                  <p:childTnLst>
+                                    <p:set>
+                                      <p:cBhvr>
+                                        <p:cTn id="42" dur="1" fill="hold">
+                                          <p:stCondLst>
+                                            <p:cond delay="0"/>
+                                          </p:stCondLst>
+                                        </p:cTn>
+                                        <p:tgtEl>
+                                          <p:spTgt spid="82"/>
+                                        </p:tgtEl>
+                                        <p:attrNameLst>
+                                          <p:attrName>style.visibility</p:attrName>
+                                        </p:attrNameLst>
+                                      </p:cBhvr>
+                                      <p:to>
+                                        <p:strVal val="visible"/>
+                                      </p:to>
+                                    </p:set>
+                                  </p:childTnLst>
+                                </p:cTn>
+                              </p:par>
+                            </p:childTnLst>
+                          </p:cTn>
+                        </p:par>
+                      </p:childTnLst>
+                    </p:cTn>
+                  </p:par>
+                </p:childTnLst>
+              </p:cTn>
+              <p:prevCondLst>
+                <p:cond evt="onPrev" delay="0">
+                  <p:tgtEl>
+                    <p:sldTgt/>
+                  </p:tgtEl>
+                </p:cond>
+              </p:prevCondLst>
+              <p:nextCondLst>
+                <p:cond evt="onNext" delay="0">
+                  <p:tgtEl>
+                    <p:sldTgt/>
+                  </p:tgtEl>
+                </p:cond>
+              </p:nextCondLst>
+            </p:seq>
+          </p:childTnLst>
+        </p:cTn>
+      </p:par>
+    </p:tnLst>
+    <p:bldLst>
+      <p:bldP spid="21" grpId="0" animBg="1"/>
+    </p:bldLst>
+  </p:timing>
 </p:sld>
 </file>
 
